--- a/Reuse_Water/221124_米国再生水NAWI RO膜解析・最適化FS相談_rev.0.pptx
+++ b/Reuse_Water/221124_米国再生水NAWI RO膜解析・最適化FS相談_rev.0.pptx
@@ -5,7 +5,7 @@
     <p:sldMasterId id="2147483756" r:id="rId1"/>
   </p:sldMasterIdLst>
   <p:notesMasterIdLst>
-    <p:notesMasterId r:id="rId20"/>
+    <p:notesMasterId r:id="rId22"/>
   </p:notesMasterIdLst>
   <p:sldIdLst>
     <p:sldId id="269" r:id="rId2"/>
@@ -19,13 +19,15 @@
     <p:sldId id="319" r:id="rId10"/>
     <p:sldId id="323" r:id="rId11"/>
     <p:sldId id="324" r:id="rId12"/>
-    <p:sldId id="314" r:id="rId13"/>
-    <p:sldId id="321" r:id="rId14"/>
-    <p:sldId id="325" r:id="rId15"/>
-    <p:sldId id="286" r:id="rId16"/>
-    <p:sldId id="310" r:id="rId17"/>
-    <p:sldId id="311" r:id="rId18"/>
-    <p:sldId id="312" r:id="rId19"/>
+    <p:sldId id="326" r:id="rId13"/>
+    <p:sldId id="314" r:id="rId14"/>
+    <p:sldId id="321" r:id="rId15"/>
+    <p:sldId id="327" r:id="rId16"/>
+    <p:sldId id="325" r:id="rId17"/>
+    <p:sldId id="286" r:id="rId18"/>
+    <p:sldId id="310" r:id="rId19"/>
+    <p:sldId id="311" r:id="rId20"/>
+    <p:sldId id="312" r:id="rId21"/>
   </p:sldIdLst>
   <p:sldSz cx="12192000" cy="6858000"/>
   <p:notesSz cx="6858000" cy="9144000"/>
@@ -217,7 +219,7 @@
           <a:p>
             <a:fld id="{82150B36-03E6-4D3A-8098-12EB1C30C067}" type="datetimeFigureOut">
               <a:rPr kumimoji="1" lang="ja-JP" altLang="en-US" smtClean="0"/>
-              <a:t>2022/11/22</a:t>
+              <a:t>2022/11/24</a:t>
             </a:fld>
             <a:endParaRPr kumimoji="1" lang="ja-JP" altLang="en-US"/>
           </a:p>
@@ -581,7 +583,7 @@
           <a:p>
             <a:fld id="{234BF75D-FAA7-4C74-927E-D481AAC481B6}" type="slidenum">
               <a:rPr kumimoji="1" lang="ja-JP" altLang="en-US" smtClean="0"/>
-              <a:t>15</a:t>
+              <a:t>17</a:t>
             </a:fld>
             <a:endParaRPr kumimoji="1" lang="ja-JP" altLang="en-US"/>
           </a:p>
@@ -10829,14 +10831,14 @@
           <a:p>
             <a:r>
               <a:rPr lang="ja-JP" altLang="en-US" dirty="0"/>
-              <a:t>最適化ポイント：膜閉塞状態に合わせた洗浄を実施することで、洗浄コストを削減する</a:t>
+              <a:t>最適化ポイント：膜延命も考慮した運転を実施することで、膜交換コストを削減する</a:t>
             </a:r>
             <a:endParaRPr lang="en-US" altLang="ja-JP" dirty="0"/>
           </a:p>
           <a:p>
             <a:r>
               <a:rPr lang="ja-JP" altLang="en-US" dirty="0"/>
-              <a:t>モデリングポイント：膜前後のデータから、膜閉塞度を予測する</a:t>
+              <a:t>モデリングポイント：膜前後のデータから、膜劣化度を予測する</a:t>
             </a:r>
             <a:endParaRPr lang="en-US" altLang="ja-JP" dirty="0"/>
           </a:p>
@@ -10844,294 +10846,10 @@
       </p:sp>
       <p:sp>
         <p:nvSpPr>
-          <p:cNvPr id="42" name="テキスト ボックス 41">
-            <a:extLst>
-              <a:ext uri="{FF2B5EF4-FFF2-40B4-BE49-F238E27FC236}">
-                <a16:creationId xmlns:a16="http://schemas.microsoft.com/office/drawing/2014/main" id="{8BF8CBA5-4CC4-4C1E-A3B2-C857EE928F60}"/>
-              </a:ext>
-            </a:extLst>
-          </p:cNvPr>
-          <p:cNvSpPr txBox="1"/>
-          <p:nvPr/>
-        </p:nvSpPr>
-        <p:spPr>
-          <a:xfrm>
-            <a:off x="913982" y="5820667"/>
-            <a:ext cx="3804506" cy="338554"/>
-          </a:xfrm>
-          <a:prstGeom prst="rect">
-            <a:avLst/>
-          </a:prstGeom>
-          <a:noFill/>
-        </p:spPr>
-        <p:txBody>
-          <a:bodyPr wrap="square" rtlCol="0">
-            <a:spAutoFit/>
-          </a:bodyPr>
-          <a:lstStyle/>
-          <a:p>
-            <a:pPr algn="ctr"/>
-            <a:r>
-              <a:rPr kumimoji="1" lang="ja-JP" altLang="en-US" sz="1600" dirty="0"/>
-              <a:t>閉塞度を予測しながら、洗浄計画を決定</a:t>
-            </a:r>
-          </a:p>
-        </p:txBody>
-      </p:sp>
-      <p:cxnSp>
-        <p:nvCxnSpPr>
-          <p:cNvPr id="43" name="直線矢印コネクタ 42">
-            <a:extLst>
-              <a:ext uri="{FF2B5EF4-FFF2-40B4-BE49-F238E27FC236}">
-                <a16:creationId xmlns:a16="http://schemas.microsoft.com/office/drawing/2014/main" id="{1C654A13-056C-48F9-BAEE-534E3784BD24}"/>
-              </a:ext>
-            </a:extLst>
-          </p:cNvPr>
-          <p:cNvCxnSpPr/>
-          <p:nvPr/>
-        </p:nvCxnSpPr>
-        <p:spPr>
-          <a:xfrm flipV="1">
-            <a:off x="351683" y="4716939"/>
-            <a:ext cx="0" cy="984628"/>
-          </a:xfrm>
-          <a:prstGeom prst="straightConnector1">
-            <a:avLst/>
-          </a:prstGeom>
-          <a:ln>
-            <a:solidFill>
-              <a:schemeClr val="tx1"/>
-            </a:solidFill>
-            <a:headEnd type="none" w="med" len="med"/>
-            <a:tailEnd type="triangle"/>
-          </a:ln>
-        </p:spPr>
-        <p:style>
-          <a:lnRef idx="1">
-            <a:schemeClr val="accent1"/>
-          </a:lnRef>
-          <a:fillRef idx="0">
-            <a:schemeClr val="accent1"/>
-          </a:fillRef>
-          <a:effectRef idx="0">
-            <a:schemeClr val="accent1"/>
-          </a:effectRef>
-          <a:fontRef idx="minor">
-            <a:schemeClr val="tx1"/>
-          </a:fontRef>
-        </p:style>
-      </p:cxnSp>
-      <p:cxnSp>
-        <p:nvCxnSpPr>
-          <p:cNvPr id="44" name="直線矢印コネクタ 43">
-            <a:extLst>
-              <a:ext uri="{FF2B5EF4-FFF2-40B4-BE49-F238E27FC236}">
-                <a16:creationId xmlns:a16="http://schemas.microsoft.com/office/drawing/2014/main" id="{8867369E-BAD8-4576-84B0-BBB21176DA38}"/>
-              </a:ext>
-            </a:extLst>
-          </p:cNvPr>
-          <p:cNvCxnSpPr>
-            <a:cxnSpLocks/>
-          </p:cNvCxnSpPr>
-          <p:nvPr/>
-        </p:nvCxnSpPr>
-        <p:spPr>
-          <a:xfrm>
-            <a:off x="351683" y="5701567"/>
-            <a:ext cx="1905000" cy="0"/>
-          </a:xfrm>
-          <a:prstGeom prst="straightConnector1">
-            <a:avLst/>
-          </a:prstGeom>
-          <a:ln>
-            <a:solidFill>
-              <a:schemeClr val="tx1"/>
-            </a:solidFill>
-            <a:headEnd type="none" w="med" len="med"/>
-            <a:tailEnd type="triangle"/>
-          </a:ln>
-        </p:spPr>
-        <p:style>
-          <a:lnRef idx="1">
-            <a:schemeClr val="accent1"/>
-          </a:lnRef>
-          <a:fillRef idx="0">
-            <a:schemeClr val="accent1"/>
-          </a:fillRef>
-          <a:effectRef idx="0">
-            <a:schemeClr val="accent1"/>
-          </a:effectRef>
-          <a:fontRef idx="minor">
-            <a:schemeClr val="tx1"/>
-          </a:fontRef>
-        </p:style>
-      </p:cxnSp>
-      <p:cxnSp>
-        <p:nvCxnSpPr>
-          <p:cNvPr id="45" name="直線矢印コネクタ 44">
-            <a:extLst>
-              <a:ext uri="{FF2B5EF4-FFF2-40B4-BE49-F238E27FC236}">
-                <a16:creationId xmlns:a16="http://schemas.microsoft.com/office/drawing/2014/main" id="{63E22058-9643-4317-A8EE-119820B74A8A}"/>
-              </a:ext>
-            </a:extLst>
-          </p:cNvPr>
-          <p:cNvCxnSpPr/>
-          <p:nvPr/>
-        </p:nvCxnSpPr>
-        <p:spPr>
-          <a:xfrm flipV="1">
-            <a:off x="3448075" y="4716939"/>
-            <a:ext cx="0" cy="984628"/>
-          </a:xfrm>
-          <a:prstGeom prst="straightConnector1">
-            <a:avLst/>
-          </a:prstGeom>
-          <a:ln>
-            <a:solidFill>
-              <a:schemeClr val="tx1"/>
-            </a:solidFill>
-            <a:headEnd type="none" w="med" len="med"/>
-            <a:tailEnd type="triangle"/>
-          </a:ln>
-        </p:spPr>
-        <p:style>
-          <a:lnRef idx="1">
-            <a:schemeClr val="accent1"/>
-          </a:lnRef>
-          <a:fillRef idx="0">
-            <a:schemeClr val="accent1"/>
-          </a:fillRef>
-          <a:effectRef idx="0">
-            <a:schemeClr val="accent1"/>
-          </a:effectRef>
-          <a:fontRef idx="minor">
-            <a:schemeClr val="tx1"/>
-          </a:fontRef>
-        </p:style>
-      </p:cxnSp>
-      <p:cxnSp>
-        <p:nvCxnSpPr>
-          <p:cNvPr id="46" name="直線矢印コネクタ 45">
-            <a:extLst>
-              <a:ext uri="{FF2B5EF4-FFF2-40B4-BE49-F238E27FC236}">
-                <a16:creationId xmlns:a16="http://schemas.microsoft.com/office/drawing/2014/main" id="{1A483E15-181D-4878-8215-2E2C2AE542E8}"/>
-              </a:ext>
-            </a:extLst>
-          </p:cNvPr>
-          <p:cNvCxnSpPr>
-            <a:cxnSpLocks/>
-          </p:cNvCxnSpPr>
-          <p:nvPr/>
-        </p:nvCxnSpPr>
-        <p:spPr>
-          <a:xfrm>
-            <a:off x="3448075" y="5701567"/>
-            <a:ext cx="1905000" cy="0"/>
-          </a:xfrm>
-          <a:prstGeom prst="straightConnector1">
-            <a:avLst/>
-          </a:prstGeom>
-          <a:ln>
-            <a:solidFill>
-              <a:schemeClr val="tx1"/>
-            </a:solidFill>
-            <a:headEnd type="none" w="med" len="med"/>
-            <a:tailEnd type="triangle"/>
-          </a:ln>
-        </p:spPr>
-        <p:style>
-          <a:lnRef idx="1">
-            <a:schemeClr val="accent1"/>
-          </a:lnRef>
-          <a:fillRef idx="0">
-            <a:schemeClr val="accent1"/>
-          </a:fillRef>
-          <a:effectRef idx="0">
-            <a:schemeClr val="accent1"/>
-          </a:effectRef>
-          <a:fontRef idx="minor">
-            <a:schemeClr val="tx1"/>
-          </a:fontRef>
-        </p:style>
-      </p:cxnSp>
-      <p:sp>
-        <p:nvSpPr>
-          <p:cNvPr id="47" name="テキスト ボックス 46">
-            <a:extLst>
-              <a:ext uri="{FF2B5EF4-FFF2-40B4-BE49-F238E27FC236}">
-                <a16:creationId xmlns:a16="http://schemas.microsoft.com/office/drawing/2014/main" id="{60CFFEEC-2A26-4912-8666-061DD1698659}"/>
-              </a:ext>
-            </a:extLst>
-          </p:cNvPr>
-          <p:cNvSpPr txBox="1"/>
-          <p:nvPr/>
-        </p:nvSpPr>
-        <p:spPr>
-          <a:xfrm>
-            <a:off x="3527209" y="4649680"/>
-            <a:ext cx="1626323" cy="338554"/>
-          </a:xfrm>
-          <a:prstGeom prst="rect">
-            <a:avLst/>
-          </a:prstGeom>
-          <a:noFill/>
-        </p:spPr>
-        <p:txBody>
-          <a:bodyPr wrap="square" rtlCol="0">
-            <a:spAutoFit/>
-          </a:bodyPr>
-          <a:lstStyle/>
-          <a:p>
-            <a:pPr algn="ctr"/>
-            <a:r>
-              <a:rPr kumimoji="1" lang="ja-JP" altLang="en-US" sz="1600" dirty="0"/>
-              <a:t>膜閉塞度</a:t>
-            </a:r>
-          </a:p>
-        </p:txBody>
-      </p:sp>
-      <p:sp>
-        <p:nvSpPr>
-          <p:cNvPr id="48" name="テキスト ボックス 47">
-            <a:extLst>
-              <a:ext uri="{FF2B5EF4-FFF2-40B4-BE49-F238E27FC236}">
-                <a16:creationId xmlns:a16="http://schemas.microsoft.com/office/drawing/2014/main" id="{0472EBAA-7597-4EBD-B5AF-355B0C16B628}"/>
-              </a:ext>
-            </a:extLst>
-          </p:cNvPr>
-          <p:cNvSpPr txBox="1"/>
-          <p:nvPr/>
-        </p:nvSpPr>
-        <p:spPr>
-          <a:xfrm>
-            <a:off x="471367" y="4646444"/>
-            <a:ext cx="1719774" cy="338554"/>
-          </a:xfrm>
-          <a:prstGeom prst="rect">
-            <a:avLst/>
-          </a:prstGeom>
-          <a:noFill/>
-        </p:spPr>
-        <p:txBody>
-          <a:bodyPr wrap="square" rtlCol="0">
-            <a:spAutoFit/>
-          </a:bodyPr>
-          <a:lstStyle/>
-          <a:p>
-            <a:pPr algn="ctr"/>
-            <a:r>
-              <a:rPr kumimoji="1" lang="ja-JP" altLang="en-US" sz="1600" dirty="0"/>
-              <a:t>膜前後の差圧など</a:t>
-            </a:r>
-          </a:p>
-        </p:txBody>
-      </p:sp>
-      <p:sp>
-        <p:nvSpPr>
-          <p:cNvPr id="79" name="矢印: 左右 78">
-            <a:extLst>
-              <a:ext uri="{FF2B5EF4-FFF2-40B4-BE49-F238E27FC236}">
-                <a16:creationId xmlns:a16="http://schemas.microsoft.com/office/drawing/2014/main" id="{47243474-87AA-4B2D-9A1B-AFF26B186D38}"/>
+          <p:cNvPr id="94" name="吹き出し: 角を丸めた四角形 93">
+            <a:extLst>
+              <a:ext uri="{FF2B5EF4-FFF2-40B4-BE49-F238E27FC236}">
+                <a16:creationId xmlns:a16="http://schemas.microsoft.com/office/drawing/2014/main" id="{3437C338-AF5F-438A-8243-58C72101A616}"/>
               </a:ext>
             </a:extLst>
           </p:cNvPr>
@@ -11140,22 +10858,19 @@
         </p:nvSpPr>
         <p:spPr>
           <a:xfrm>
-            <a:off x="2436435" y="5098552"/>
-            <a:ext cx="759600" cy="277054"/>
-          </a:xfrm>
-          <a:prstGeom prst="leftRightArrow">
-            <a:avLst/>
+            <a:off x="2595987" y="5273202"/>
+            <a:ext cx="3500013" cy="884210"/>
+          </a:xfrm>
+          <a:prstGeom prst="wedgeRoundRectCallout">
+            <a:avLst>
+              <a:gd name="adj1" fmla="val 40853"/>
+              <a:gd name="adj2" fmla="val -80348"/>
+              <a:gd name="adj3" fmla="val 16667"/>
+            </a:avLst>
           </a:prstGeom>
           <a:solidFill>
-            <a:schemeClr val="bg1">
-              <a:lumMod val="75000"/>
-            </a:schemeClr>
+            <a:schemeClr val="bg1"/>
           </a:solidFill>
-          <a:ln>
-            <a:solidFill>
-              <a:schemeClr val="tx1"/>
-            </a:solidFill>
-          </a:ln>
         </p:spPr>
         <p:style>
           <a:lnRef idx="2">
@@ -11178,856 +10893,15 @@
           <a:lstStyle/>
           <a:p>
             <a:pPr algn="ctr"/>
-            <a:endParaRPr kumimoji="1" lang="ja-JP" altLang="en-US">
-              <a:solidFill>
-                <a:schemeClr val="tx1"/>
-              </a:solidFill>
-            </a:endParaRPr>
-          </a:p>
-        </p:txBody>
-      </p:sp>
-      <p:cxnSp>
-        <p:nvCxnSpPr>
-          <p:cNvPr id="84" name="直線コネクタ 83">
-            <a:extLst>
-              <a:ext uri="{FF2B5EF4-FFF2-40B4-BE49-F238E27FC236}">
-                <a16:creationId xmlns:a16="http://schemas.microsoft.com/office/drawing/2014/main" id="{BE2E2A8C-7A3F-49AD-9D3B-CB80957708CB}"/>
-              </a:ext>
-            </a:extLst>
-          </p:cNvPr>
-          <p:cNvCxnSpPr/>
-          <p:nvPr/>
-        </p:nvCxnSpPr>
-        <p:spPr>
-          <a:xfrm>
-            <a:off x="3448075" y="5187412"/>
-            <a:ext cx="1842806" cy="0"/>
-          </a:xfrm>
-          <a:prstGeom prst="line">
-            <a:avLst/>
-          </a:prstGeom>
-          <a:ln w="19050">
-            <a:solidFill>
-              <a:schemeClr val="bg1">
-                <a:lumMod val="65000"/>
-              </a:schemeClr>
-            </a:solidFill>
-            <a:prstDash val="lgDash"/>
-            <a:headEnd type="none" w="med" len="med"/>
-            <a:tailEnd type="none" w="med" len="med"/>
-          </a:ln>
-        </p:spPr>
-        <p:style>
-          <a:lnRef idx="1">
-            <a:schemeClr val="accent1"/>
-          </a:lnRef>
-          <a:fillRef idx="0">
-            <a:schemeClr val="accent1"/>
-          </a:fillRef>
-          <a:effectRef idx="0">
-            <a:schemeClr val="accent1"/>
-          </a:effectRef>
-          <a:fontRef idx="minor">
-            <a:schemeClr val="tx1"/>
-          </a:fontRef>
-        </p:style>
-      </p:cxnSp>
-      <p:sp>
-        <p:nvSpPr>
-          <p:cNvPr id="85" name="四角形: 角を丸くする 84">
-            <a:extLst>
-              <a:ext uri="{FF2B5EF4-FFF2-40B4-BE49-F238E27FC236}">
-                <a16:creationId xmlns:a16="http://schemas.microsoft.com/office/drawing/2014/main" id="{AFA6CA9E-DF35-4B36-88E4-0E31C1169390}"/>
-              </a:ext>
-            </a:extLst>
-          </p:cNvPr>
-          <p:cNvSpPr/>
-          <p:nvPr/>
-        </p:nvSpPr>
-        <p:spPr>
-          <a:xfrm>
-            <a:off x="199952" y="4542073"/>
-            <a:ext cx="5319529" cy="1686510"/>
-          </a:xfrm>
-          <a:prstGeom prst="roundRect">
-            <a:avLst/>
-          </a:prstGeom>
-          <a:noFill/>
-          <a:ln>
-            <a:solidFill>
-              <a:schemeClr val="tx1"/>
-            </a:solidFill>
-          </a:ln>
-        </p:spPr>
-        <p:style>
-          <a:lnRef idx="2">
-            <a:schemeClr val="accent1">
-              <a:shade val="50000"/>
-            </a:schemeClr>
-          </a:lnRef>
-          <a:fillRef idx="1">
-            <a:schemeClr val="accent1"/>
-          </a:fillRef>
-          <a:effectRef idx="0">
-            <a:schemeClr val="accent1"/>
-          </a:effectRef>
-          <a:fontRef idx="minor">
-            <a:schemeClr val="lt1"/>
-          </a:fontRef>
-        </p:style>
-        <p:txBody>
-          <a:bodyPr rtlCol="0" anchor="ctr"/>
-          <a:lstStyle/>
-          <a:p>
-            <a:pPr algn="ctr"/>
-            <a:endParaRPr kumimoji="1" lang="ja-JP" altLang="en-US">
-              <a:solidFill>
-                <a:schemeClr val="tx1"/>
-              </a:solidFill>
-            </a:endParaRPr>
-          </a:p>
-        </p:txBody>
-      </p:sp>
-      <p:sp>
-        <p:nvSpPr>
-          <p:cNvPr id="86" name="テキスト ボックス 85">
-            <a:extLst>
-              <a:ext uri="{FF2B5EF4-FFF2-40B4-BE49-F238E27FC236}">
-                <a16:creationId xmlns:a16="http://schemas.microsoft.com/office/drawing/2014/main" id="{44D6FC7F-4A54-4E58-BA80-738D796CC6F9}"/>
-              </a:ext>
-            </a:extLst>
-          </p:cNvPr>
-          <p:cNvSpPr txBox="1"/>
-          <p:nvPr/>
-        </p:nvSpPr>
-        <p:spPr>
-          <a:xfrm>
-            <a:off x="1783653" y="5439245"/>
-            <a:ext cx="591312" cy="261610"/>
-          </a:xfrm>
-          <a:prstGeom prst="rect">
-            <a:avLst/>
-          </a:prstGeom>
-          <a:noFill/>
-        </p:spPr>
-        <p:txBody>
-          <a:bodyPr wrap="square" rtlCol="0">
-            <a:spAutoFit/>
-          </a:bodyPr>
-          <a:lstStyle/>
-          <a:p>
-            <a:pPr algn="ctr"/>
-            <a:r>
-              <a:rPr kumimoji="1" lang="ja-JP" altLang="en-US" sz="1100" dirty="0"/>
-              <a:t>時間</a:t>
-            </a:r>
-          </a:p>
-        </p:txBody>
-      </p:sp>
-      <p:sp>
-        <p:nvSpPr>
-          <p:cNvPr id="87" name="テキスト ボックス 86">
-            <a:extLst>
-              <a:ext uri="{FF2B5EF4-FFF2-40B4-BE49-F238E27FC236}">
-                <a16:creationId xmlns:a16="http://schemas.microsoft.com/office/drawing/2014/main" id="{BC12494A-199F-4E12-BB57-A0DE9CEED4A8}"/>
-              </a:ext>
-            </a:extLst>
-          </p:cNvPr>
-          <p:cNvSpPr txBox="1"/>
-          <p:nvPr/>
-        </p:nvSpPr>
-        <p:spPr>
-          <a:xfrm>
-            <a:off x="4910345" y="5439245"/>
-            <a:ext cx="591312" cy="261610"/>
-          </a:xfrm>
-          <a:prstGeom prst="rect">
-            <a:avLst/>
-          </a:prstGeom>
-          <a:noFill/>
-        </p:spPr>
-        <p:txBody>
-          <a:bodyPr wrap="square" rtlCol="0">
-            <a:spAutoFit/>
-          </a:bodyPr>
-          <a:lstStyle/>
-          <a:p>
-            <a:pPr algn="ctr"/>
-            <a:r>
-              <a:rPr kumimoji="1" lang="ja-JP" altLang="en-US" sz="1100" dirty="0"/>
-              <a:t>時間</a:t>
-            </a:r>
-          </a:p>
-        </p:txBody>
-      </p:sp>
-      <p:sp>
-        <p:nvSpPr>
-          <p:cNvPr id="12" name="フリーフォーム: 図形 11">
-            <a:extLst>
-              <a:ext uri="{FF2B5EF4-FFF2-40B4-BE49-F238E27FC236}">
-                <a16:creationId xmlns:a16="http://schemas.microsoft.com/office/drawing/2014/main" id="{4DD8E4E9-99CA-4E9E-AFF7-9ACC5F22FFB3}"/>
-              </a:ext>
-            </a:extLst>
-          </p:cNvPr>
-          <p:cNvSpPr/>
-          <p:nvPr/>
-        </p:nvSpPr>
-        <p:spPr>
-          <a:xfrm>
-            <a:off x="495300" y="5000625"/>
-            <a:ext cx="1524000" cy="638175"/>
-          </a:xfrm>
-          <a:custGeom>
-            <a:avLst/>
-            <a:gdLst>
-              <a:gd name="connsiteX0" fmla="*/ 0 w 1524000"/>
-              <a:gd name="connsiteY0" fmla="*/ 638175 h 638175"/>
-              <a:gd name="connsiteX1" fmla="*/ 123825 w 1524000"/>
-              <a:gd name="connsiteY1" fmla="*/ 409575 h 638175"/>
-              <a:gd name="connsiteX2" fmla="*/ 285750 w 1524000"/>
-              <a:gd name="connsiteY2" fmla="*/ 495300 h 638175"/>
-              <a:gd name="connsiteX3" fmla="*/ 409575 w 1524000"/>
-              <a:gd name="connsiteY3" fmla="*/ 219075 h 638175"/>
-              <a:gd name="connsiteX4" fmla="*/ 561975 w 1524000"/>
-              <a:gd name="connsiteY4" fmla="*/ 323850 h 638175"/>
-              <a:gd name="connsiteX5" fmla="*/ 800100 w 1524000"/>
-              <a:gd name="connsiteY5" fmla="*/ 104775 h 638175"/>
-              <a:gd name="connsiteX6" fmla="*/ 1009650 w 1524000"/>
-              <a:gd name="connsiteY6" fmla="*/ 238125 h 638175"/>
-              <a:gd name="connsiteX7" fmla="*/ 1200150 w 1524000"/>
-              <a:gd name="connsiteY7" fmla="*/ 28575 h 638175"/>
-              <a:gd name="connsiteX8" fmla="*/ 1295400 w 1524000"/>
-              <a:gd name="connsiteY8" fmla="*/ 114300 h 638175"/>
-              <a:gd name="connsiteX9" fmla="*/ 1524000 w 1524000"/>
-              <a:gd name="connsiteY9" fmla="*/ 0 h 638175"/>
-            </a:gdLst>
-            <a:ahLst/>
-            <a:cxnLst>
-              <a:cxn ang="0">
-                <a:pos x="connsiteX0" y="connsiteY0"/>
-              </a:cxn>
-              <a:cxn ang="0">
-                <a:pos x="connsiteX1" y="connsiteY1"/>
-              </a:cxn>
-              <a:cxn ang="0">
-                <a:pos x="connsiteX2" y="connsiteY2"/>
-              </a:cxn>
-              <a:cxn ang="0">
-                <a:pos x="connsiteX3" y="connsiteY3"/>
-              </a:cxn>
-              <a:cxn ang="0">
-                <a:pos x="connsiteX4" y="connsiteY4"/>
-              </a:cxn>
-              <a:cxn ang="0">
-                <a:pos x="connsiteX5" y="connsiteY5"/>
-              </a:cxn>
-              <a:cxn ang="0">
-                <a:pos x="connsiteX6" y="connsiteY6"/>
-              </a:cxn>
-              <a:cxn ang="0">
-                <a:pos x="connsiteX7" y="connsiteY7"/>
-              </a:cxn>
-              <a:cxn ang="0">
-                <a:pos x="connsiteX8" y="connsiteY8"/>
-              </a:cxn>
-              <a:cxn ang="0">
-                <a:pos x="connsiteX9" y="connsiteY9"/>
-              </a:cxn>
-            </a:cxnLst>
-            <a:rect l="l" t="t" r="r" b="b"/>
-            <a:pathLst>
-              <a:path w="1524000" h="638175">
-                <a:moveTo>
-                  <a:pt x="0" y="638175"/>
-                </a:moveTo>
-                <a:cubicBezTo>
-                  <a:pt x="38100" y="535781"/>
-                  <a:pt x="76200" y="433387"/>
-                  <a:pt x="123825" y="409575"/>
-                </a:cubicBezTo>
-                <a:cubicBezTo>
-                  <a:pt x="171450" y="385762"/>
-                  <a:pt x="238125" y="527050"/>
-                  <a:pt x="285750" y="495300"/>
-                </a:cubicBezTo>
-                <a:cubicBezTo>
-                  <a:pt x="333375" y="463550"/>
-                  <a:pt x="363537" y="247650"/>
-                  <a:pt x="409575" y="219075"/>
-                </a:cubicBezTo>
-                <a:cubicBezTo>
-                  <a:pt x="455613" y="190500"/>
-                  <a:pt x="496887" y="342900"/>
-                  <a:pt x="561975" y="323850"/>
-                </a:cubicBezTo>
-                <a:cubicBezTo>
-                  <a:pt x="627063" y="304800"/>
-                  <a:pt x="725488" y="119062"/>
-                  <a:pt x="800100" y="104775"/>
-                </a:cubicBezTo>
-                <a:cubicBezTo>
-                  <a:pt x="874712" y="90488"/>
-                  <a:pt x="942975" y="250825"/>
-                  <a:pt x="1009650" y="238125"/>
-                </a:cubicBezTo>
-                <a:cubicBezTo>
-                  <a:pt x="1076325" y="225425"/>
-                  <a:pt x="1152525" y="49212"/>
-                  <a:pt x="1200150" y="28575"/>
-                </a:cubicBezTo>
-                <a:cubicBezTo>
-                  <a:pt x="1247775" y="7937"/>
-                  <a:pt x="1241425" y="119063"/>
-                  <a:pt x="1295400" y="114300"/>
-                </a:cubicBezTo>
-                <a:cubicBezTo>
-                  <a:pt x="1349375" y="109537"/>
-                  <a:pt x="1436687" y="54768"/>
-                  <a:pt x="1524000" y="0"/>
-                </a:cubicBezTo>
-              </a:path>
-            </a:pathLst>
-          </a:custGeom>
-          <a:noFill/>
-        </p:spPr>
-        <p:style>
-          <a:lnRef idx="2">
-            <a:schemeClr val="accent1">
-              <a:shade val="50000"/>
-            </a:schemeClr>
-          </a:lnRef>
-          <a:fillRef idx="1">
-            <a:schemeClr val="accent1"/>
-          </a:fillRef>
-          <a:effectRef idx="0">
-            <a:schemeClr val="accent1"/>
-          </a:effectRef>
-          <a:fontRef idx="minor">
-            <a:schemeClr val="lt1"/>
-          </a:fontRef>
-        </p:style>
-        <p:txBody>
-          <a:bodyPr rtlCol="0" anchor="ctr"/>
-          <a:lstStyle/>
-          <a:p>
-            <a:pPr algn="ctr"/>
-            <a:endParaRPr kumimoji="1" lang="ja-JP" altLang="en-US"/>
-          </a:p>
-        </p:txBody>
-      </p:sp>
-      <p:sp>
-        <p:nvSpPr>
-          <p:cNvPr id="88" name="フリーフォーム: 図形 87">
-            <a:extLst>
-              <a:ext uri="{FF2B5EF4-FFF2-40B4-BE49-F238E27FC236}">
-                <a16:creationId xmlns:a16="http://schemas.microsoft.com/office/drawing/2014/main" id="{A167BD08-D2EC-4514-B0D0-4AE75B7A108A}"/>
-              </a:ext>
-            </a:extLst>
-          </p:cNvPr>
-          <p:cNvSpPr/>
-          <p:nvPr/>
-        </p:nvSpPr>
-        <p:spPr>
-          <a:xfrm>
-            <a:off x="3605058" y="5193560"/>
-            <a:ext cx="1524000" cy="479470"/>
-          </a:xfrm>
-          <a:custGeom>
-            <a:avLst/>
-            <a:gdLst>
-              <a:gd name="connsiteX0" fmla="*/ 0 w 1524000"/>
-              <a:gd name="connsiteY0" fmla="*/ 638175 h 638175"/>
-              <a:gd name="connsiteX1" fmla="*/ 123825 w 1524000"/>
-              <a:gd name="connsiteY1" fmla="*/ 409575 h 638175"/>
-              <a:gd name="connsiteX2" fmla="*/ 285750 w 1524000"/>
-              <a:gd name="connsiteY2" fmla="*/ 495300 h 638175"/>
-              <a:gd name="connsiteX3" fmla="*/ 409575 w 1524000"/>
-              <a:gd name="connsiteY3" fmla="*/ 219075 h 638175"/>
-              <a:gd name="connsiteX4" fmla="*/ 561975 w 1524000"/>
-              <a:gd name="connsiteY4" fmla="*/ 323850 h 638175"/>
-              <a:gd name="connsiteX5" fmla="*/ 800100 w 1524000"/>
-              <a:gd name="connsiteY5" fmla="*/ 104775 h 638175"/>
-              <a:gd name="connsiteX6" fmla="*/ 1009650 w 1524000"/>
-              <a:gd name="connsiteY6" fmla="*/ 238125 h 638175"/>
-              <a:gd name="connsiteX7" fmla="*/ 1200150 w 1524000"/>
-              <a:gd name="connsiteY7" fmla="*/ 28575 h 638175"/>
-              <a:gd name="connsiteX8" fmla="*/ 1295400 w 1524000"/>
-              <a:gd name="connsiteY8" fmla="*/ 114300 h 638175"/>
-              <a:gd name="connsiteX9" fmla="*/ 1524000 w 1524000"/>
-              <a:gd name="connsiteY9" fmla="*/ 0 h 638175"/>
-            </a:gdLst>
-            <a:ahLst/>
-            <a:cxnLst>
-              <a:cxn ang="0">
-                <a:pos x="connsiteX0" y="connsiteY0"/>
-              </a:cxn>
-              <a:cxn ang="0">
-                <a:pos x="connsiteX1" y="connsiteY1"/>
-              </a:cxn>
-              <a:cxn ang="0">
-                <a:pos x="connsiteX2" y="connsiteY2"/>
-              </a:cxn>
-              <a:cxn ang="0">
-                <a:pos x="connsiteX3" y="connsiteY3"/>
-              </a:cxn>
-              <a:cxn ang="0">
-                <a:pos x="connsiteX4" y="connsiteY4"/>
-              </a:cxn>
-              <a:cxn ang="0">
-                <a:pos x="connsiteX5" y="connsiteY5"/>
-              </a:cxn>
-              <a:cxn ang="0">
-                <a:pos x="connsiteX6" y="connsiteY6"/>
-              </a:cxn>
-              <a:cxn ang="0">
-                <a:pos x="connsiteX7" y="connsiteY7"/>
-              </a:cxn>
-              <a:cxn ang="0">
-                <a:pos x="connsiteX8" y="connsiteY8"/>
-              </a:cxn>
-              <a:cxn ang="0">
-                <a:pos x="connsiteX9" y="connsiteY9"/>
-              </a:cxn>
-            </a:cxnLst>
-            <a:rect l="l" t="t" r="r" b="b"/>
-            <a:pathLst>
-              <a:path w="1524000" h="638175">
-                <a:moveTo>
-                  <a:pt x="0" y="638175"/>
-                </a:moveTo>
-                <a:cubicBezTo>
-                  <a:pt x="38100" y="535781"/>
-                  <a:pt x="76200" y="433387"/>
-                  <a:pt x="123825" y="409575"/>
-                </a:cubicBezTo>
-                <a:cubicBezTo>
-                  <a:pt x="171450" y="385762"/>
-                  <a:pt x="238125" y="527050"/>
-                  <a:pt x="285750" y="495300"/>
-                </a:cubicBezTo>
-                <a:cubicBezTo>
-                  <a:pt x="333375" y="463550"/>
-                  <a:pt x="363537" y="247650"/>
-                  <a:pt x="409575" y="219075"/>
-                </a:cubicBezTo>
-                <a:cubicBezTo>
-                  <a:pt x="455613" y="190500"/>
-                  <a:pt x="496887" y="342900"/>
-                  <a:pt x="561975" y="323850"/>
-                </a:cubicBezTo>
-                <a:cubicBezTo>
-                  <a:pt x="627063" y="304800"/>
-                  <a:pt x="725488" y="119062"/>
-                  <a:pt x="800100" y="104775"/>
-                </a:cubicBezTo>
-                <a:cubicBezTo>
-                  <a:pt x="874712" y="90488"/>
-                  <a:pt x="942975" y="250825"/>
-                  <a:pt x="1009650" y="238125"/>
-                </a:cubicBezTo>
-                <a:cubicBezTo>
-                  <a:pt x="1076325" y="225425"/>
-                  <a:pt x="1152525" y="49212"/>
-                  <a:pt x="1200150" y="28575"/>
-                </a:cubicBezTo>
-                <a:cubicBezTo>
-                  <a:pt x="1247775" y="7937"/>
-                  <a:pt x="1241425" y="119063"/>
-                  <a:pt x="1295400" y="114300"/>
-                </a:cubicBezTo>
-                <a:cubicBezTo>
-                  <a:pt x="1349375" y="109537"/>
-                  <a:pt x="1436687" y="54768"/>
-                  <a:pt x="1524000" y="0"/>
-                </a:cubicBezTo>
-              </a:path>
-            </a:pathLst>
-          </a:custGeom>
-          <a:noFill/>
-        </p:spPr>
-        <p:style>
-          <a:lnRef idx="2">
-            <a:schemeClr val="accent1">
-              <a:shade val="50000"/>
-            </a:schemeClr>
-          </a:lnRef>
-          <a:fillRef idx="1">
-            <a:schemeClr val="accent1"/>
-          </a:fillRef>
-          <a:effectRef idx="0">
-            <a:schemeClr val="accent1"/>
-          </a:effectRef>
-          <a:fontRef idx="minor">
-            <a:schemeClr val="lt1"/>
-          </a:fontRef>
-        </p:style>
-        <p:txBody>
-          <a:bodyPr rtlCol="0" anchor="ctr"/>
-          <a:lstStyle/>
-          <a:p>
-            <a:pPr algn="ctr"/>
-            <a:endParaRPr kumimoji="1" lang="ja-JP" altLang="en-US"/>
-          </a:p>
-        </p:txBody>
-      </p:sp>
-      <p:sp>
-        <p:nvSpPr>
-          <p:cNvPr id="89" name="矢印: 下 88">
-            <a:extLst>
-              <a:ext uri="{FF2B5EF4-FFF2-40B4-BE49-F238E27FC236}">
-                <a16:creationId xmlns:a16="http://schemas.microsoft.com/office/drawing/2014/main" id="{C066DD09-674F-4F45-A006-B43E2612AF2D}"/>
-              </a:ext>
-            </a:extLst>
-          </p:cNvPr>
-          <p:cNvSpPr/>
-          <p:nvPr/>
-        </p:nvSpPr>
-        <p:spPr>
-          <a:xfrm>
-            <a:off x="693688" y="5067352"/>
-            <a:ext cx="144970" cy="234519"/>
-          </a:xfrm>
-          <a:prstGeom prst="downArrow">
-            <a:avLst/>
-          </a:prstGeom>
-          <a:solidFill>
-            <a:schemeClr val="bg1">
-              <a:lumMod val="85000"/>
-            </a:schemeClr>
-          </a:solidFill>
-          <a:ln>
-            <a:noFill/>
-          </a:ln>
-        </p:spPr>
-        <p:style>
-          <a:lnRef idx="2">
-            <a:schemeClr val="accent1">
-              <a:shade val="50000"/>
-            </a:schemeClr>
-          </a:lnRef>
-          <a:fillRef idx="1">
-            <a:schemeClr val="accent1"/>
-          </a:fillRef>
-          <a:effectRef idx="0">
-            <a:schemeClr val="accent1"/>
-          </a:effectRef>
-          <a:fontRef idx="minor">
-            <a:schemeClr val="lt1"/>
-          </a:fontRef>
-        </p:style>
-        <p:txBody>
-          <a:bodyPr rtlCol="0" anchor="ctr"/>
-          <a:lstStyle/>
-          <a:p>
-            <a:pPr algn="ctr"/>
-            <a:endParaRPr kumimoji="1" lang="ja-JP" altLang="en-US">
-              <a:solidFill>
-                <a:schemeClr val="tx1"/>
-              </a:solidFill>
-            </a:endParaRPr>
-          </a:p>
-        </p:txBody>
-      </p:sp>
-      <p:sp>
-        <p:nvSpPr>
-          <p:cNvPr id="90" name="矢印: 下 89">
-            <a:extLst>
-              <a:ext uri="{FF2B5EF4-FFF2-40B4-BE49-F238E27FC236}">
-                <a16:creationId xmlns:a16="http://schemas.microsoft.com/office/drawing/2014/main" id="{22C6F5B5-EC7C-4FA5-9F2B-5214430FCCAA}"/>
-              </a:ext>
-            </a:extLst>
-          </p:cNvPr>
-          <p:cNvSpPr/>
-          <p:nvPr/>
-        </p:nvSpPr>
-        <p:spPr>
-          <a:xfrm>
-            <a:off x="990429" y="4971580"/>
-            <a:ext cx="144970" cy="234519"/>
-          </a:xfrm>
-          <a:prstGeom prst="downArrow">
-            <a:avLst/>
-          </a:prstGeom>
-          <a:solidFill>
-            <a:schemeClr val="bg1">
-              <a:lumMod val="85000"/>
-            </a:schemeClr>
-          </a:solidFill>
-          <a:ln>
-            <a:noFill/>
-          </a:ln>
-        </p:spPr>
-        <p:style>
-          <a:lnRef idx="2">
-            <a:schemeClr val="accent1">
-              <a:shade val="50000"/>
-            </a:schemeClr>
-          </a:lnRef>
-          <a:fillRef idx="1">
-            <a:schemeClr val="accent1"/>
-          </a:fillRef>
-          <a:effectRef idx="0">
-            <a:schemeClr val="accent1"/>
-          </a:effectRef>
-          <a:fontRef idx="minor">
-            <a:schemeClr val="lt1"/>
-          </a:fontRef>
-        </p:style>
-        <p:txBody>
-          <a:bodyPr rtlCol="0" anchor="ctr"/>
-          <a:lstStyle/>
-          <a:p>
-            <a:pPr algn="ctr"/>
-            <a:endParaRPr kumimoji="1" lang="ja-JP" altLang="en-US">
-              <a:solidFill>
-                <a:schemeClr val="tx1"/>
-              </a:solidFill>
-            </a:endParaRPr>
-          </a:p>
-        </p:txBody>
-      </p:sp>
-      <p:sp>
-        <p:nvSpPr>
-          <p:cNvPr id="91" name="矢印: 下 90">
-            <a:extLst>
-              <a:ext uri="{FF2B5EF4-FFF2-40B4-BE49-F238E27FC236}">
-                <a16:creationId xmlns:a16="http://schemas.microsoft.com/office/drawing/2014/main" id="{7C6B2B83-6EA3-4912-BE7F-B3DCF67A3228}"/>
-              </a:ext>
-            </a:extLst>
-          </p:cNvPr>
-          <p:cNvSpPr/>
-          <p:nvPr/>
-        </p:nvSpPr>
-        <p:spPr>
-          <a:xfrm>
-            <a:off x="1427178" y="4915801"/>
-            <a:ext cx="144970" cy="234519"/>
-          </a:xfrm>
-          <a:prstGeom prst="downArrow">
-            <a:avLst/>
-          </a:prstGeom>
-          <a:solidFill>
-            <a:schemeClr val="bg1">
-              <a:lumMod val="85000"/>
-            </a:schemeClr>
-          </a:solidFill>
-          <a:ln>
-            <a:noFill/>
-          </a:ln>
-        </p:spPr>
-        <p:style>
-          <a:lnRef idx="2">
-            <a:schemeClr val="accent1">
-              <a:shade val="50000"/>
-            </a:schemeClr>
-          </a:lnRef>
-          <a:fillRef idx="1">
-            <a:schemeClr val="accent1"/>
-          </a:fillRef>
-          <a:effectRef idx="0">
-            <a:schemeClr val="accent1"/>
-          </a:effectRef>
-          <a:fontRef idx="minor">
-            <a:schemeClr val="lt1"/>
-          </a:fontRef>
-        </p:style>
-        <p:txBody>
-          <a:bodyPr rtlCol="0" anchor="ctr"/>
-          <a:lstStyle/>
-          <a:p>
-            <a:pPr algn="ctr"/>
-            <a:endParaRPr kumimoji="1" lang="ja-JP" altLang="en-US">
-              <a:solidFill>
-                <a:schemeClr val="tx1"/>
-              </a:solidFill>
-            </a:endParaRPr>
-          </a:p>
-        </p:txBody>
-      </p:sp>
-      <p:sp>
-        <p:nvSpPr>
-          <p:cNvPr id="92" name="矢印: 下 91">
-            <a:extLst>
-              <a:ext uri="{FF2B5EF4-FFF2-40B4-BE49-F238E27FC236}">
-                <a16:creationId xmlns:a16="http://schemas.microsoft.com/office/drawing/2014/main" id="{C174D40C-03F0-48A3-BE65-1D7F82BF5800}"/>
-              </a:ext>
-            </a:extLst>
-          </p:cNvPr>
-          <p:cNvSpPr/>
-          <p:nvPr/>
-        </p:nvSpPr>
-        <p:spPr>
-          <a:xfrm rot="10800000">
-            <a:off x="1720052" y="5174474"/>
-            <a:ext cx="144970" cy="234519"/>
-          </a:xfrm>
-          <a:prstGeom prst="downArrow">
-            <a:avLst/>
-          </a:prstGeom>
-          <a:solidFill>
-            <a:schemeClr val="bg1">
-              <a:lumMod val="85000"/>
-            </a:schemeClr>
-          </a:solidFill>
-          <a:ln>
-            <a:noFill/>
-          </a:ln>
-        </p:spPr>
-        <p:style>
-          <a:lnRef idx="2">
-            <a:schemeClr val="accent1">
-              <a:shade val="50000"/>
-            </a:schemeClr>
-          </a:lnRef>
-          <a:fillRef idx="1">
-            <a:schemeClr val="accent1"/>
-          </a:fillRef>
-          <a:effectRef idx="0">
-            <a:schemeClr val="accent1"/>
-          </a:effectRef>
-          <a:fontRef idx="minor">
-            <a:schemeClr val="lt1"/>
-          </a:fontRef>
-        </p:style>
-        <p:txBody>
-          <a:bodyPr rtlCol="0" anchor="ctr"/>
-          <a:lstStyle/>
-          <a:p>
-            <a:pPr algn="ctr"/>
-            <a:endParaRPr kumimoji="1" lang="ja-JP" altLang="en-US">
-              <a:solidFill>
-                <a:schemeClr val="tx1"/>
-              </a:solidFill>
-            </a:endParaRPr>
-          </a:p>
-        </p:txBody>
-      </p:sp>
-      <p:sp>
-        <p:nvSpPr>
-          <p:cNvPr id="93" name="テキスト ボックス 92">
-            <a:extLst>
-              <a:ext uri="{FF2B5EF4-FFF2-40B4-BE49-F238E27FC236}">
-                <a16:creationId xmlns:a16="http://schemas.microsoft.com/office/drawing/2014/main" id="{224AA23C-D4D7-4B42-83B7-44CEFD24C1D9}"/>
-              </a:ext>
-            </a:extLst>
-          </p:cNvPr>
-          <p:cNvSpPr txBox="1"/>
-          <p:nvPr/>
-        </p:nvSpPr>
-        <p:spPr>
-          <a:xfrm>
-            <a:off x="1780459" y="5181126"/>
-            <a:ext cx="537556" cy="261610"/>
-          </a:xfrm>
-          <a:prstGeom prst="rect">
-            <a:avLst/>
-          </a:prstGeom>
-          <a:noFill/>
-        </p:spPr>
-        <p:txBody>
-          <a:bodyPr wrap="square" rtlCol="0">
-            <a:spAutoFit/>
-          </a:bodyPr>
-          <a:lstStyle/>
-          <a:p>
-            <a:pPr algn="ctr"/>
-            <a:r>
-              <a:rPr kumimoji="1" lang="ja-JP" altLang="en-US" sz="1100" dirty="0"/>
-              <a:t>洗浄</a:t>
-            </a:r>
-          </a:p>
-        </p:txBody>
-      </p:sp>
-      <p:sp>
-        <p:nvSpPr>
-          <p:cNvPr id="94" name="吹き出し: 角を丸めた四角形 93">
-            <a:extLst>
-              <a:ext uri="{FF2B5EF4-FFF2-40B4-BE49-F238E27FC236}">
-                <a16:creationId xmlns:a16="http://schemas.microsoft.com/office/drawing/2014/main" id="{3437C338-AF5F-438A-8243-58C72101A616}"/>
-              </a:ext>
-            </a:extLst>
-          </p:cNvPr>
-          <p:cNvSpPr/>
-          <p:nvPr/>
-        </p:nvSpPr>
-        <p:spPr>
-          <a:xfrm>
-            <a:off x="5921839" y="5206099"/>
-            <a:ext cx="3500013" cy="884210"/>
-          </a:xfrm>
-          <a:prstGeom prst="wedgeRoundRectCallout">
-            <a:avLst>
-              <a:gd name="adj1" fmla="val -59295"/>
-              <a:gd name="adj2" fmla="val 34916"/>
-              <a:gd name="adj3" fmla="val 16667"/>
-            </a:avLst>
-          </a:prstGeom>
-          <a:solidFill>
-            <a:schemeClr val="bg1"/>
-          </a:solidFill>
-        </p:spPr>
-        <p:style>
-          <a:lnRef idx="2">
-            <a:schemeClr val="accent1">
-              <a:shade val="50000"/>
-            </a:schemeClr>
-          </a:lnRef>
-          <a:fillRef idx="1">
-            <a:schemeClr val="accent1"/>
-          </a:fillRef>
-          <a:effectRef idx="0">
-            <a:schemeClr val="accent1"/>
-          </a:effectRef>
-          <a:fontRef idx="minor">
-            <a:schemeClr val="lt1"/>
-          </a:fontRef>
-        </p:style>
-        <p:txBody>
-          <a:bodyPr rtlCol="0" anchor="ctr"/>
-          <a:lstStyle/>
-          <a:p>
-            <a:pPr algn="ctr"/>
             <a:r>
               <a:rPr kumimoji="1" lang="ja-JP" altLang="en-US" dirty="0">
                 <a:solidFill>
                   <a:schemeClr val="tx1"/>
                 </a:solidFill>
               </a:rPr>
-              <a:t>洗浄計画を変更して嬉しいことは？</a:t>
+              <a:t>膜閉塞度と膜寿命は時間スケールが大きく異なるのでは？</a:t>
             </a:r>
             <a:endParaRPr kumimoji="1" lang="en-US" altLang="ja-JP" dirty="0">
-              <a:solidFill>
-                <a:schemeClr val="tx1"/>
-              </a:solidFill>
-            </a:endParaRPr>
-          </a:p>
-          <a:p>
-            <a:pPr algn="ctr"/>
-            <a:r>
-              <a:rPr kumimoji="1" lang="ja-JP" altLang="en-US" sz="1600" dirty="0">
-                <a:solidFill>
-                  <a:schemeClr val="tx1"/>
-                </a:solidFill>
-              </a:rPr>
-              <a:t>（どんなコストが削減できる？</a:t>
-            </a:r>
-            <a:endParaRPr kumimoji="1" lang="en-US" altLang="ja-JP" sz="1600" dirty="0">
-              <a:solidFill>
-                <a:schemeClr val="tx1"/>
-              </a:solidFill>
-            </a:endParaRPr>
-          </a:p>
-          <a:p>
-            <a:pPr algn="ctr"/>
-            <a:r>
-              <a:rPr kumimoji="1" lang="ja-JP" altLang="en-US" sz="1600" dirty="0">
-                <a:solidFill>
-                  <a:schemeClr val="tx1"/>
-                </a:solidFill>
-              </a:rPr>
-              <a:t>供給不足を予防できる？）</a:t>
-            </a:r>
-            <a:endParaRPr kumimoji="1" lang="en-US" altLang="ja-JP" sz="1600" dirty="0">
               <a:solidFill>
                 <a:schemeClr val="tx1"/>
               </a:solidFill>
@@ -12202,7 +11076,7 @@
         </p:nvSpPr>
         <p:spPr>
           <a:xfrm>
-            <a:off x="238125" y="1071206"/>
+            <a:off x="252481" y="1070777"/>
             <a:ext cx="11658917" cy="600165"/>
           </a:xfrm>
         </p:spPr>
@@ -12211,17 +11085,10 @@
           <a:lstStyle/>
           <a:p>
             <a:r>
-              <a:rPr lang="ja-JP" altLang="en-US" dirty="0"/>
-              <a:t>最適化ポイント：膜閉塞状態に合わせた洗浄を実施することで、洗浄コストを削減する</a:t>
-            </a:r>
-            <a:endParaRPr lang="en-US" altLang="ja-JP" dirty="0"/>
-          </a:p>
-          <a:p>
-            <a:r>
-              <a:rPr lang="ja-JP" altLang="en-US" dirty="0"/>
-              <a:t>モデリングポイント：膜前後のデータから、膜閉塞度を予測する</a:t>
-            </a:r>
-            <a:endParaRPr lang="en-US" altLang="ja-JP" dirty="0"/>
+              <a:rPr lang="ja-JP" altLang="en-US" sz="3200" dirty="0"/>
+              <a:t>小規模な検討から徐々にステップアップしていく。</a:t>
+            </a:r>
+            <a:endParaRPr lang="en-US" altLang="ja-JP" sz="3200" dirty="0"/>
           </a:p>
         </p:txBody>
       </p:sp>
@@ -12280,1035 +11147,1184 @@
           </a:p>
         </p:txBody>
       </p:sp>
-      <p:graphicFrame>
-        <p:nvGraphicFramePr>
-          <p:cNvPr id="78" name="表 3">
-            <a:extLst>
-              <a:ext uri="{FF2B5EF4-FFF2-40B4-BE49-F238E27FC236}">
-                <a16:creationId xmlns:a16="http://schemas.microsoft.com/office/drawing/2014/main" id="{56A4C569-C124-45DF-A877-4382F1D32523}"/>
-              </a:ext>
-            </a:extLst>
-          </p:cNvPr>
-          <p:cNvGraphicFramePr>
-            <a:graphicFrameLocks noGrp="1"/>
-          </p:cNvGraphicFramePr>
-          <p:nvPr>
-            <p:extLst>
-              <p:ext uri="{D42A27DB-BD31-4B8C-83A1-F6EECF244321}">
-                <p14:modId xmlns:p14="http://schemas.microsoft.com/office/powerpoint/2010/main" val="3757392907"/>
-              </p:ext>
-            </p:extLst>
-          </p:nvPr>
-        </p:nvGraphicFramePr>
-        <p:xfrm>
-          <a:off x="1020763" y="4309875"/>
-          <a:ext cx="10150473" cy="1584960"/>
-        </p:xfrm>
-        <a:graphic>
-          <a:graphicData uri="http://schemas.openxmlformats.org/drawingml/2006/table">
-            <a:tbl>
-              <a:tblPr firstRow="1" bandRow="1">
-                <a:tableStyleId>{5C22544A-7EE6-4342-B048-85BDC9FD1C3A}</a:tableStyleId>
-              </a:tblPr>
-              <a:tblGrid>
-                <a:gridCol w="536965">
-                  <a:extLst>
-                    <a:ext uri="{9D8B030D-6E8A-4147-A177-3AD203B41FA5}">
-                      <a16:colId xmlns:a16="http://schemas.microsoft.com/office/drawing/2014/main" val="1075914135"/>
-                    </a:ext>
-                  </a:extLst>
-                </a:gridCol>
-                <a:gridCol w="3017007">
-                  <a:extLst>
-                    <a:ext uri="{9D8B030D-6E8A-4147-A177-3AD203B41FA5}">
-                      <a16:colId xmlns:a16="http://schemas.microsoft.com/office/drawing/2014/main" val="956007561"/>
-                    </a:ext>
-                  </a:extLst>
-                </a:gridCol>
-                <a:gridCol w="2150033">
-                  <a:extLst>
-                    <a:ext uri="{9D8B030D-6E8A-4147-A177-3AD203B41FA5}">
-                      <a16:colId xmlns:a16="http://schemas.microsoft.com/office/drawing/2014/main" val="3179198065"/>
-                    </a:ext>
-                  </a:extLst>
-                </a:gridCol>
-                <a:gridCol w="2953457">
-                  <a:extLst>
-                    <a:ext uri="{9D8B030D-6E8A-4147-A177-3AD203B41FA5}">
-                      <a16:colId xmlns:a16="http://schemas.microsoft.com/office/drawing/2014/main" val="2971924365"/>
-                    </a:ext>
-                  </a:extLst>
-                </a:gridCol>
-                <a:gridCol w="1493011">
-                  <a:extLst>
-                    <a:ext uri="{9D8B030D-6E8A-4147-A177-3AD203B41FA5}">
-                      <a16:colId xmlns:a16="http://schemas.microsoft.com/office/drawing/2014/main" val="2463513837"/>
-                    </a:ext>
-                  </a:extLst>
-                </a:gridCol>
-              </a:tblGrid>
-              <a:tr h="370840">
-                <a:tc>
-                  <a:txBody>
-                    <a:bodyPr/>
-                    <a:lstStyle/>
-                    <a:p>
-                      <a:r>
-                        <a:rPr kumimoji="1" lang="en-US" altLang="ja-JP" sz="2000" dirty="0"/>
-                        <a:t>#</a:t>
-                      </a:r>
-                      <a:endParaRPr kumimoji="1" lang="ja-JP" altLang="en-US" sz="2000" dirty="0"/>
-                    </a:p>
-                  </a:txBody>
-                  <a:tcPr>
-                    <a:lnB w="12700" cap="flat" cmpd="sng" algn="ctr">
-                      <a:solidFill>
-                        <a:schemeClr val="tx1"/>
-                      </a:solidFill>
-                      <a:prstDash val="solid"/>
-                      <a:round/>
-                      <a:headEnd type="none" w="med" len="med"/>
-                      <a:tailEnd type="none" w="med" len="med"/>
-                    </a:lnB>
-                  </a:tcPr>
-                </a:tc>
-                <a:tc>
-                  <a:txBody>
-                    <a:bodyPr/>
-                    <a:lstStyle/>
-                    <a:p>
-                      <a:r>
-                        <a:rPr kumimoji="1" lang="ja-JP" altLang="en-US" sz="2000" dirty="0"/>
-                        <a:t>目的</a:t>
-                      </a:r>
-                    </a:p>
-                  </a:txBody>
-                  <a:tcPr>
-                    <a:lnB w="12700" cap="flat" cmpd="sng" algn="ctr">
-                      <a:solidFill>
-                        <a:schemeClr val="tx1"/>
-                      </a:solidFill>
-                      <a:prstDash val="solid"/>
-                      <a:round/>
-                      <a:headEnd type="none" w="med" len="med"/>
-                      <a:tailEnd type="none" w="med" len="med"/>
-                    </a:lnB>
-                  </a:tcPr>
-                </a:tc>
-                <a:tc>
-                  <a:txBody>
-                    <a:bodyPr/>
-                    <a:lstStyle/>
-                    <a:p>
-                      <a:r>
-                        <a:rPr kumimoji="1" lang="ja-JP" altLang="en-US" sz="2000" dirty="0"/>
-                        <a:t>最適化効果</a:t>
-                      </a:r>
-                    </a:p>
-                  </a:txBody>
-                  <a:tcPr>
-                    <a:lnB w="12700" cap="flat" cmpd="sng" algn="ctr">
-                      <a:solidFill>
-                        <a:schemeClr val="tx1"/>
-                      </a:solidFill>
-                      <a:prstDash val="solid"/>
-                      <a:round/>
-                      <a:headEnd type="none" w="med" len="med"/>
-                      <a:tailEnd type="none" w="med" len="med"/>
-                    </a:lnB>
-                  </a:tcPr>
-                </a:tc>
-                <a:tc>
-                  <a:txBody>
-                    <a:bodyPr/>
-                    <a:lstStyle/>
-                    <a:p>
-                      <a:r>
-                        <a:rPr kumimoji="1" lang="ja-JP" altLang="en-US" sz="2000" dirty="0"/>
-                        <a:t>モデリング方針</a:t>
-                      </a:r>
-                    </a:p>
-                  </a:txBody>
-                  <a:tcPr>
-                    <a:lnB w="12700" cap="flat" cmpd="sng" algn="ctr">
-                      <a:solidFill>
-                        <a:schemeClr val="tx1"/>
-                      </a:solidFill>
-                      <a:prstDash val="solid"/>
-                      <a:round/>
-                      <a:headEnd type="none" w="med" len="med"/>
-                      <a:tailEnd type="none" w="med" len="med"/>
-                    </a:lnB>
-                  </a:tcPr>
-                </a:tc>
-                <a:tc>
-                  <a:txBody>
-                    <a:bodyPr/>
-                    <a:lstStyle/>
-                    <a:p>
-                      <a:r>
-                        <a:rPr kumimoji="1" lang="ja-JP" altLang="en-US" sz="2000" dirty="0"/>
-                        <a:t>最適化期間</a:t>
-                      </a:r>
-                    </a:p>
-                  </a:txBody>
-                  <a:tcPr>
-                    <a:lnB w="12700" cap="flat" cmpd="sng" algn="ctr">
-                      <a:solidFill>
-                        <a:schemeClr val="tx1"/>
-                      </a:solidFill>
-                      <a:prstDash val="solid"/>
-                      <a:round/>
-                      <a:headEnd type="none" w="med" len="med"/>
-                      <a:tailEnd type="none" w="med" len="med"/>
-                    </a:lnB>
-                  </a:tcPr>
-                </a:tc>
-                <a:extLst>
-                  <a:ext uri="{0D108BD9-81ED-4DB2-BD59-A6C34878D82A}">
-                    <a16:rowId xmlns:a16="http://schemas.microsoft.com/office/drawing/2014/main" val="3994564430"/>
-                  </a:ext>
-                </a:extLst>
-              </a:tr>
-              <a:tr h="370840">
-                <a:tc>
-                  <a:txBody>
-                    <a:bodyPr/>
-                    <a:lstStyle/>
-                    <a:p>
-                      <a:r>
-                        <a:rPr kumimoji="1" lang="en-US" altLang="ja-JP" sz="2000" dirty="0"/>
-                        <a:t>(1)</a:t>
-                      </a:r>
-                      <a:endParaRPr kumimoji="1" lang="ja-JP" altLang="en-US" sz="2000" dirty="0"/>
-                    </a:p>
-                  </a:txBody>
-                  <a:tcPr>
-                    <a:lnL w="12700" cap="flat" cmpd="sng" algn="ctr">
-                      <a:solidFill>
-                        <a:schemeClr val="tx1"/>
-                      </a:solidFill>
-                      <a:prstDash val="solid"/>
-                      <a:round/>
-                      <a:headEnd type="none" w="med" len="med"/>
-                      <a:tailEnd type="none" w="med" len="med"/>
-                    </a:lnL>
-                    <a:lnR w="12700" cap="flat" cmpd="sng" algn="ctr">
-                      <a:solidFill>
-                        <a:schemeClr val="tx1"/>
-                      </a:solidFill>
-                      <a:prstDash val="solid"/>
-                      <a:round/>
-                      <a:headEnd type="none" w="med" len="med"/>
-                      <a:tailEnd type="none" w="med" len="med"/>
-                    </a:lnR>
-                    <a:lnT w="12700" cap="flat" cmpd="sng" algn="ctr">
-                      <a:solidFill>
-                        <a:schemeClr val="tx1"/>
-                      </a:solidFill>
-                      <a:prstDash val="solid"/>
-                      <a:round/>
-                      <a:headEnd type="none" w="med" len="med"/>
-                      <a:tailEnd type="none" w="med" len="med"/>
-                    </a:lnT>
-                    <a:lnB w="12700" cap="flat" cmpd="sng" algn="ctr">
-                      <a:solidFill>
-                        <a:schemeClr val="tx1"/>
-                      </a:solidFill>
-                      <a:prstDash val="solid"/>
-                      <a:round/>
-                      <a:headEnd type="none" w="med" len="med"/>
-                      <a:tailEnd type="none" w="med" len="med"/>
-                    </a:lnB>
-                    <a:noFill/>
-                  </a:tcPr>
-                </a:tc>
-                <a:tc>
-                  <a:txBody>
-                    <a:bodyPr/>
-                    <a:lstStyle/>
-                    <a:p>
-                      <a:pPr marL="0" marR="0" lvl="0" indent="0" algn="l" defTabSz="914400" rtl="0" eaLnBrk="1" fontAlgn="auto" latinLnBrk="0" hangingPunct="1">
-                        <a:lnSpc>
-                          <a:spcPct val="100000"/>
-                        </a:lnSpc>
-                        <a:spcBef>
-                          <a:spcPts val="0"/>
-                        </a:spcBef>
-                        <a:spcAft>
-                          <a:spcPts val="0"/>
-                        </a:spcAft>
-                        <a:buClrTx/>
-                        <a:buSzTx/>
-                        <a:buFontTx/>
-                        <a:buNone/>
-                        <a:tabLst/>
-                        <a:defRPr/>
-                      </a:pPr>
-                      <a:r>
-                        <a:rPr kumimoji="1" lang="ja-JP" altLang="en-US" sz="2000" dirty="0"/>
-                        <a:t>最終水質と供給量を考慮</a:t>
-                      </a:r>
-                    </a:p>
-                  </a:txBody>
-                  <a:tcPr>
-                    <a:lnL w="12700" cap="flat" cmpd="sng" algn="ctr">
-                      <a:solidFill>
-                        <a:schemeClr val="tx1"/>
-                      </a:solidFill>
-                      <a:prstDash val="solid"/>
-                      <a:round/>
-                      <a:headEnd type="none" w="med" len="med"/>
-                      <a:tailEnd type="none" w="med" len="med"/>
-                    </a:lnL>
-                    <a:lnR w="12700" cap="flat" cmpd="sng" algn="ctr">
-                      <a:solidFill>
-                        <a:schemeClr val="tx1"/>
-                      </a:solidFill>
-                      <a:prstDash val="solid"/>
-                      <a:round/>
-                      <a:headEnd type="none" w="med" len="med"/>
-                      <a:tailEnd type="none" w="med" len="med"/>
-                    </a:lnR>
-                    <a:lnT w="12700" cap="flat" cmpd="sng" algn="ctr">
-                      <a:solidFill>
-                        <a:schemeClr val="tx1"/>
-                      </a:solidFill>
-                      <a:prstDash val="solid"/>
-                      <a:round/>
-                      <a:headEnd type="none" w="med" len="med"/>
-                      <a:tailEnd type="none" w="med" len="med"/>
-                    </a:lnT>
-                    <a:lnB w="12700" cap="flat" cmpd="sng" algn="ctr">
-                      <a:solidFill>
-                        <a:schemeClr val="tx1"/>
-                      </a:solidFill>
-                      <a:prstDash val="solid"/>
-                      <a:round/>
-                      <a:headEnd type="none" w="med" len="med"/>
-                      <a:tailEnd type="none" w="med" len="med"/>
-                    </a:lnB>
-                    <a:noFill/>
-                  </a:tcPr>
-                </a:tc>
-                <a:tc>
-                  <a:txBody>
-                    <a:bodyPr/>
-                    <a:lstStyle/>
-                    <a:p>
-                      <a:r>
-                        <a:rPr kumimoji="1" lang="ja-JP" altLang="en-US" sz="2000" dirty="0"/>
-                        <a:t>薬液添加コスト</a:t>
-                      </a:r>
-                    </a:p>
-                  </a:txBody>
-                  <a:tcPr>
-                    <a:lnL w="12700" cap="flat" cmpd="sng" algn="ctr">
-                      <a:solidFill>
-                        <a:schemeClr val="tx1"/>
-                      </a:solidFill>
-                      <a:prstDash val="solid"/>
-                      <a:round/>
-                      <a:headEnd type="none" w="med" len="med"/>
-                      <a:tailEnd type="none" w="med" len="med"/>
-                    </a:lnL>
-                    <a:lnR w="12700" cap="flat" cmpd="sng" algn="ctr">
-                      <a:solidFill>
-                        <a:schemeClr val="tx1"/>
-                      </a:solidFill>
-                      <a:prstDash val="solid"/>
-                      <a:round/>
-                      <a:headEnd type="none" w="med" len="med"/>
-                      <a:tailEnd type="none" w="med" len="med"/>
-                    </a:lnR>
-                    <a:lnT w="12700" cap="flat" cmpd="sng" algn="ctr">
-                      <a:solidFill>
-                        <a:schemeClr val="tx1"/>
-                      </a:solidFill>
-                      <a:prstDash val="solid"/>
-                      <a:round/>
-                      <a:headEnd type="none" w="med" len="med"/>
-                      <a:tailEnd type="none" w="med" len="med"/>
-                    </a:lnT>
-                    <a:lnB w="12700" cap="flat" cmpd="sng" algn="ctr">
-                      <a:solidFill>
-                        <a:schemeClr val="tx1"/>
-                      </a:solidFill>
-                      <a:prstDash val="solid"/>
-                      <a:round/>
-                      <a:headEnd type="none" w="med" len="med"/>
-                      <a:tailEnd type="none" w="med" len="med"/>
-                    </a:lnB>
-                    <a:noFill/>
-                  </a:tcPr>
-                </a:tc>
-                <a:tc>
-                  <a:txBody>
-                    <a:bodyPr/>
-                    <a:lstStyle/>
-                    <a:p>
-                      <a:r>
-                        <a:rPr kumimoji="1" lang="ja-JP" altLang="en-US" sz="2000" dirty="0"/>
-                        <a:t>統計モデル　易し</a:t>
-                      </a:r>
-                    </a:p>
-                  </a:txBody>
-                  <a:tcPr>
-                    <a:lnL w="12700" cap="flat" cmpd="sng" algn="ctr">
-                      <a:solidFill>
-                        <a:schemeClr val="tx1"/>
-                      </a:solidFill>
-                      <a:prstDash val="solid"/>
-                      <a:round/>
-                      <a:headEnd type="none" w="med" len="med"/>
-                      <a:tailEnd type="none" w="med" len="med"/>
-                    </a:lnL>
-                    <a:lnR w="12700" cap="flat" cmpd="sng" algn="ctr">
-                      <a:solidFill>
-                        <a:schemeClr val="tx1"/>
-                      </a:solidFill>
-                      <a:prstDash val="solid"/>
-                      <a:round/>
-                      <a:headEnd type="none" w="med" len="med"/>
-                      <a:tailEnd type="none" w="med" len="med"/>
-                    </a:lnR>
-                    <a:lnT w="12700" cap="flat" cmpd="sng" algn="ctr">
-                      <a:solidFill>
-                        <a:schemeClr val="tx1"/>
-                      </a:solidFill>
-                      <a:prstDash val="solid"/>
-                      <a:round/>
-                      <a:headEnd type="none" w="med" len="med"/>
-                      <a:tailEnd type="none" w="med" len="med"/>
-                    </a:lnT>
-                    <a:lnB w="12700" cap="flat" cmpd="sng" algn="ctr">
-                      <a:solidFill>
-                        <a:schemeClr val="tx1"/>
-                      </a:solidFill>
-                      <a:prstDash val="solid"/>
-                      <a:round/>
-                      <a:headEnd type="none" w="med" len="med"/>
-                      <a:tailEnd type="none" w="med" len="med"/>
-                    </a:lnB>
-                    <a:noFill/>
-                  </a:tcPr>
-                </a:tc>
-                <a:tc>
-                  <a:txBody>
-                    <a:bodyPr/>
-                    <a:lstStyle/>
-                    <a:p>
-                      <a:r>
-                        <a:rPr kumimoji="1" lang="ja-JP" altLang="en-US" sz="2000" dirty="0"/>
-                        <a:t>短期</a:t>
-                      </a:r>
-                    </a:p>
-                  </a:txBody>
-                  <a:tcPr>
-                    <a:lnL w="12700" cap="flat" cmpd="sng" algn="ctr">
-                      <a:solidFill>
-                        <a:schemeClr val="tx1"/>
-                      </a:solidFill>
-                      <a:prstDash val="solid"/>
-                      <a:round/>
-                      <a:headEnd type="none" w="med" len="med"/>
-                      <a:tailEnd type="none" w="med" len="med"/>
-                    </a:lnL>
-                    <a:lnR w="12700" cap="flat" cmpd="sng" algn="ctr">
-                      <a:solidFill>
-                        <a:schemeClr val="tx1"/>
-                      </a:solidFill>
-                      <a:prstDash val="solid"/>
-                      <a:round/>
-                      <a:headEnd type="none" w="med" len="med"/>
-                      <a:tailEnd type="none" w="med" len="med"/>
-                    </a:lnR>
-                    <a:lnT w="12700" cap="flat" cmpd="sng" algn="ctr">
-                      <a:solidFill>
-                        <a:schemeClr val="tx1"/>
-                      </a:solidFill>
-                      <a:prstDash val="solid"/>
-                      <a:round/>
-                      <a:headEnd type="none" w="med" len="med"/>
-                      <a:tailEnd type="none" w="med" len="med"/>
-                    </a:lnT>
-                    <a:lnB w="12700" cap="flat" cmpd="sng" algn="ctr">
-                      <a:solidFill>
-                        <a:schemeClr val="tx1"/>
-                      </a:solidFill>
-                      <a:prstDash val="solid"/>
-                      <a:round/>
-                      <a:headEnd type="none" w="med" len="med"/>
-                      <a:tailEnd type="none" w="med" len="med"/>
-                    </a:lnB>
-                    <a:noFill/>
-                  </a:tcPr>
-                </a:tc>
-                <a:extLst>
-                  <a:ext uri="{0D108BD9-81ED-4DB2-BD59-A6C34878D82A}">
-                    <a16:rowId xmlns:a16="http://schemas.microsoft.com/office/drawing/2014/main" val="297178381"/>
-                  </a:ext>
-                </a:extLst>
-              </a:tr>
-              <a:tr h="370840">
-                <a:tc>
-                  <a:txBody>
-                    <a:bodyPr/>
-                    <a:lstStyle/>
-                    <a:p>
-                      <a:r>
-                        <a:rPr kumimoji="1" lang="en-US" altLang="ja-JP" sz="2000" dirty="0"/>
-                        <a:t>(2)</a:t>
-                      </a:r>
-                      <a:endParaRPr kumimoji="1" lang="ja-JP" altLang="en-US" sz="2000" dirty="0"/>
-                    </a:p>
-                  </a:txBody>
-                  <a:tcPr>
-                    <a:lnL w="12700" cap="flat" cmpd="sng" algn="ctr">
-                      <a:solidFill>
-                        <a:schemeClr val="tx1"/>
-                      </a:solidFill>
-                      <a:prstDash val="solid"/>
-                      <a:round/>
-                      <a:headEnd type="none" w="med" len="med"/>
-                      <a:tailEnd type="none" w="med" len="med"/>
-                    </a:lnL>
-                    <a:lnR w="12700" cap="flat" cmpd="sng" algn="ctr">
-                      <a:solidFill>
-                        <a:schemeClr val="tx1"/>
-                      </a:solidFill>
-                      <a:prstDash val="solid"/>
-                      <a:round/>
-                      <a:headEnd type="none" w="med" len="med"/>
-                      <a:tailEnd type="none" w="med" len="med"/>
-                    </a:lnR>
-                    <a:lnT w="12700" cap="flat" cmpd="sng" algn="ctr">
-                      <a:solidFill>
-                        <a:schemeClr val="tx1"/>
-                      </a:solidFill>
-                      <a:prstDash val="solid"/>
-                      <a:round/>
-                      <a:headEnd type="none" w="med" len="med"/>
-                      <a:tailEnd type="none" w="med" len="med"/>
-                    </a:lnT>
-                    <a:lnB w="12700" cap="flat" cmpd="sng" algn="ctr">
-                      <a:solidFill>
-                        <a:schemeClr val="tx1"/>
-                      </a:solidFill>
-                      <a:prstDash val="solid"/>
-                      <a:round/>
-                      <a:headEnd type="none" w="med" len="med"/>
-                      <a:tailEnd type="none" w="med" len="med"/>
-                    </a:lnB>
-                    <a:noFill/>
-                  </a:tcPr>
-                </a:tc>
-                <a:tc>
-                  <a:txBody>
-                    <a:bodyPr/>
-                    <a:lstStyle/>
-                    <a:p>
-                      <a:r>
-                        <a:rPr kumimoji="1" lang="en-US" altLang="ja-JP" sz="2000" dirty="0"/>
-                        <a:t>RO</a:t>
-                      </a:r>
-                      <a:r>
-                        <a:rPr kumimoji="1" lang="ja-JP" altLang="en-US" sz="2000" dirty="0"/>
-                        <a:t>膜閉塞状態も考慮</a:t>
-                      </a:r>
-                    </a:p>
-                  </a:txBody>
-                  <a:tcPr>
-                    <a:lnL w="12700" cap="flat" cmpd="sng" algn="ctr">
-                      <a:solidFill>
-                        <a:schemeClr val="tx1"/>
-                      </a:solidFill>
-                      <a:prstDash val="solid"/>
-                      <a:round/>
-                      <a:headEnd type="none" w="med" len="med"/>
-                      <a:tailEnd type="none" w="med" len="med"/>
-                    </a:lnL>
-                    <a:lnR w="12700" cap="flat" cmpd="sng" algn="ctr">
-                      <a:solidFill>
-                        <a:schemeClr val="tx1"/>
-                      </a:solidFill>
-                      <a:prstDash val="solid"/>
-                      <a:round/>
-                      <a:headEnd type="none" w="med" len="med"/>
-                      <a:tailEnd type="none" w="med" len="med"/>
-                    </a:lnR>
-                    <a:lnT w="12700" cap="flat" cmpd="sng" algn="ctr">
-                      <a:solidFill>
-                        <a:schemeClr val="tx1"/>
-                      </a:solidFill>
-                      <a:prstDash val="solid"/>
-                      <a:round/>
-                      <a:headEnd type="none" w="med" len="med"/>
-                      <a:tailEnd type="none" w="med" len="med"/>
-                    </a:lnT>
-                    <a:lnB w="12700" cap="flat" cmpd="sng" algn="ctr">
-                      <a:solidFill>
-                        <a:schemeClr val="tx1"/>
-                      </a:solidFill>
-                      <a:prstDash val="solid"/>
-                      <a:round/>
-                      <a:headEnd type="none" w="med" len="med"/>
-                      <a:tailEnd type="none" w="med" len="med"/>
-                    </a:lnB>
-                    <a:noFill/>
-                  </a:tcPr>
-                </a:tc>
-                <a:tc>
-                  <a:txBody>
-                    <a:bodyPr/>
-                    <a:lstStyle/>
-                    <a:p>
-                      <a:r>
-                        <a:rPr kumimoji="1" lang="ja-JP" altLang="en-US" sz="2000" dirty="0"/>
-                        <a:t>洗浄薬液コスト</a:t>
-                      </a:r>
-                    </a:p>
-                  </a:txBody>
-                  <a:tcPr>
-                    <a:lnL w="12700" cap="flat" cmpd="sng" algn="ctr">
-                      <a:solidFill>
-                        <a:schemeClr val="tx1"/>
-                      </a:solidFill>
-                      <a:prstDash val="solid"/>
-                      <a:round/>
-                      <a:headEnd type="none" w="med" len="med"/>
-                      <a:tailEnd type="none" w="med" len="med"/>
-                    </a:lnL>
-                    <a:lnR w="12700" cap="flat" cmpd="sng" algn="ctr">
-                      <a:solidFill>
-                        <a:schemeClr val="tx1"/>
-                      </a:solidFill>
-                      <a:prstDash val="solid"/>
-                      <a:round/>
-                      <a:headEnd type="none" w="med" len="med"/>
-                      <a:tailEnd type="none" w="med" len="med"/>
-                    </a:lnR>
-                    <a:lnT w="12700" cap="flat" cmpd="sng" algn="ctr">
-                      <a:solidFill>
-                        <a:schemeClr val="tx1"/>
-                      </a:solidFill>
-                      <a:prstDash val="solid"/>
-                      <a:round/>
-                      <a:headEnd type="none" w="med" len="med"/>
-                      <a:tailEnd type="none" w="med" len="med"/>
-                    </a:lnT>
-                    <a:lnB w="12700" cap="flat" cmpd="sng" algn="ctr">
-                      <a:solidFill>
-                        <a:schemeClr val="tx1"/>
-                      </a:solidFill>
-                      <a:prstDash val="solid"/>
-                      <a:round/>
-                      <a:headEnd type="none" w="med" len="med"/>
-                      <a:tailEnd type="none" w="med" len="med"/>
-                    </a:lnB>
-                    <a:noFill/>
-                  </a:tcPr>
-                </a:tc>
-                <a:tc>
-                  <a:txBody>
-                    <a:bodyPr/>
-                    <a:lstStyle/>
-                    <a:p>
-                      <a:r>
-                        <a:rPr kumimoji="1" lang="ja-JP" altLang="en-US" sz="2000" dirty="0"/>
-                        <a:t>統計／物理モデル　中</a:t>
-                      </a:r>
-                    </a:p>
-                  </a:txBody>
-                  <a:tcPr>
-                    <a:lnL w="12700" cap="flat" cmpd="sng" algn="ctr">
-                      <a:solidFill>
-                        <a:schemeClr val="tx1"/>
-                      </a:solidFill>
-                      <a:prstDash val="solid"/>
-                      <a:round/>
-                      <a:headEnd type="none" w="med" len="med"/>
-                      <a:tailEnd type="none" w="med" len="med"/>
-                    </a:lnL>
-                    <a:lnR w="12700" cap="flat" cmpd="sng" algn="ctr">
-                      <a:solidFill>
-                        <a:schemeClr val="tx1"/>
-                      </a:solidFill>
-                      <a:prstDash val="solid"/>
-                      <a:round/>
-                      <a:headEnd type="none" w="med" len="med"/>
-                      <a:tailEnd type="none" w="med" len="med"/>
-                    </a:lnR>
-                    <a:lnT w="12700" cap="flat" cmpd="sng" algn="ctr">
-                      <a:solidFill>
-                        <a:schemeClr val="tx1"/>
-                      </a:solidFill>
-                      <a:prstDash val="solid"/>
-                      <a:round/>
-                      <a:headEnd type="none" w="med" len="med"/>
-                      <a:tailEnd type="none" w="med" len="med"/>
-                    </a:lnT>
-                    <a:lnB w="12700" cap="flat" cmpd="sng" algn="ctr">
-                      <a:solidFill>
-                        <a:schemeClr val="tx1"/>
-                      </a:solidFill>
-                      <a:prstDash val="solid"/>
-                      <a:round/>
-                      <a:headEnd type="none" w="med" len="med"/>
-                      <a:tailEnd type="none" w="med" len="med"/>
-                    </a:lnB>
-                    <a:noFill/>
-                  </a:tcPr>
-                </a:tc>
-                <a:tc>
-                  <a:txBody>
-                    <a:bodyPr/>
-                    <a:lstStyle/>
-                    <a:p>
-                      <a:r>
-                        <a:rPr kumimoji="1" lang="ja-JP" altLang="en-US" sz="2000" dirty="0"/>
-                        <a:t>中期</a:t>
-                      </a:r>
-                    </a:p>
-                  </a:txBody>
-                  <a:tcPr>
-                    <a:lnL w="12700" cap="flat" cmpd="sng" algn="ctr">
-                      <a:solidFill>
-                        <a:schemeClr val="tx1"/>
-                      </a:solidFill>
-                      <a:prstDash val="solid"/>
-                      <a:round/>
-                      <a:headEnd type="none" w="med" len="med"/>
-                      <a:tailEnd type="none" w="med" len="med"/>
-                    </a:lnL>
-                    <a:lnR w="12700" cap="flat" cmpd="sng" algn="ctr">
-                      <a:solidFill>
-                        <a:schemeClr val="tx1"/>
-                      </a:solidFill>
-                      <a:prstDash val="solid"/>
-                      <a:round/>
-                      <a:headEnd type="none" w="med" len="med"/>
-                      <a:tailEnd type="none" w="med" len="med"/>
-                    </a:lnR>
-                    <a:lnT w="12700" cap="flat" cmpd="sng" algn="ctr">
-                      <a:solidFill>
-                        <a:schemeClr val="tx1"/>
-                      </a:solidFill>
-                      <a:prstDash val="solid"/>
-                      <a:round/>
-                      <a:headEnd type="none" w="med" len="med"/>
-                      <a:tailEnd type="none" w="med" len="med"/>
-                    </a:lnT>
-                    <a:lnB w="12700" cap="flat" cmpd="sng" algn="ctr">
-                      <a:solidFill>
-                        <a:schemeClr val="tx1"/>
-                      </a:solidFill>
-                      <a:prstDash val="solid"/>
-                      <a:round/>
-                      <a:headEnd type="none" w="med" len="med"/>
-                      <a:tailEnd type="none" w="med" len="med"/>
-                    </a:lnB>
-                    <a:noFill/>
-                  </a:tcPr>
-                </a:tc>
-                <a:extLst>
-                  <a:ext uri="{0D108BD9-81ED-4DB2-BD59-A6C34878D82A}">
-                    <a16:rowId xmlns:a16="http://schemas.microsoft.com/office/drawing/2014/main" val="1040365544"/>
-                  </a:ext>
-                </a:extLst>
-              </a:tr>
-              <a:tr h="370840">
-                <a:tc>
-                  <a:txBody>
-                    <a:bodyPr/>
-                    <a:lstStyle/>
-                    <a:p>
-                      <a:r>
-                        <a:rPr kumimoji="1" lang="en-US" altLang="ja-JP" sz="2000" dirty="0"/>
-                        <a:t>(3)</a:t>
-                      </a:r>
-                      <a:endParaRPr kumimoji="1" lang="ja-JP" altLang="en-US" sz="2000" dirty="0"/>
-                    </a:p>
-                  </a:txBody>
-                  <a:tcPr>
-                    <a:lnL w="12700" cap="flat" cmpd="sng" algn="ctr">
-                      <a:solidFill>
-                        <a:schemeClr val="tx1"/>
-                      </a:solidFill>
-                      <a:prstDash val="solid"/>
-                      <a:round/>
-                      <a:headEnd type="none" w="med" len="med"/>
-                      <a:tailEnd type="none" w="med" len="med"/>
-                    </a:lnL>
-                    <a:lnR w="12700" cap="flat" cmpd="sng" algn="ctr">
-                      <a:solidFill>
-                        <a:schemeClr val="tx1"/>
-                      </a:solidFill>
-                      <a:prstDash val="solid"/>
-                      <a:round/>
-                      <a:headEnd type="none" w="med" len="med"/>
-                      <a:tailEnd type="none" w="med" len="med"/>
-                    </a:lnR>
-                    <a:lnT w="12700" cap="flat" cmpd="sng" algn="ctr">
-                      <a:solidFill>
-                        <a:schemeClr val="tx1"/>
-                      </a:solidFill>
-                      <a:prstDash val="solid"/>
-                      <a:round/>
-                      <a:headEnd type="none" w="med" len="med"/>
-                      <a:tailEnd type="none" w="med" len="med"/>
-                    </a:lnT>
-                    <a:lnB w="12700" cap="flat" cmpd="sng" algn="ctr">
-                      <a:solidFill>
-                        <a:schemeClr val="tx1"/>
-                      </a:solidFill>
-                      <a:prstDash val="solid"/>
-                      <a:round/>
-                      <a:headEnd type="none" w="med" len="med"/>
-                      <a:tailEnd type="none" w="med" len="med"/>
-                    </a:lnB>
-                    <a:noFill/>
-                  </a:tcPr>
-                </a:tc>
-                <a:tc>
-                  <a:txBody>
-                    <a:bodyPr/>
-                    <a:lstStyle/>
-                    <a:p>
-                      <a:pPr marL="0" marR="0" lvl="0" indent="0" algn="l" defTabSz="914400" rtl="0" eaLnBrk="1" fontAlgn="auto" latinLnBrk="0" hangingPunct="1">
-                        <a:lnSpc>
-                          <a:spcPct val="100000"/>
-                        </a:lnSpc>
-                        <a:spcBef>
-                          <a:spcPts val="0"/>
-                        </a:spcBef>
-                        <a:spcAft>
-                          <a:spcPts val="0"/>
-                        </a:spcAft>
-                        <a:buClrTx/>
-                        <a:buSzTx/>
-                        <a:buFontTx/>
-                        <a:buNone/>
-                        <a:tabLst/>
-                        <a:defRPr/>
-                      </a:pPr>
-                      <a:r>
-                        <a:rPr kumimoji="1" lang="en-US" altLang="ja-JP" sz="2000" dirty="0"/>
-                        <a:t>RO</a:t>
-                      </a:r>
-                      <a:r>
-                        <a:rPr kumimoji="1" lang="ja-JP" altLang="en-US" sz="2000" dirty="0"/>
-                        <a:t>膜劣化も考慮</a:t>
-                      </a:r>
-                    </a:p>
-                  </a:txBody>
-                  <a:tcPr>
-                    <a:lnL w="12700" cap="flat" cmpd="sng" algn="ctr">
-                      <a:solidFill>
-                        <a:schemeClr val="tx1"/>
-                      </a:solidFill>
-                      <a:prstDash val="solid"/>
-                      <a:round/>
-                      <a:headEnd type="none" w="med" len="med"/>
-                      <a:tailEnd type="none" w="med" len="med"/>
-                    </a:lnL>
-                    <a:lnR w="12700" cap="flat" cmpd="sng" algn="ctr">
-                      <a:solidFill>
-                        <a:schemeClr val="tx1"/>
-                      </a:solidFill>
-                      <a:prstDash val="solid"/>
-                      <a:round/>
-                      <a:headEnd type="none" w="med" len="med"/>
-                      <a:tailEnd type="none" w="med" len="med"/>
-                    </a:lnR>
-                    <a:lnT w="12700" cap="flat" cmpd="sng" algn="ctr">
-                      <a:solidFill>
-                        <a:schemeClr val="tx1"/>
-                      </a:solidFill>
-                      <a:prstDash val="solid"/>
-                      <a:round/>
-                      <a:headEnd type="none" w="med" len="med"/>
-                      <a:tailEnd type="none" w="med" len="med"/>
-                    </a:lnT>
-                    <a:lnB w="12700" cap="flat" cmpd="sng" algn="ctr">
-                      <a:solidFill>
-                        <a:schemeClr val="tx1"/>
-                      </a:solidFill>
-                      <a:prstDash val="solid"/>
-                      <a:round/>
-                      <a:headEnd type="none" w="med" len="med"/>
-                      <a:tailEnd type="none" w="med" len="med"/>
-                    </a:lnB>
-                    <a:noFill/>
-                  </a:tcPr>
-                </a:tc>
-                <a:tc>
-                  <a:txBody>
-                    <a:bodyPr/>
-                    <a:lstStyle/>
-                    <a:p>
-                      <a:r>
-                        <a:rPr kumimoji="1" lang="en-US" altLang="ja-JP" sz="2000" dirty="0"/>
-                        <a:t>RO</a:t>
-                      </a:r>
-                      <a:r>
-                        <a:rPr kumimoji="1" lang="ja-JP" altLang="en-US" sz="2000" dirty="0"/>
-                        <a:t>膜交換コスト</a:t>
-                      </a:r>
-                    </a:p>
-                  </a:txBody>
-                  <a:tcPr>
-                    <a:lnL w="12700" cap="flat" cmpd="sng" algn="ctr">
-                      <a:solidFill>
-                        <a:schemeClr val="tx1"/>
-                      </a:solidFill>
-                      <a:prstDash val="solid"/>
-                      <a:round/>
-                      <a:headEnd type="none" w="med" len="med"/>
-                      <a:tailEnd type="none" w="med" len="med"/>
-                    </a:lnL>
-                    <a:lnR w="12700" cap="flat" cmpd="sng" algn="ctr">
-                      <a:solidFill>
-                        <a:schemeClr val="tx1"/>
-                      </a:solidFill>
-                      <a:prstDash val="solid"/>
-                      <a:round/>
-                      <a:headEnd type="none" w="med" len="med"/>
-                      <a:tailEnd type="none" w="med" len="med"/>
-                    </a:lnR>
-                    <a:lnT w="12700" cap="flat" cmpd="sng" algn="ctr">
-                      <a:solidFill>
-                        <a:schemeClr val="tx1"/>
-                      </a:solidFill>
-                      <a:prstDash val="solid"/>
-                      <a:round/>
-                      <a:headEnd type="none" w="med" len="med"/>
-                      <a:tailEnd type="none" w="med" len="med"/>
-                    </a:lnT>
-                    <a:lnB w="12700" cap="flat" cmpd="sng" algn="ctr">
-                      <a:solidFill>
-                        <a:schemeClr val="tx1"/>
-                      </a:solidFill>
-                      <a:prstDash val="solid"/>
-                      <a:round/>
-                      <a:headEnd type="none" w="med" len="med"/>
-                      <a:tailEnd type="none" w="med" len="med"/>
-                    </a:lnB>
-                    <a:noFill/>
-                  </a:tcPr>
-                </a:tc>
-                <a:tc>
-                  <a:txBody>
-                    <a:bodyPr/>
-                    <a:lstStyle/>
-                    <a:p>
-                      <a:r>
-                        <a:rPr kumimoji="1" lang="ja-JP" altLang="en-US" sz="2000" dirty="0"/>
-                        <a:t>物理モデル　難しい</a:t>
-                      </a:r>
-                    </a:p>
-                  </a:txBody>
-                  <a:tcPr>
-                    <a:lnL w="12700" cap="flat" cmpd="sng" algn="ctr">
-                      <a:solidFill>
-                        <a:schemeClr val="tx1"/>
-                      </a:solidFill>
-                      <a:prstDash val="solid"/>
-                      <a:round/>
-                      <a:headEnd type="none" w="med" len="med"/>
-                      <a:tailEnd type="none" w="med" len="med"/>
-                    </a:lnL>
-                    <a:lnR w="12700" cap="flat" cmpd="sng" algn="ctr">
-                      <a:solidFill>
-                        <a:schemeClr val="tx1"/>
-                      </a:solidFill>
-                      <a:prstDash val="solid"/>
-                      <a:round/>
-                      <a:headEnd type="none" w="med" len="med"/>
-                      <a:tailEnd type="none" w="med" len="med"/>
-                    </a:lnR>
-                    <a:lnT w="12700" cap="flat" cmpd="sng" algn="ctr">
-                      <a:solidFill>
-                        <a:schemeClr val="tx1"/>
-                      </a:solidFill>
-                      <a:prstDash val="solid"/>
-                      <a:round/>
-                      <a:headEnd type="none" w="med" len="med"/>
-                      <a:tailEnd type="none" w="med" len="med"/>
-                    </a:lnT>
-                    <a:lnB w="12700" cap="flat" cmpd="sng" algn="ctr">
-                      <a:solidFill>
-                        <a:schemeClr val="tx1"/>
-                      </a:solidFill>
-                      <a:prstDash val="solid"/>
-                      <a:round/>
-                      <a:headEnd type="none" w="med" len="med"/>
-                      <a:tailEnd type="none" w="med" len="med"/>
-                    </a:lnB>
-                    <a:noFill/>
-                  </a:tcPr>
-                </a:tc>
-                <a:tc>
-                  <a:txBody>
-                    <a:bodyPr/>
-                    <a:lstStyle/>
-                    <a:p>
-                      <a:r>
-                        <a:rPr kumimoji="1" lang="ja-JP" altLang="en-US" sz="2000" dirty="0"/>
-                        <a:t>長期</a:t>
-                      </a:r>
-                    </a:p>
-                  </a:txBody>
-                  <a:tcPr>
-                    <a:lnL w="12700" cap="flat" cmpd="sng" algn="ctr">
-                      <a:solidFill>
-                        <a:schemeClr val="tx1"/>
-                      </a:solidFill>
-                      <a:prstDash val="solid"/>
-                      <a:round/>
-                      <a:headEnd type="none" w="med" len="med"/>
-                      <a:tailEnd type="none" w="med" len="med"/>
-                    </a:lnL>
-                    <a:lnR w="12700" cap="flat" cmpd="sng" algn="ctr">
-                      <a:solidFill>
-                        <a:schemeClr val="tx1"/>
-                      </a:solidFill>
-                      <a:prstDash val="solid"/>
-                      <a:round/>
-                      <a:headEnd type="none" w="med" len="med"/>
-                      <a:tailEnd type="none" w="med" len="med"/>
-                    </a:lnR>
-                    <a:lnT w="12700" cap="flat" cmpd="sng" algn="ctr">
-                      <a:solidFill>
-                        <a:schemeClr val="tx1"/>
-                      </a:solidFill>
-                      <a:prstDash val="solid"/>
-                      <a:round/>
-                      <a:headEnd type="none" w="med" len="med"/>
-                      <a:tailEnd type="none" w="med" len="med"/>
-                    </a:lnT>
-                    <a:lnB w="12700" cap="flat" cmpd="sng" algn="ctr">
-                      <a:solidFill>
-                        <a:schemeClr val="tx1"/>
-                      </a:solidFill>
-                      <a:prstDash val="solid"/>
-                      <a:round/>
-                      <a:headEnd type="none" w="med" len="med"/>
-                      <a:tailEnd type="none" w="med" len="med"/>
-                    </a:lnB>
-                    <a:noFill/>
-                  </a:tcPr>
-                </a:tc>
-                <a:extLst>
-                  <a:ext uri="{0D108BD9-81ED-4DB2-BD59-A6C34878D82A}">
-                    <a16:rowId xmlns:a16="http://schemas.microsoft.com/office/drawing/2014/main" val="4137712625"/>
-                  </a:ext>
-                </a:extLst>
-              </a:tr>
-            </a:tbl>
-          </a:graphicData>
-        </a:graphic>
-      </p:graphicFrame>
+      <p:sp>
+        <p:nvSpPr>
+          <p:cNvPr id="10" name="テキスト ボックス 9">
+            <a:extLst>
+              <a:ext uri="{FF2B5EF4-FFF2-40B4-BE49-F238E27FC236}">
+                <a16:creationId xmlns:a16="http://schemas.microsoft.com/office/drawing/2014/main" id="{5B142B32-9EF6-40B9-87A0-485F9743AEF9}"/>
+              </a:ext>
+            </a:extLst>
+          </p:cNvPr>
+          <p:cNvSpPr txBox="1"/>
+          <p:nvPr/>
+        </p:nvSpPr>
+        <p:spPr>
+          <a:xfrm>
+            <a:off x="409575" y="3158877"/>
+            <a:ext cx="1495425" cy="369332"/>
+          </a:xfrm>
+          <a:prstGeom prst="rect">
+            <a:avLst/>
+          </a:prstGeom>
+          <a:noFill/>
+        </p:spPr>
+        <p:txBody>
+          <a:bodyPr wrap="square" rtlCol="0">
+            <a:spAutoFit/>
+          </a:bodyPr>
+          <a:lstStyle/>
+          <a:p>
+            <a:r>
+              <a:rPr kumimoji="1" lang="ja-JP" altLang="en-US" dirty="0"/>
+              <a:t>最適化効果</a:t>
+            </a:r>
+          </a:p>
+        </p:txBody>
+      </p:sp>
+      <p:sp>
+        <p:nvSpPr>
+          <p:cNvPr id="11" name="テキスト ボックス 10">
+            <a:extLst>
+              <a:ext uri="{FF2B5EF4-FFF2-40B4-BE49-F238E27FC236}">
+                <a16:creationId xmlns:a16="http://schemas.microsoft.com/office/drawing/2014/main" id="{DA42424A-A709-4904-A276-ABEDF530B57F}"/>
+              </a:ext>
+            </a:extLst>
+          </p:cNvPr>
+          <p:cNvSpPr txBox="1"/>
+          <p:nvPr/>
+        </p:nvSpPr>
+        <p:spPr>
+          <a:xfrm>
+            <a:off x="2821118" y="3158877"/>
+            <a:ext cx="1495425" cy="369332"/>
+          </a:xfrm>
+          <a:prstGeom prst="rect">
+            <a:avLst/>
+          </a:prstGeom>
+          <a:noFill/>
+        </p:spPr>
+        <p:txBody>
+          <a:bodyPr wrap="square" rtlCol="0">
+            <a:spAutoFit/>
+          </a:bodyPr>
+          <a:lstStyle/>
+          <a:p>
+            <a:pPr algn="ctr"/>
+            <a:r>
+              <a:rPr kumimoji="1" lang="ja-JP" altLang="en-US" dirty="0"/>
+              <a:t>小</a:t>
+            </a:r>
+          </a:p>
+        </p:txBody>
+      </p:sp>
+      <p:sp>
+        <p:nvSpPr>
+          <p:cNvPr id="12" name="テキスト ボックス 11">
+            <a:extLst>
+              <a:ext uri="{FF2B5EF4-FFF2-40B4-BE49-F238E27FC236}">
+                <a16:creationId xmlns:a16="http://schemas.microsoft.com/office/drawing/2014/main" id="{9404F69A-39E2-4662-8082-B5128082BB72}"/>
+              </a:ext>
+            </a:extLst>
+          </p:cNvPr>
+          <p:cNvSpPr txBox="1"/>
+          <p:nvPr/>
+        </p:nvSpPr>
+        <p:spPr>
+          <a:xfrm>
+            <a:off x="6174349" y="3162836"/>
+            <a:ext cx="1495425" cy="369332"/>
+          </a:xfrm>
+          <a:prstGeom prst="rect">
+            <a:avLst/>
+          </a:prstGeom>
+          <a:noFill/>
+        </p:spPr>
+        <p:txBody>
+          <a:bodyPr wrap="square" rtlCol="0">
+            <a:spAutoFit/>
+          </a:bodyPr>
+          <a:lstStyle/>
+          <a:p>
+            <a:pPr algn="ctr"/>
+            <a:r>
+              <a:rPr kumimoji="1" lang="ja-JP" altLang="en-US" dirty="0"/>
+              <a:t>中</a:t>
+            </a:r>
+          </a:p>
+        </p:txBody>
+      </p:sp>
+      <p:sp>
+        <p:nvSpPr>
+          <p:cNvPr id="13" name="テキスト ボックス 12">
+            <a:extLst>
+              <a:ext uri="{FF2B5EF4-FFF2-40B4-BE49-F238E27FC236}">
+                <a16:creationId xmlns:a16="http://schemas.microsoft.com/office/drawing/2014/main" id="{38DEC25B-86DE-4265-961E-9F4B1CA110F9}"/>
+              </a:ext>
+            </a:extLst>
+          </p:cNvPr>
+          <p:cNvSpPr txBox="1"/>
+          <p:nvPr/>
+        </p:nvSpPr>
+        <p:spPr>
+          <a:xfrm>
+            <a:off x="9571644" y="3158877"/>
+            <a:ext cx="1495425" cy="369332"/>
+          </a:xfrm>
+          <a:prstGeom prst="rect">
+            <a:avLst/>
+          </a:prstGeom>
+          <a:noFill/>
+        </p:spPr>
+        <p:txBody>
+          <a:bodyPr wrap="square" rtlCol="0">
+            <a:spAutoFit/>
+          </a:bodyPr>
+          <a:lstStyle/>
+          <a:p>
+            <a:pPr algn="ctr"/>
+            <a:r>
+              <a:rPr kumimoji="1" lang="ja-JP" altLang="en-US" dirty="0"/>
+              <a:t>大</a:t>
+            </a:r>
+          </a:p>
+        </p:txBody>
+      </p:sp>
+      <p:sp>
+        <p:nvSpPr>
+          <p:cNvPr id="14" name="テキスト ボックス 13">
+            <a:extLst>
+              <a:ext uri="{FF2B5EF4-FFF2-40B4-BE49-F238E27FC236}">
+                <a16:creationId xmlns:a16="http://schemas.microsoft.com/office/drawing/2014/main" id="{24B2F2C5-13FE-4E19-B93F-7281C43A0BF3}"/>
+              </a:ext>
+            </a:extLst>
+          </p:cNvPr>
+          <p:cNvSpPr txBox="1"/>
+          <p:nvPr/>
+        </p:nvSpPr>
+        <p:spPr>
+          <a:xfrm>
+            <a:off x="409575" y="3596176"/>
+            <a:ext cx="1495425" cy="369332"/>
+          </a:xfrm>
+          <a:prstGeom prst="rect">
+            <a:avLst/>
+          </a:prstGeom>
+          <a:noFill/>
+        </p:spPr>
+        <p:txBody>
+          <a:bodyPr wrap="square" rtlCol="0">
+            <a:spAutoFit/>
+          </a:bodyPr>
+          <a:lstStyle/>
+          <a:p>
+            <a:r>
+              <a:rPr kumimoji="1" lang="ja-JP" altLang="en-US" dirty="0"/>
+              <a:t>最適化期間</a:t>
+            </a:r>
+          </a:p>
+        </p:txBody>
+      </p:sp>
+      <p:sp>
+        <p:nvSpPr>
+          <p:cNvPr id="15" name="テキスト ボックス 14">
+            <a:extLst>
+              <a:ext uri="{FF2B5EF4-FFF2-40B4-BE49-F238E27FC236}">
+                <a16:creationId xmlns:a16="http://schemas.microsoft.com/office/drawing/2014/main" id="{E18E54A5-7D90-4041-840D-24FEEA4B8A19}"/>
+              </a:ext>
+            </a:extLst>
+          </p:cNvPr>
+          <p:cNvSpPr txBox="1"/>
+          <p:nvPr/>
+        </p:nvSpPr>
+        <p:spPr>
+          <a:xfrm>
+            <a:off x="2216793" y="3572755"/>
+            <a:ext cx="2865307" cy="369332"/>
+          </a:xfrm>
+          <a:prstGeom prst="rect">
+            <a:avLst/>
+          </a:prstGeom>
+          <a:noFill/>
+        </p:spPr>
+        <p:txBody>
+          <a:bodyPr wrap="square" rtlCol="0">
+            <a:spAutoFit/>
+          </a:bodyPr>
+          <a:lstStyle/>
+          <a:p>
+            <a:pPr algn="ctr"/>
+            <a:r>
+              <a:rPr kumimoji="1" lang="ja-JP" altLang="en-US" dirty="0"/>
+              <a:t>短期</a:t>
+            </a:r>
+            <a:r>
+              <a:rPr kumimoji="1" lang="ja-JP" altLang="en-US" sz="1600" dirty="0"/>
+              <a:t>（操作は数分～時間）</a:t>
+            </a:r>
+          </a:p>
+        </p:txBody>
+      </p:sp>
+      <p:sp>
+        <p:nvSpPr>
+          <p:cNvPr id="16" name="テキスト ボックス 15">
+            <a:extLst>
+              <a:ext uri="{FF2B5EF4-FFF2-40B4-BE49-F238E27FC236}">
+                <a16:creationId xmlns:a16="http://schemas.microsoft.com/office/drawing/2014/main" id="{87904BEC-323F-4C8D-A727-6C244CA9269E}"/>
+              </a:ext>
+            </a:extLst>
+          </p:cNvPr>
+          <p:cNvSpPr txBox="1"/>
+          <p:nvPr/>
+        </p:nvSpPr>
+        <p:spPr>
+          <a:xfrm>
+            <a:off x="5436758" y="3572755"/>
+            <a:ext cx="2970603" cy="369332"/>
+          </a:xfrm>
+          <a:prstGeom prst="rect">
+            <a:avLst/>
+          </a:prstGeom>
+          <a:noFill/>
+        </p:spPr>
+        <p:txBody>
+          <a:bodyPr wrap="square" rtlCol="0">
+            <a:spAutoFit/>
+          </a:bodyPr>
+          <a:lstStyle/>
+          <a:p>
+            <a:pPr algn="ctr"/>
+            <a:r>
+              <a:rPr kumimoji="1" lang="ja-JP" altLang="en-US" dirty="0"/>
+              <a:t>中期</a:t>
+            </a:r>
+            <a:r>
+              <a:rPr kumimoji="1" lang="ja-JP" altLang="en-US" sz="1600" dirty="0"/>
+              <a:t>（洗浄は数日～数か月）</a:t>
+            </a:r>
+          </a:p>
+        </p:txBody>
+      </p:sp>
+      <p:sp>
+        <p:nvSpPr>
+          <p:cNvPr id="17" name="テキスト ボックス 16">
+            <a:extLst>
+              <a:ext uri="{FF2B5EF4-FFF2-40B4-BE49-F238E27FC236}">
+                <a16:creationId xmlns:a16="http://schemas.microsoft.com/office/drawing/2014/main" id="{AFD64701-AC25-4394-A51B-BF0EF477D47A}"/>
+              </a:ext>
+            </a:extLst>
+          </p:cNvPr>
+          <p:cNvSpPr txBox="1"/>
+          <p:nvPr/>
+        </p:nvSpPr>
+        <p:spPr>
+          <a:xfrm>
+            <a:off x="8762019" y="3572755"/>
+            <a:ext cx="3106131" cy="369332"/>
+          </a:xfrm>
+          <a:prstGeom prst="rect">
+            <a:avLst/>
+          </a:prstGeom>
+          <a:noFill/>
+        </p:spPr>
+        <p:txBody>
+          <a:bodyPr wrap="square" rtlCol="0">
+            <a:spAutoFit/>
+          </a:bodyPr>
+          <a:lstStyle/>
+          <a:p>
+            <a:pPr algn="ctr"/>
+            <a:r>
+              <a:rPr kumimoji="1" lang="ja-JP" altLang="en-US" dirty="0"/>
+              <a:t>長期</a:t>
+            </a:r>
+            <a:r>
+              <a:rPr kumimoji="1" lang="ja-JP" altLang="en-US" sz="1600" dirty="0"/>
+              <a:t>（交換は数か月～数年）</a:t>
+            </a:r>
+            <a:endParaRPr kumimoji="1" lang="ja-JP" altLang="en-US" dirty="0"/>
+          </a:p>
+        </p:txBody>
+      </p:sp>
+      <p:sp>
+        <p:nvSpPr>
+          <p:cNvPr id="18" name="テキスト ボックス 17">
+            <a:extLst>
+              <a:ext uri="{FF2B5EF4-FFF2-40B4-BE49-F238E27FC236}">
+                <a16:creationId xmlns:a16="http://schemas.microsoft.com/office/drawing/2014/main" id="{1EC5222C-744E-4361-B352-A6F483927883}"/>
+              </a:ext>
+            </a:extLst>
+          </p:cNvPr>
+          <p:cNvSpPr txBox="1"/>
+          <p:nvPr/>
+        </p:nvSpPr>
+        <p:spPr>
+          <a:xfrm>
+            <a:off x="409574" y="4242528"/>
+            <a:ext cx="1495425" cy="369332"/>
+          </a:xfrm>
+          <a:prstGeom prst="rect">
+            <a:avLst/>
+          </a:prstGeom>
+          <a:noFill/>
+        </p:spPr>
+        <p:txBody>
+          <a:bodyPr wrap="square" rtlCol="0">
+            <a:spAutoFit/>
+          </a:bodyPr>
+          <a:lstStyle/>
+          <a:p>
+            <a:r>
+              <a:rPr kumimoji="1" lang="ja-JP" altLang="en-US" dirty="0"/>
+              <a:t>モデリング方針</a:t>
+            </a:r>
+          </a:p>
+        </p:txBody>
+      </p:sp>
+      <p:sp>
+        <p:nvSpPr>
+          <p:cNvPr id="19" name="テキスト ボックス 18">
+            <a:extLst>
+              <a:ext uri="{FF2B5EF4-FFF2-40B4-BE49-F238E27FC236}">
+                <a16:creationId xmlns:a16="http://schemas.microsoft.com/office/drawing/2014/main" id="{4AD2F5F3-38D1-4754-A2B3-A9EBD1372353}"/>
+              </a:ext>
+            </a:extLst>
+          </p:cNvPr>
+          <p:cNvSpPr txBox="1"/>
+          <p:nvPr/>
+        </p:nvSpPr>
+        <p:spPr>
+          <a:xfrm>
+            <a:off x="2712438" y="4240008"/>
+            <a:ext cx="1712783" cy="369332"/>
+          </a:xfrm>
+          <a:prstGeom prst="rect">
+            <a:avLst/>
+          </a:prstGeom>
+          <a:noFill/>
+        </p:spPr>
+        <p:txBody>
+          <a:bodyPr wrap="square" rtlCol="0">
+            <a:spAutoFit/>
+          </a:bodyPr>
+          <a:lstStyle/>
+          <a:p>
+            <a:pPr algn="ctr"/>
+            <a:r>
+              <a:rPr kumimoji="1" lang="ja-JP" altLang="en-US" dirty="0"/>
+              <a:t>統計モデル寄り</a:t>
+            </a:r>
+          </a:p>
+        </p:txBody>
+      </p:sp>
+      <p:sp>
+        <p:nvSpPr>
+          <p:cNvPr id="20" name="テキスト ボックス 19">
+            <a:extLst>
+              <a:ext uri="{FF2B5EF4-FFF2-40B4-BE49-F238E27FC236}">
+                <a16:creationId xmlns:a16="http://schemas.microsoft.com/office/drawing/2014/main" id="{4341BBDC-17C8-422A-903F-1FED9CE6F01B}"/>
+              </a:ext>
+            </a:extLst>
+          </p:cNvPr>
+          <p:cNvSpPr txBox="1"/>
+          <p:nvPr/>
+        </p:nvSpPr>
+        <p:spPr>
+          <a:xfrm>
+            <a:off x="5856335" y="4242528"/>
+            <a:ext cx="2131451" cy="369332"/>
+          </a:xfrm>
+          <a:prstGeom prst="rect">
+            <a:avLst/>
+          </a:prstGeom>
+          <a:noFill/>
+        </p:spPr>
+        <p:txBody>
+          <a:bodyPr wrap="square" rtlCol="0">
+            <a:spAutoFit/>
+          </a:bodyPr>
+          <a:lstStyle/>
+          <a:p>
+            <a:pPr algn="ctr"/>
+            <a:r>
+              <a:rPr kumimoji="1" lang="ja-JP" altLang="en-US" dirty="0"/>
+              <a:t>統計／物理モデル</a:t>
+            </a:r>
+          </a:p>
+        </p:txBody>
+      </p:sp>
+      <p:sp>
+        <p:nvSpPr>
+          <p:cNvPr id="21" name="テキスト ボックス 20">
+            <a:extLst>
+              <a:ext uri="{FF2B5EF4-FFF2-40B4-BE49-F238E27FC236}">
+                <a16:creationId xmlns:a16="http://schemas.microsoft.com/office/drawing/2014/main" id="{8C62A49F-8CCD-4CD7-938F-B7FDBA817FD4}"/>
+              </a:ext>
+            </a:extLst>
+          </p:cNvPr>
+          <p:cNvSpPr txBox="1"/>
+          <p:nvPr/>
+        </p:nvSpPr>
+        <p:spPr>
+          <a:xfrm>
+            <a:off x="9253630" y="4240008"/>
+            <a:ext cx="2131451" cy="369332"/>
+          </a:xfrm>
+          <a:prstGeom prst="rect">
+            <a:avLst/>
+          </a:prstGeom>
+          <a:noFill/>
+        </p:spPr>
+        <p:txBody>
+          <a:bodyPr wrap="square" rtlCol="0">
+            <a:spAutoFit/>
+          </a:bodyPr>
+          <a:lstStyle/>
+          <a:p>
+            <a:pPr algn="ctr"/>
+            <a:r>
+              <a:rPr kumimoji="1" lang="ja-JP" altLang="en-US" dirty="0"/>
+              <a:t>物理モデル寄り</a:t>
+            </a:r>
+          </a:p>
+        </p:txBody>
+      </p:sp>
+      <p:sp>
+        <p:nvSpPr>
+          <p:cNvPr id="22" name="テキスト ボックス 21">
+            <a:extLst>
+              <a:ext uri="{FF2B5EF4-FFF2-40B4-BE49-F238E27FC236}">
+                <a16:creationId xmlns:a16="http://schemas.microsoft.com/office/drawing/2014/main" id="{CB985B73-A856-4A4E-9ED6-9C3BFA04E582}"/>
+              </a:ext>
+            </a:extLst>
+          </p:cNvPr>
+          <p:cNvSpPr txBox="1"/>
+          <p:nvPr/>
+        </p:nvSpPr>
+        <p:spPr>
+          <a:xfrm>
+            <a:off x="409574" y="4744608"/>
+            <a:ext cx="1495425" cy="369332"/>
+          </a:xfrm>
+          <a:prstGeom prst="rect">
+            <a:avLst/>
+          </a:prstGeom>
+          <a:noFill/>
+        </p:spPr>
+        <p:txBody>
+          <a:bodyPr wrap="square" rtlCol="0">
+            <a:spAutoFit/>
+          </a:bodyPr>
+          <a:lstStyle/>
+          <a:p>
+            <a:r>
+              <a:rPr kumimoji="1" lang="ja-JP" altLang="en-US" dirty="0"/>
+              <a:t>難易度</a:t>
+            </a:r>
+          </a:p>
+        </p:txBody>
+      </p:sp>
+      <p:sp>
+        <p:nvSpPr>
+          <p:cNvPr id="23" name="テキスト ボックス 22">
+            <a:extLst>
+              <a:ext uri="{FF2B5EF4-FFF2-40B4-BE49-F238E27FC236}">
+                <a16:creationId xmlns:a16="http://schemas.microsoft.com/office/drawing/2014/main" id="{8CD6E06F-AE0D-4F42-9099-7FA699F21BFE}"/>
+              </a:ext>
+            </a:extLst>
+          </p:cNvPr>
+          <p:cNvSpPr txBox="1"/>
+          <p:nvPr/>
+        </p:nvSpPr>
+        <p:spPr>
+          <a:xfrm>
+            <a:off x="2712438" y="4744608"/>
+            <a:ext cx="1712783" cy="369332"/>
+          </a:xfrm>
+          <a:prstGeom prst="rect">
+            <a:avLst/>
+          </a:prstGeom>
+          <a:noFill/>
+        </p:spPr>
+        <p:txBody>
+          <a:bodyPr wrap="square" rtlCol="0">
+            <a:spAutoFit/>
+          </a:bodyPr>
+          <a:lstStyle/>
+          <a:p>
+            <a:pPr algn="ctr"/>
+            <a:r>
+              <a:rPr kumimoji="1" lang="ja-JP" altLang="en-US" dirty="0"/>
+              <a:t>易</a:t>
+            </a:r>
+          </a:p>
+        </p:txBody>
+      </p:sp>
+      <p:sp>
+        <p:nvSpPr>
+          <p:cNvPr id="24" name="テキスト ボックス 23">
+            <a:extLst>
+              <a:ext uri="{FF2B5EF4-FFF2-40B4-BE49-F238E27FC236}">
+                <a16:creationId xmlns:a16="http://schemas.microsoft.com/office/drawing/2014/main" id="{15C8738E-51A8-4CEE-B2F4-09344F8EB305}"/>
+              </a:ext>
+            </a:extLst>
+          </p:cNvPr>
+          <p:cNvSpPr txBox="1"/>
+          <p:nvPr/>
+        </p:nvSpPr>
+        <p:spPr>
+          <a:xfrm>
+            <a:off x="5856335" y="4747128"/>
+            <a:ext cx="2131451" cy="369332"/>
+          </a:xfrm>
+          <a:prstGeom prst="rect">
+            <a:avLst/>
+          </a:prstGeom>
+          <a:noFill/>
+        </p:spPr>
+        <p:txBody>
+          <a:bodyPr wrap="square" rtlCol="0">
+            <a:spAutoFit/>
+          </a:bodyPr>
+          <a:lstStyle/>
+          <a:p>
+            <a:pPr algn="ctr"/>
+            <a:r>
+              <a:rPr kumimoji="1" lang="ja-JP" altLang="en-US" dirty="0"/>
+              <a:t>中</a:t>
+            </a:r>
+          </a:p>
+        </p:txBody>
+      </p:sp>
+      <p:sp>
+        <p:nvSpPr>
+          <p:cNvPr id="25" name="テキスト ボックス 24">
+            <a:extLst>
+              <a:ext uri="{FF2B5EF4-FFF2-40B4-BE49-F238E27FC236}">
+                <a16:creationId xmlns:a16="http://schemas.microsoft.com/office/drawing/2014/main" id="{05679080-B76E-4C3E-9E99-C7DC48C0818D}"/>
+              </a:ext>
+            </a:extLst>
+          </p:cNvPr>
+          <p:cNvSpPr txBox="1"/>
+          <p:nvPr/>
+        </p:nvSpPr>
+        <p:spPr>
+          <a:xfrm>
+            <a:off x="9253630" y="4744608"/>
+            <a:ext cx="2131451" cy="369332"/>
+          </a:xfrm>
+          <a:prstGeom prst="rect">
+            <a:avLst/>
+          </a:prstGeom>
+          <a:noFill/>
+        </p:spPr>
+        <p:txBody>
+          <a:bodyPr wrap="square" rtlCol="0">
+            <a:spAutoFit/>
+          </a:bodyPr>
+          <a:lstStyle/>
+          <a:p>
+            <a:pPr algn="ctr"/>
+            <a:r>
+              <a:rPr kumimoji="1" lang="ja-JP" altLang="en-US" dirty="0"/>
+              <a:t>難</a:t>
+            </a:r>
+          </a:p>
+        </p:txBody>
+      </p:sp>
+      <p:sp>
+        <p:nvSpPr>
+          <p:cNvPr id="27" name="矢印: 下カーブ 26">
+            <a:extLst>
+              <a:ext uri="{FF2B5EF4-FFF2-40B4-BE49-F238E27FC236}">
+                <a16:creationId xmlns:a16="http://schemas.microsoft.com/office/drawing/2014/main" id="{3675EAA8-38B5-4264-97EE-C51214F37D51}"/>
+              </a:ext>
+            </a:extLst>
+          </p:cNvPr>
+          <p:cNvSpPr/>
+          <p:nvPr/>
+        </p:nvSpPr>
+        <p:spPr>
+          <a:xfrm rot="10800000" flipH="1">
+            <a:off x="7782569" y="5344035"/>
+            <a:ext cx="1789075" cy="450310"/>
+          </a:xfrm>
+          <a:prstGeom prst="curvedDownArrow">
+            <a:avLst/>
+          </a:prstGeom>
+          <a:solidFill>
+            <a:schemeClr val="bg1"/>
+          </a:solidFill>
+        </p:spPr>
+        <p:style>
+          <a:lnRef idx="2">
+            <a:schemeClr val="accent1">
+              <a:shade val="50000"/>
+            </a:schemeClr>
+          </a:lnRef>
+          <a:fillRef idx="1">
+            <a:schemeClr val="accent1"/>
+          </a:fillRef>
+          <a:effectRef idx="0">
+            <a:schemeClr val="accent1"/>
+          </a:effectRef>
+          <a:fontRef idx="minor">
+            <a:schemeClr val="lt1"/>
+          </a:fontRef>
+        </p:style>
+        <p:txBody>
+          <a:bodyPr rtlCol="0" anchor="ctr"/>
+          <a:lstStyle/>
+          <a:p>
+            <a:pPr algn="ctr"/>
+            <a:endParaRPr kumimoji="1" lang="ja-JP" altLang="en-US">
+              <a:solidFill>
+                <a:schemeClr val="tx1"/>
+              </a:solidFill>
+            </a:endParaRPr>
+          </a:p>
+        </p:txBody>
+      </p:sp>
+      <p:cxnSp>
+        <p:nvCxnSpPr>
+          <p:cNvPr id="28" name="直線コネクタ 27">
+            <a:extLst>
+              <a:ext uri="{FF2B5EF4-FFF2-40B4-BE49-F238E27FC236}">
+                <a16:creationId xmlns:a16="http://schemas.microsoft.com/office/drawing/2014/main" id="{D0DB0E7A-A0DF-4060-9B30-C287A6489499}"/>
+              </a:ext>
+            </a:extLst>
+          </p:cNvPr>
+          <p:cNvCxnSpPr>
+            <a:cxnSpLocks/>
+          </p:cNvCxnSpPr>
+          <p:nvPr/>
+        </p:nvCxnSpPr>
+        <p:spPr>
+          <a:xfrm flipH="1">
+            <a:off x="123495" y="3053432"/>
+            <a:ext cx="11825294" cy="0"/>
+          </a:xfrm>
+          <a:prstGeom prst="line">
+            <a:avLst/>
+          </a:prstGeom>
+          <a:ln w="19050">
+            <a:solidFill>
+              <a:schemeClr val="bg1">
+                <a:lumMod val="50000"/>
+              </a:schemeClr>
+            </a:solidFill>
+            <a:headEnd type="none" w="med" len="med"/>
+            <a:tailEnd type="none" w="med" len="med"/>
+          </a:ln>
+        </p:spPr>
+        <p:style>
+          <a:lnRef idx="1">
+            <a:schemeClr val="accent1"/>
+          </a:lnRef>
+          <a:fillRef idx="0">
+            <a:schemeClr val="accent1"/>
+          </a:fillRef>
+          <a:effectRef idx="0">
+            <a:schemeClr val="accent1"/>
+          </a:effectRef>
+          <a:fontRef idx="minor">
+            <a:schemeClr val="tx1"/>
+          </a:fontRef>
+        </p:style>
+      </p:cxnSp>
+      <p:cxnSp>
+        <p:nvCxnSpPr>
+          <p:cNvPr id="29" name="直線コネクタ 28">
+            <a:extLst>
+              <a:ext uri="{FF2B5EF4-FFF2-40B4-BE49-F238E27FC236}">
+                <a16:creationId xmlns:a16="http://schemas.microsoft.com/office/drawing/2014/main" id="{FC094A96-E810-4F2E-B3C7-D8FE57FD3514}"/>
+              </a:ext>
+            </a:extLst>
+          </p:cNvPr>
+          <p:cNvCxnSpPr>
+            <a:cxnSpLocks/>
+          </p:cNvCxnSpPr>
+          <p:nvPr/>
+        </p:nvCxnSpPr>
+        <p:spPr>
+          <a:xfrm flipH="1">
+            <a:off x="123495" y="4072607"/>
+            <a:ext cx="11825294" cy="0"/>
+          </a:xfrm>
+          <a:prstGeom prst="line">
+            <a:avLst/>
+          </a:prstGeom>
+          <a:ln w="19050">
+            <a:solidFill>
+              <a:schemeClr val="bg1">
+                <a:lumMod val="50000"/>
+              </a:schemeClr>
+            </a:solidFill>
+            <a:headEnd type="none" w="med" len="med"/>
+            <a:tailEnd type="none" w="med" len="med"/>
+          </a:ln>
+        </p:spPr>
+        <p:style>
+          <a:lnRef idx="1">
+            <a:schemeClr val="accent1"/>
+          </a:lnRef>
+          <a:fillRef idx="0">
+            <a:schemeClr val="accent1"/>
+          </a:fillRef>
+          <a:effectRef idx="0">
+            <a:schemeClr val="accent1"/>
+          </a:effectRef>
+          <a:fontRef idx="minor">
+            <a:schemeClr val="tx1"/>
+          </a:fontRef>
+        </p:style>
+      </p:cxnSp>
+      <p:cxnSp>
+        <p:nvCxnSpPr>
+          <p:cNvPr id="30" name="直線コネクタ 29">
+            <a:extLst>
+              <a:ext uri="{FF2B5EF4-FFF2-40B4-BE49-F238E27FC236}">
+                <a16:creationId xmlns:a16="http://schemas.microsoft.com/office/drawing/2014/main" id="{DAB1E83E-17BD-4BD4-8FFB-4C21E8692AF6}"/>
+              </a:ext>
+            </a:extLst>
+          </p:cNvPr>
+          <p:cNvCxnSpPr>
+            <a:cxnSpLocks/>
+          </p:cNvCxnSpPr>
+          <p:nvPr/>
+        </p:nvCxnSpPr>
+        <p:spPr>
+          <a:xfrm flipH="1">
+            <a:off x="123495" y="5248453"/>
+            <a:ext cx="11825294" cy="0"/>
+          </a:xfrm>
+          <a:prstGeom prst="line">
+            <a:avLst/>
+          </a:prstGeom>
+          <a:ln w="19050">
+            <a:solidFill>
+              <a:schemeClr val="bg1">
+                <a:lumMod val="50000"/>
+              </a:schemeClr>
+            </a:solidFill>
+            <a:headEnd type="none" w="med" len="med"/>
+            <a:tailEnd type="none" w="med" len="med"/>
+          </a:ln>
+        </p:spPr>
+        <p:style>
+          <a:lnRef idx="1">
+            <a:schemeClr val="accent1"/>
+          </a:lnRef>
+          <a:fillRef idx="0">
+            <a:schemeClr val="accent1"/>
+          </a:fillRef>
+          <a:effectRef idx="0">
+            <a:schemeClr val="accent1"/>
+          </a:effectRef>
+          <a:fontRef idx="minor">
+            <a:schemeClr val="tx1"/>
+          </a:fontRef>
+        </p:style>
+      </p:cxnSp>
+      <p:sp>
+        <p:nvSpPr>
+          <p:cNvPr id="31" name="正方形/長方形 30">
+            <a:extLst>
+              <a:ext uri="{FF2B5EF4-FFF2-40B4-BE49-F238E27FC236}">
+                <a16:creationId xmlns:a16="http://schemas.microsoft.com/office/drawing/2014/main" id="{C3262FE4-7D71-4FBE-B181-8A212EE0DA55}"/>
+              </a:ext>
+            </a:extLst>
+          </p:cNvPr>
+          <p:cNvSpPr/>
+          <p:nvPr/>
+        </p:nvSpPr>
+        <p:spPr>
+          <a:xfrm>
+            <a:off x="1904999" y="2199851"/>
+            <a:ext cx="3240001" cy="495128"/>
+          </a:xfrm>
+          <a:prstGeom prst="rect">
+            <a:avLst/>
+          </a:prstGeom>
+          <a:solidFill>
+            <a:schemeClr val="accent1"/>
+          </a:solidFill>
+        </p:spPr>
+        <p:style>
+          <a:lnRef idx="2">
+            <a:schemeClr val="accent1">
+              <a:shade val="50000"/>
+            </a:schemeClr>
+          </a:lnRef>
+          <a:fillRef idx="1">
+            <a:schemeClr val="accent1"/>
+          </a:fillRef>
+          <a:effectRef idx="0">
+            <a:schemeClr val="accent1"/>
+          </a:effectRef>
+          <a:fontRef idx="minor">
+            <a:schemeClr val="lt1"/>
+          </a:fontRef>
+        </p:style>
+        <p:txBody>
+          <a:bodyPr rtlCol="0" anchor="ctr"/>
+          <a:lstStyle/>
+          <a:p>
+            <a:pPr algn="ctr"/>
+            <a:r>
+              <a:rPr kumimoji="1" lang="en-US" altLang="ja-JP" dirty="0"/>
+              <a:t>(1) </a:t>
+            </a:r>
+            <a:r>
+              <a:rPr kumimoji="1" lang="ja-JP" altLang="en-US" dirty="0"/>
+              <a:t>最終水質と供給量を考慮</a:t>
+            </a:r>
+            <a:endParaRPr kumimoji="1" lang="en-US" altLang="ja-JP" b="1" dirty="0">
+              <a:solidFill>
+                <a:schemeClr val="bg1"/>
+              </a:solidFill>
+            </a:endParaRPr>
+          </a:p>
+        </p:txBody>
+      </p:sp>
+      <p:sp>
+        <p:nvSpPr>
+          <p:cNvPr id="32" name="正方形/長方形 31">
+            <a:extLst>
+              <a:ext uri="{FF2B5EF4-FFF2-40B4-BE49-F238E27FC236}">
+                <a16:creationId xmlns:a16="http://schemas.microsoft.com/office/drawing/2014/main" id="{568F60F7-72CC-41E9-AB1C-2852E86D7759}"/>
+              </a:ext>
+            </a:extLst>
+          </p:cNvPr>
+          <p:cNvSpPr/>
+          <p:nvPr/>
+        </p:nvSpPr>
+        <p:spPr>
+          <a:xfrm>
+            <a:off x="5273309" y="2199851"/>
+            <a:ext cx="3240001" cy="495128"/>
+          </a:xfrm>
+          <a:prstGeom prst="rect">
+            <a:avLst/>
+          </a:prstGeom>
+          <a:solidFill>
+            <a:schemeClr val="accent1"/>
+          </a:solidFill>
+        </p:spPr>
+        <p:style>
+          <a:lnRef idx="2">
+            <a:schemeClr val="accent1">
+              <a:shade val="50000"/>
+            </a:schemeClr>
+          </a:lnRef>
+          <a:fillRef idx="1">
+            <a:schemeClr val="accent1"/>
+          </a:fillRef>
+          <a:effectRef idx="0">
+            <a:schemeClr val="accent1"/>
+          </a:effectRef>
+          <a:fontRef idx="minor">
+            <a:schemeClr val="lt1"/>
+          </a:fontRef>
+        </p:style>
+        <p:txBody>
+          <a:bodyPr rtlCol="0" anchor="ctr"/>
+          <a:lstStyle/>
+          <a:p>
+            <a:pPr algn="ctr"/>
+            <a:r>
+              <a:rPr kumimoji="1" lang="en-US" altLang="ja-JP" dirty="0"/>
+              <a:t>(2) RO</a:t>
+            </a:r>
+            <a:r>
+              <a:rPr kumimoji="1" lang="ja-JP" altLang="en-US" dirty="0"/>
+              <a:t>膜閉塞状態も考慮</a:t>
+            </a:r>
+          </a:p>
+        </p:txBody>
+      </p:sp>
+      <p:sp>
+        <p:nvSpPr>
+          <p:cNvPr id="33" name="正方形/長方形 32">
+            <a:extLst>
+              <a:ext uri="{FF2B5EF4-FFF2-40B4-BE49-F238E27FC236}">
+                <a16:creationId xmlns:a16="http://schemas.microsoft.com/office/drawing/2014/main" id="{64B6C56C-D833-43B1-BB21-EA47F44198E2}"/>
+              </a:ext>
+            </a:extLst>
+          </p:cNvPr>
+          <p:cNvSpPr/>
+          <p:nvPr/>
+        </p:nvSpPr>
+        <p:spPr>
+          <a:xfrm>
+            <a:off x="8671397" y="2199851"/>
+            <a:ext cx="3240001" cy="495128"/>
+          </a:xfrm>
+          <a:prstGeom prst="rect">
+            <a:avLst/>
+          </a:prstGeom>
+          <a:solidFill>
+            <a:schemeClr val="accent1"/>
+          </a:solidFill>
+        </p:spPr>
+        <p:style>
+          <a:lnRef idx="2">
+            <a:schemeClr val="accent1">
+              <a:shade val="50000"/>
+            </a:schemeClr>
+          </a:lnRef>
+          <a:fillRef idx="1">
+            <a:schemeClr val="accent1"/>
+          </a:fillRef>
+          <a:effectRef idx="0">
+            <a:schemeClr val="accent1"/>
+          </a:effectRef>
+          <a:fontRef idx="minor">
+            <a:schemeClr val="lt1"/>
+          </a:fontRef>
+        </p:style>
+        <p:txBody>
+          <a:bodyPr rtlCol="0" anchor="ctr"/>
+          <a:lstStyle/>
+          <a:p>
+            <a:pPr algn="ctr"/>
+            <a:r>
+              <a:rPr kumimoji="1" lang="en-US" altLang="ja-JP" dirty="0"/>
+              <a:t>(3) RO</a:t>
+            </a:r>
+            <a:r>
+              <a:rPr kumimoji="1" lang="ja-JP" altLang="en-US" dirty="0"/>
+              <a:t>膜劣化も考慮</a:t>
+            </a:r>
+          </a:p>
+        </p:txBody>
+      </p:sp>
+      <p:sp>
+        <p:nvSpPr>
+          <p:cNvPr id="34" name="矢印: 下カーブ 33">
+            <a:extLst>
+              <a:ext uri="{FF2B5EF4-FFF2-40B4-BE49-F238E27FC236}">
+                <a16:creationId xmlns:a16="http://schemas.microsoft.com/office/drawing/2014/main" id="{1F5CBCC8-5621-4E9F-87CF-004B0253ED80}"/>
+              </a:ext>
+            </a:extLst>
+          </p:cNvPr>
+          <p:cNvSpPr/>
+          <p:nvPr/>
+        </p:nvSpPr>
+        <p:spPr>
+          <a:xfrm rot="10800000" flipH="1">
+            <a:off x="4199288" y="5348543"/>
+            <a:ext cx="1789075" cy="450310"/>
+          </a:xfrm>
+          <a:prstGeom prst="curvedDownArrow">
+            <a:avLst/>
+          </a:prstGeom>
+          <a:solidFill>
+            <a:schemeClr val="bg1"/>
+          </a:solidFill>
+        </p:spPr>
+        <p:style>
+          <a:lnRef idx="2">
+            <a:schemeClr val="accent1">
+              <a:shade val="50000"/>
+            </a:schemeClr>
+          </a:lnRef>
+          <a:fillRef idx="1">
+            <a:schemeClr val="accent1"/>
+          </a:fillRef>
+          <a:effectRef idx="0">
+            <a:schemeClr val="accent1"/>
+          </a:effectRef>
+          <a:fontRef idx="minor">
+            <a:schemeClr val="lt1"/>
+          </a:fontRef>
+        </p:style>
+        <p:txBody>
+          <a:bodyPr rtlCol="0" anchor="ctr"/>
+          <a:lstStyle/>
+          <a:p>
+            <a:pPr algn="ctr"/>
+            <a:endParaRPr kumimoji="1" lang="ja-JP" altLang="en-US">
+              <a:solidFill>
+                <a:schemeClr val="tx1"/>
+              </a:solidFill>
+            </a:endParaRPr>
+          </a:p>
+        </p:txBody>
+      </p:sp>
+      <p:sp>
+        <p:nvSpPr>
+          <p:cNvPr id="35" name="正方形/長方形 34">
+            <a:extLst>
+              <a:ext uri="{FF2B5EF4-FFF2-40B4-BE49-F238E27FC236}">
+                <a16:creationId xmlns:a16="http://schemas.microsoft.com/office/drawing/2014/main" id="{8134F67D-D936-4D63-A550-28A94C6FFF03}"/>
+              </a:ext>
+            </a:extLst>
+          </p:cNvPr>
+          <p:cNvSpPr/>
+          <p:nvPr/>
+        </p:nvSpPr>
+        <p:spPr>
+          <a:xfrm>
+            <a:off x="1904999" y="2201635"/>
+            <a:ext cx="3240001" cy="495128"/>
+          </a:xfrm>
+          <a:prstGeom prst="rect">
+            <a:avLst/>
+          </a:prstGeom>
+          <a:solidFill>
+            <a:schemeClr val="accent1"/>
+          </a:solidFill>
+        </p:spPr>
+        <p:style>
+          <a:lnRef idx="2">
+            <a:schemeClr val="accent1">
+              <a:shade val="50000"/>
+            </a:schemeClr>
+          </a:lnRef>
+          <a:fillRef idx="1">
+            <a:schemeClr val="accent1"/>
+          </a:fillRef>
+          <a:effectRef idx="0">
+            <a:schemeClr val="accent1"/>
+          </a:effectRef>
+          <a:fontRef idx="minor">
+            <a:schemeClr val="lt1"/>
+          </a:fontRef>
+        </p:style>
+        <p:txBody>
+          <a:bodyPr rtlCol="0" anchor="ctr"/>
+          <a:lstStyle/>
+          <a:p>
+            <a:pPr algn="ctr"/>
+            <a:r>
+              <a:rPr kumimoji="1" lang="en-US" altLang="ja-JP" dirty="0"/>
+              <a:t>(1) </a:t>
+            </a:r>
+            <a:r>
+              <a:rPr kumimoji="1" lang="ja-JP" altLang="en-US" dirty="0"/>
+              <a:t>最終水質と供給量を考慮</a:t>
+            </a:r>
+            <a:endParaRPr kumimoji="1" lang="en-US" altLang="ja-JP" b="1" dirty="0">
+              <a:solidFill>
+                <a:schemeClr val="bg1"/>
+              </a:solidFill>
+            </a:endParaRPr>
+          </a:p>
+        </p:txBody>
+      </p:sp>
+      <p:sp>
+        <p:nvSpPr>
+          <p:cNvPr id="36" name="正方形/長方形 35">
+            <a:extLst>
+              <a:ext uri="{FF2B5EF4-FFF2-40B4-BE49-F238E27FC236}">
+                <a16:creationId xmlns:a16="http://schemas.microsoft.com/office/drawing/2014/main" id="{CE28CD56-0A17-41B3-B135-0A25450ABEB8}"/>
+              </a:ext>
+            </a:extLst>
+          </p:cNvPr>
+          <p:cNvSpPr/>
+          <p:nvPr/>
+        </p:nvSpPr>
+        <p:spPr>
+          <a:xfrm>
+            <a:off x="5273309" y="2201635"/>
+            <a:ext cx="3240001" cy="495128"/>
+          </a:xfrm>
+          <a:prstGeom prst="rect">
+            <a:avLst/>
+          </a:prstGeom>
+          <a:solidFill>
+            <a:schemeClr val="accent1"/>
+          </a:solidFill>
+        </p:spPr>
+        <p:style>
+          <a:lnRef idx="2">
+            <a:schemeClr val="accent1">
+              <a:shade val="50000"/>
+            </a:schemeClr>
+          </a:lnRef>
+          <a:fillRef idx="1">
+            <a:schemeClr val="accent1"/>
+          </a:fillRef>
+          <a:effectRef idx="0">
+            <a:schemeClr val="accent1"/>
+          </a:effectRef>
+          <a:fontRef idx="minor">
+            <a:schemeClr val="lt1"/>
+          </a:fontRef>
+        </p:style>
+        <p:txBody>
+          <a:bodyPr rtlCol="0" anchor="ctr"/>
+          <a:lstStyle/>
+          <a:p>
+            <a:pPr algn="ctr"/>
+            <a:r>
+              <a:rPr kumimoji="1" lang="en-US" altLang="ja-JP" dirty="0"/>
+              <a:t>(2) RO</a:t>
+            </a:r>
+            <a:r>
+              <a:rPr kumimoji="1" lang="ja-JP" altLang="en-US" dirty="0"/>
+              <a:t>膜閉塞状態も考慮</a:t>
+            </a:r>
+          </a:p>
+        </p:txBody>
+      </p:sp>
+      <p:sp>
+        <p:nvSpPr>
+          <p:cNvPr id="37" name="正方形/長方形 36">
+            <a:extLst>
+              <a:ext uri="{FF2B5EF4-FFF2-40B4-BE49-F238E27FC236}">
+                <a16:creationId xmlns:a16="http://schemas.microsoft.com/office/drawing/2014/main" id="{12ED57AD-DB9E-435B-A412-267333C25EB0}"/>
+              </a:ext>
+            </a:extLst>
+          </p:cNvPr>
+          <p:cNvSpPr/>
+          <p:nvPr/>
+        </p:nvSpPr>
+        <p:spPr>
+          <a:xfrm>
+            <a:off x="8671397" y="2201635"/>
+            <a:ext cx="3240001" cy="495128"/>
+          </a:xfrm>
+          <a:prstGeom prst="rect">
+            <a:avLst/>
+          </a:prstGeom>
+          <a:solidFill>
+            <a:schemeClr val="accent1"/>
+          </a:solidFill>
+        </p:spPr>
+        <p:style>
+          <a:lnRef idx="2">
+            <a:schemeClr val="accent1">
+              <a:shade val="50000"/>
+            </a:schemeClr>
+          </a:lnRef>
+          <a:fillRef idx="1">
+            <a:schemeClr val="accent1"/>
+          </a:fillRef>
+          <a:effectRef idx="0">
+            <a:schemeClr val="accent1"/>
+          </a:effectRef>
+          <a:fontRef idx="minor">
+            <a:schemeClr val="lt1"/>
+          </a:fontRef>
+        </p:style>
+        <p:txBody>
+          <a:bodyPr rtlCol="0" anchor="ctr"/>
+          <a:lstStyle/>
+          <a:p>
+            <a:pPr algn="ctr"/>
+            <a:r>
+              <a:rPr kumimoji="1" lang="en-US" altLang="ja-JP" dirty="0"/>
+              <a:t>(3) RO</a:t>
+            </a:r>
+            <a:r>
+              <a:rPr kumimoji="1" lang="ja-JP" altLang="en-US" dirty="0"/>
+              <a:t>膜劣化も考慮</a:t>
+            </a:r>
+          </a:p>
+        </p:txBody>
+      </p:sp>
     </p:spTree>
     <p:extLst>
       <p:ext uri="{BB962C8B-B14F-4D97-AF65-F5344CB8AC3E}">
@@ -13339,6 +12355,876 @@
           <a:chExt cx="0" cy="0"/>
         </a:xfrm>
       </p:grpSpPr>
+      <p:sp>
+        <p:nvSpPr>
+          <p:cNvPr id="43" name="四角形: 角を丸くする 42">
+            <a:extLst>
+              <a:ext uri="{FF2B5EF4-FFF2-40B4-BE49-F238E27FC236}">
+                <a16:creationId xmlns:a16="http://schemas.microsoft.com/office/drawing/2014/main" id="{6AE69CF4-0677-4273-A2CF-B9D5359C3C93}"/>
+              </a:ext>
+            </a:extLst>
+          </p:cNvPr>
+          <p:cNvSpPr/>
+          <p:nvPr/>
+        </p:nvSpPr>
+        <p:spPr>
+          <a:xfrm>
+            <a:off x="1695449" y="4310103"/>
+            <a:ext cx="10041350" cy="1164416"/>
+          </a:xfrm>
+          <a:prstGeom prst="roundRect">
+            <a:avLst/>
+          </a:prstGeom>
+          <a:solidFill>
+            <a:schemeClr val="accent4">
+              <a:lumMod val="20000"/>
+              <a:lumOff val="80000"/>
+            </a:schemeClr>
+          </a:solidFill>
+          <a:ln>
+            <a:solidFill>
+              <a:schemeClr val="accent4">
+                <a:lumMod val="75000"/>
+              </a:schemeClr>
+            </a:solidFill>
+          </a:ln>
+        </p:spPr>
+        <p:style>
+          <a:lnRef idx="2">
+            <a:schemeClr val="accent1">
+              <a:shade val="50000"/>
+            </a:schemeClr>
+          </a:lnRef>
+          <a:fillRef idx="1">
+            <a:schemeClr val="accent1"/>
+          </a:fillRef>
+          <a:effectRef idx="0">
+            <a:schemeClr val="accent1"/>
+          </a:effectRef>
+          <a:fontRef idx="minor">
+            <a:schemeClr val="lt1"/>
+          </a:fontRef>
+        </p:style>
+        <p:txBody>
+          <a:bodyPr rtlCol="0" anchor="ctr"/>
+          <a:lstStyle/>
+          <a:p>
+            <a:pPr algn="ctr"/>
+            <a:endParaRPr kumimoji="1" lang="ja-JP" altLang="en-US">
+              <a:solidFill>
+                <a:schemeClr val="tx1"/>
+              </a:solidFill>
+            </a:endParaRPr>
+          </a:p>
+        </p:txBody>
+      </p:sp>
+      <p:sp>
+        <p:nvSpPr>
+          <p:cNvPr id="44" name="四角形: 角を丸くする 43">
+            <a:extLst>
+              <a:ext uri="{FF2B5EF4-FFF2-40B4-BE49-F238E27FC236}">
+                <a16:creationId xmlns:a16="http://schemas.microsoft.com/office/drawing/2014/main" id="{A14C9261-80C7-425E-9018-79596BDCE5C5}"/>
+              </a:ext>
+            </a:extLst>
+          </p:cNvPr>
+          <p:cNvSpPr/>
+          <p:nvPr/>
+        </p:nvSpPr>
+        <p:spPr>
+          <a:xfrm>
+            <a:off x="1862838" y="4420241"/>
+            <a:ext cx="6623936" cy="959110"/>
+          </a:xfrm>
+          <a:prstGeom prst="roundRect">
+            <a:avLst/>
+          </a:prstGeom>
+          <a:solidFill>
+            <a:schemeClr val="accent3">
+              <a:lumMod val="20000"/>
+              <a:lumOff val="80000"/>
+            </a:schemeClr>
+          </a:solidFill>
+          <a:ln>
+            <a:solidFill>
+              <a:schemeClr val="accent3">
+                <a:lumMod val="75000"/>
+              </a:schemeClr>
+            </a:solidFill>
+          </a:ln>
+        </p:spPr>
+        <p:style>
+          <a:lnRef idx="2">
+            <a:schemeClr val="accent1">
+              <a:shade val="50000"/>
+            </a:schemeClr>
+          </a:lnRef>
+          <a:fillRef idx="1">
+            <a:schemeClr val="accent1"/>
+          </a:fillRef>
+          <a:effectRef idx="0">
+            <a:schemeClr val="accent1"/>
+          </a:effectRef>
+          <a:fontRef idx="minor">
+            <a:schemeClr val="lt1"/>
+          </a:fontRef>
+        </p:style>
+        <p:txBody>
+          <a:bodyPr rtlCol="0" anchor="ctr"/>
+          <a:lstStyle/>
+          <a:p>
+            <a:pPr algn="ctr"/>
+            <a:endParaRPr kumimoji="1" lang="ja-JP" altLang="en-US">
+              <a:solidFill>
+                <a:schemeClr val="tx1"/>
+              </a:solidFill>
+            </a:endParaRPr>
+          </a:p>
+        </p:txBody>
+      </p:sp>
+      <p:sp>
+        <p:nvSpPr>
+          <p:cNvPr id="45" name="四角形: 角を丸くする 44">
+            <a:extLst>
+              <a:ext uri="{FF2B5EF4-FFF2-40B4-BE49-F238E27FC236}">
+                <a16:creationId xmlns:a16="http://schemas.microsoft.com/office/drawing/2014/main" id="{9F041D57-9BB6-4677-BB01-61E8F3E8C1E6}"/>
+              </a:ext>
+            </a:extLst>
+          </p:cNvPr>
+          <p:cNvSpPr/>
+          <p:nvPr/>
+        </p:nvSpPr>
+        <p:spPr>
+          <a:xfrm>
+            <a:off x="2030177" y="4524966"/>
+            <a:ext cx="2989642" cy="672277"/>
+          </a:xfrm>
+          <a:prstGeom prst="roundRect">
+            <a:avLst/>
+          </a:prstGeom>
+          <a:solidFill>
+            <a:schemeClr val="accent2">
+              <a:lumMod val="20000"/>
+              <a:lumOff val="80000"/>
+            </a:schemeClr>
+          </a:solidFill>
+          <a:ln>
+            <a:solidFill>
+              <a:schemeClr val="accent2"/>
+            </a:solidFill>
+          </a:ln>
+        </p:spPr>
+        <p:style>
+          <a:lnRef idx="2">
+            <a:schemeClr val="accent1">
+              <a:shade val="50000"/>
+            </a:schemeClr>
+          </a:lnRef>
+          <a:fillRef idx="1">
+            <a:schemeClr val="accent1"/>
+          </a:fillRef>
+          <a:effectRef idx="0">
+            <a:schemeClr val="accent1"/>
+          </a:effectRef>
+          <a:fontRef idx="minor">
+            <a:schemeClr val="lt1"/>
+          </a:fontRef>
+        </p:style>
+        <p:txBody>
+          <a:bodyPr rtlCol="0" anchor="ctr"/>
+          <a:lstStyle/>
+          <a:p>
+            <a:pPr algn="ctr"/>
+            <a:endParaRPr kumimoji="1" lang="ja-JP" altLang="en-US">
+              <a:solidFill>
+                <a:schemeClr val="tx1"/>
+              </a:solidFill>
+            </a:endParaRPr>
+          </a:p>
+        </p:txBody>
+      </p:sp>
+      <p:sp>
+        <p:nvSpPr>
+          <p:cNvPr id="5" name="タイトル 4">
+            <a:extLst>
+              <a:ext uri="{FF2B5EF4-FFF2-40B4-BE49-F238E27FC236}">
+                <a16:creationId xmlns:a16="http://schemas.microsoft.com/office/drawing/2014/main" id="{560C5BD5-1532-4087-ACF7-85710DC69FAA}"/>
+              </a:ext>
+            </a:extLst>
+          </p:cNvPr>
+          <p:cNvSpPr>
+            <a:spLocks noGrp="1"/>
+          </p:cNvSpPr>
+          <p:nvPr>
+            <p:ph type="title"/>
+          </p:nvPr>
+        </p:nvSpPr>
+        <p:spPr>
+          <a:xfrm>
+            <a:off x="517055" y="246141"/>
+            <a:ext cx="11400125" cy="518094"/>
+          </a:xfrm>
+        </p:spPr>
+        <p:txBody>
+          <a:bodyPr/>
+          <a:lstStyle/>
+          <a:p>
+            <a:r>
+              <a:rPr lang="ja-JP" altLang="en-US" dirty="0"/>
+              <a:t>懸念点</a:t>
+            </a:r>
+            <a:endParaRPr lang="en-US" dirty="0"/>
+          </a:p>
+        </p:txBody>
+      </p:sp>
+      <p:sp>
+        <p:nvSpPr>
+          <p:cNvPr id="3" name="スライド番号プレースホルダー 2">
+            <a:extLst>
+              <a:ext uri="{FF2B5EF4-FFF2-40B4-BE49-F238E27FC236}">
+                <a16:creationId xmlns:a16="http://schemas.microsoft.com/office/drawing/2014/main" id="{ED23190D-575C-49DE-8293-87C3C1C8D779}"/>
+              </a:ext>
+            </a:extLst>
+          </p:cNvPr>
+          <p:cNvSpPr>
+            <a:spLocks noGrp="1"/>
+          </p:cNvSpPr>
+          <p:nvPr>
+            <p:ph type="sldNum" sz="quarter" idx="10"/>
+          </p:nvPr>
+        </p:nvSpPr>
+        <p:spPr/>
+        <p:txBody>
+          <a:bodyPr/>
+          <a:lstStyle/>
+          <a:p>
+            <a:fld id="{584EAAFE-CFE5-40AD-8E95-5BFF290DC5CF}" type="slidenum">
+              <a:rPr kumimoji="1" lang="ja-JP" altLang="en-US" smtClean="0"/>
+              <a:pPr/>
+              <a:t>12</a:t>
+            </a:fld>
+            <a:endParaRPr kumimoji="1" lang="ja-JP" altLang="en-US"/>
+          </a:p>
+        </p:txBody>
+      </p:sp>
+      <p:sp>
+        <p:nvSpPr>
+          <p:cNvPr id="41" name="テキスト プレースホルダー 5">
+            <a:extLst>
+              <a:ext uri="{FF2B5EF4-FFF2-40B4-BE49-F238E27FC236}">
+                <a16:creationId xmlns:a16="http://schemas.microsoft.com/office/drawing/2014/main" id="{E752E82A-5B36-47E4-82F4-41C207EF657C}"/>
+              </a:ext>
+            </a:extLst>
+          </p:cNvPr>
+          <p:cNvSpPr>
+            <a:spLocks noGrp="1"/>
+          </p:cNvSpPr>
+          <p:nvPr>
+            <p:ph type="body" sz="quarter" idx="11"/>
+          </p:nvPr>
+        </p:nvSpPr>
+        <p:spPr>
+          <a:xfrm>
+            <a:off x="252481" y="1070777"/>
+            <a:ext cx="11658917" cy="600165"/>
+          </a:xfrm>
+        </p:spPr>
+        <p:txBody>
+          <a:bodyPr/>
+          <a:lstStyle/>
+          <a:p>
+            <a:r>
+              <a:rPr lang="ja-JP" altLang="en-US" sz="2800" dirty="0"/>
+              <a:t>改善効果の時間スケールが大きく異なる場合、</a:t>
+            </a:r>
+            <a:r>
+              <a:rPr lang="en-US" altLang="ja-JP" sz="2800" dirty="0"/>
+              <a:t>1</a:t>
+            </a:r>
+            <a:r>
+              <a:rPr lang="ja-JP" altLang="en-US" sz="2800" dirty="0"/>
+              <a:t>つの最適化モデルで両立できるか？</a:t>
+            </a:r>
+            <a:endParaRPr lang="en-US" altLang="ja-JP" sz="2800" dirty="0"/>
+          </a:p>
+          <a:p>
+            <a:pPr lvl="1"/>
+            <a:r>
+              <a:rPr lang="ja-JP" altLang="en-US" sz="2400" dirty="0"/>
+              <a:t>恐らく、数時間単位の運転データからは膜劣化を表現できない</a:t>
+            </a:r>
+            <a:endParaRPr lang="en-US" altLang="ja-JP" dirty="0"/>
+          </a:p>
+          <a:p>
+            <a:r>
+              <a:rPr lang="ja-JP" altLang="en-US" sz="2800" dirty="0"/>
+              <a:t>膜状態モデリング単体でも難易度が高いため、下記の進め方で良いか？</a:t>
+            </a:r>
+            <a:endParaRPr lang="en-US" altLang="ja-JP" sz="2800" dirty="0"/>
+          </a:p>
+          <a:p>
+            <a:pPr lvl="1"/>
+            <a:r>
+              <a:rPr lang="en-US" altLang="ja-JP" sz="2400" dirty="0"/>
+              <a:t>(1)</a:t>
+            </a:r>
+            <a:r>
+              <a:rPr lang="ja-JP" altLang="en-US" sz="2400" dirty="0"/>
+              <a:t>のモデル検討と切り分けて進め、上手く行けば導入する手順が良いかも。</a:t>
+            </a:r>
+            <a:endParaRPr lang="en-US" altLang="ja-JP" sz="2400" dirty="0"/>
+          </a:p>
+        </p:txBody>
+      </p:sp>
+      <p:sp>
+        <p:nvSpPr>
+          <p:cNvPr id="95" name="テキスト ボックス 94">
+            <a:extLst>
+              <a:ext uri="{FF2B5EF4-FFF2-40B4-BE49-F238E27FC236}">
+                <a16:creationId xmlns:a16="http://schemas.microsoft.com/office/drawing/2014/main" id="{8366F85F-43A9-45AB-8A29-94B2A2BDD8DF}"/>
+              </a:ext>
+            </a:extLst>
+          </p:cNvPr>
+          <p:cNvSpPr txBox="1"/>
+          <p:nvPr/>
+        </p:nvSpPr>
+        <p:spPr>
+          <a:xfrm>
+            <a:off x="571984" y="-20412"/>
+            <a:ext cx="4521842" cy="338554"/>
+          </a:xfrm>
+          <a:prstGeom prst="rect">
+            <a:avLst/>
+          </a:prstGeom>
+          <a:noFill/>
+        </p:spPr>
+        <p:txBody>
+          <a:bodyPr wrap="square" rtlCol="0">
+            <a:spAutoFit/>
+          </a:bodyPr>
+          <a:lstStyle/>
+          <a:p>
+            <a:r>
+              <a:rPr lang="en-US" altLang="ja-JP" sz="1600" b="1" dirty="0">
+                <a:solidFill>
+                  <a:schemeClr val="bg1"/>
+                </a:solidFill>
+              </a:rPr>
+              <a:t>1. </a:t>
+            </a:r>
+            <a:r>
+              <a:rPr kumimoji="1" lang="en-US" altLang="ja-JP" sz="1600" b="1" dirty="0">
+                <a:solidFill>
+                  <a:schemeClr val="bg1"/>
+                </a:solidFill>
+              </a:rPr>
+              <a:t>FS</a:t>
+            </a:r>
+            <a:r>
+              <a:rPr kumimoji="1" lang="ja-JP" altLang="en-US" sz="1600" b="1" dirty="0">
+                <a:solidFill>
+                  <a:schemeClr val="bg1"/>
+                </a:solidFill>
+              </a:rPr>
+              <a:t>の方針</a:t>
+            </a:r>
+          </a:p>
+        </p:txBody>
+      </p:sp>
+      <p:sp>
+        <p:nvSpPr>
+          <p:cNvPr id="35" name="正方形/長方形 34">
+            <a:extLst>
+              <a:ext uri="{FF2B5EF4-FFF2-40B4-BE49-F238E27FC236}">
+                <a16:creationId xmlns:a16="http://schemas.microsoft.com/office/drawing/2014/main" id="{A7C88B06-602B-4421-ACB6-53196B7B195A}"/>
+              </a:ext>
+            </a:extLst>
+          </p:cNvPr>
+          <p:cNvSpPr/>
+          <p:nvPr/>
+        </p:nvSpPr>
+        <p:spPr>
+          <a:xfrm>
+            <a:off x="2186155" y="4613541"/>
+            <a:ext cx="2677686" cy="495128"/>
+          </a:xfrm>
+          <a:prstGeom prst="rect">
+            <a:avLst/>
+          </a:prstGeom>
+          <a:solidFill>
+            <a:schemeClr val="accent1"/>
+          </a:solidFill>
+        </p:spPr>
+        <p:style>
+          <a:lnRef idx="2">
+            <a:schemeClr val="accent1">
+              <a:shade val="50000"/>
+            </a:schemeClr>
+          </a:lnRef>
+          <a:fillRef idx="1">
+            <a:schemeClr val="accent1"/>
+          </a:fillRef>
+          <a:effectRef idx="0">
+            <a:schemeClr val="accent1"/>
+          </a:effectRef>
+          <a:fontRef idx="minor">
+            <a:schemeClr val="lt1"/>
+          </a:fontRef>
+        </p:style>
+        <p:txBody>
+          <a:bodyPr rtlCol="0" anchor="ctr"/>
+          <a:lstStyle/>
+          <a:p>
+            <a:pPr algn="ctr"/>
+            <a:r>
+              <a:rPr kumimoji="1" lang="ja-JP" altLang="en-US" dirty="0"/>
+              <a:t>水質予測モデル</a:t>
+            </a:r>
+            <a:endParaRPr kumimoji="1" lang="en-US" altLang="ja-JP" b="1" dirty="0">
+              <a:solidFill>
+                <a:schemeClr val="bg1"/>
+              </a:solidFill>
+            </a:endParaRPr>
+          </a:p>
+        </p:txBody>
+      </p:sp>
+      <p:sp>
+        <p:nvSpPr>
+          <p:cNvPr id="36" name="正方形/長方形 35">
+            <a:extLst>
+              <a:ext uri="{FF2B5EF4-FFF2-40B4-BE49-F238E27FC236}">
+                <a16:creationId xmlns:a16="http://schemas.microsoft.com/office/drawing/2014/main" id="{BDC541C3-0CFA-45D8-BE74-3406E7057730}"/>
+              </a:ext>
+            </a:extLst>
+          </p:cNvPr>
+          <p:cNvSpPr/>
+          <p:nvPr/>
+        </p:nvSpPr>
+        <p:spPr>
+          <a:xfrm>
+            <a:off x="5494818" y="4613541"/>
+            <a:ext cx="2677686" cy="495128"/>
+          </a:xfrm>
+          <a:prstGeom prst="rect">
+            <a:avLst/>
+          </a:prstGeom>
+          <a:solidFill>
+            <a:schemeClr val="accent1"/>
+          </a:solidFill>
+        </p:spPr>
+        <p:style>
+          <a:lnRef idx="2">
+            <a:schemeClr val="accent1">
+              <a:shade val="50000"/>
+            </a:schemeClr>
+          </a:lnRef>
+          <a:fillRef idx="1">
+            <a:schemeClr val="accent1"/>
+          </a:fillRef>
+          <a:effectRef idx="0">
+            <a:schemeClr val="accent1"/>
+          </a:effectRef>
+          <a:fontRef idx="minor">
+            <a:schemeClr val="lt1"/>
+          </a:fontRef>
+        </p:style>
+        <p:txBody>
+          <a:bodyPr rtlCol="0" anchor="ctr"/>
+          <a:lstStyle/>
+          <a:p>
+            <a:pPr algn="ctr"/>
+            <a:r>
+              <a:rPr kumimoji="1" lang="ja-JP" altLang="en-US" dirty="0"/>
+              <a:t>膜閉塞度予測モデル</a:t>
+            </a:r>
+          </a:p>
+        </p:txBody>
+      </p:sp>
+      <p:sp>
+        <p:nvSpPr>
+          <p:cNvPr id="37" name="正方形/長方形 36">
+            <a:extLst>
+              <a:ext uri="{FF2B5EF4-FFF2-40B4-BE49-F238E27FC236}">
+                <a16:creationId xmlns:a16="http://schemas.microsoft.com/office/drawing/2014/main" id="{2A1A8EA2-8013-4235-A450-6BFA5642F6BF}"/>
+              </a:ext>
+            </a:extLst>
+          </p:cNvPr>
+          <p:cNvSpPr/>
+          <p:nvPr/>
+        </p:nvSpPr>
+        <p:spPr>
+          <a:xfrm>
+            <a:off x="8766880" y="4613541"/>
+            <a:ext cx="2677686" cy="495128"/>
+          </a:xfrm>
+          <a:prstGeom prst="rect">
+            <a:avLst/>
+          </a:prstGeom>
+          <a:solidFill>
+            <a:schemeClr val="accent1"/>
+          </a:solidFill>
+        </p:spPr>
+        <p:style>
+          <a:lnRef idx="2">
+            <a:schemeClr val="accent1">
+              <a:shade val="50000"/>
+            </a:schemeClr>
+          </a:lnRef>
+          <a:fillRef idx="1">
+            <a:schemeClr val="accent1"/>
+          </a:fillRef>
+          <a:effectRef idx="0">
+            <a:schemeClr val="accent1"/>
+          </a:effectRef>
+          <a:fontRef idx="minor">
+            <a:schemeClr val="lt1"/>
+          </a:fontRef>
+        </p:style>
+        <p:txBody>
+          <a:bodyPr rtlCol="0" anchor="ctr"/>
+          <a:lstStyle/>
+          <a:p>
+            <a:pPr algn="ctr"/>
+            <a:r>
+              <a:rPr kumimoji="1" lang="ja-JP" altLang="en-US" dirty="0"/>
+              <a:t>膜劣化予測モデル</a:t>
+            </a:r>
+          </a:p>
+        </p:txBody>
+      </p:sp>
+      <p:sp>
+        <p:nvSpPr>
+          <p:cNvPr id="38" name="右中かっこ 37">
+            <a:extLst>
+              <a:ext uri="{FF2B5EF4-FFF2-40B4-BE49-F238E27FC236}">
+                <a16:creationId xmlns:a16="http://schemas.microsoft.com/office/drawing/2014/main" id="{45916D00-C36E-4469-B951-24CF62CEC108}"/>
+              </a:ext>
+            </a:extLst>
+          </p:cNvPr>
+          <p:cNvSpPr/>
+          <p:nvPr/>
+        </p:nvSpPr>
+        <p:spPr>
+          <a:xfrm rot="16200000">
+            <a:off x="8256483" y="1225536"/>
+            <a:ext cx="337872" cy="5861201"/>
+          </a:xfrm>
+          <a:prstGeom prst="rightBrace">
+            <a:avLst/>
+          </a:prstGeom>
+          <a:ln>
+            <a:solidFill>
+              <a:schemeClr val="tx1"/>
+            </a:solidFill>
+            <a:headEnd type="none" w="med" len="med"/>
+            <a:tailEnd type="none" w="med" len="med"/>
+          </a:ln>
+        </p:spPr>
+        <p:style>
+          <a:lnRef idx="1">
+            <a:schemeClr val="accent1"/>
+          </a:lnRef>
+          <a:fillRef idx="0">
+            <a:schemeClr val="accent1"/>
+          </a:fillRef>
+          <a:effectRef idx="0">
+            <a:schemeClr val="accent1"/>
+          </a:effectRef>
+          <a:fontRef idx="minor">
+            <a:schemeClr val="tx1"/>
+          </a:fontRef>
+        </p:style>
+        <p:txBody>
+          <a:bodyPr rtlCol="0" anchor="ctr"/>
+          <a:lstStyle/>
+          <a:p>
+            <a:pPr algn="ctr"/>
+            <a:endParaRPr kumimoji="1" lang="ja-JP" altLang="en-US"/>
+          </a:p>
+        </p:txBody>
+      </p:sp>
+      <p:sp>
+        <p:nvSpPr>
+          <p:cNvPr id="39" name="テキスト ボックス 38">
+            <a:extLst>
+              <a:ext uri="{FF2B5EF4-FFF2-40B4-BE49-F238E27FC236}">
+                <a16:creationId xmlns:a16="http://schemas.microsoft.com/office/drawing/2014/main" id="{C56B3DA1-1EF4-4BC6-A289-917E997BECBB}"/>
+              </a:ext>
+            </a:extLst>
+          </p:cNvPr>
+          <p:cNvSpPr txBox="1"/>
+          <p:nvPr/>
+        </p:nvSpPr>
+        <p:spPr>
+          <a:xfrm>
+            <a:off x="7700519" y="3654522"/>
+            <a:ext cx="1449799" cy="369332"/>
+          </a:xfrm>
+          <a:prstGeom prst="rect">
+            <a:avLst/>
+          </a:prstGeom>
+          <a:noFill/>
+        </p:spPr>
+        <p:txBody>
+          <a:bodyPr wrap="square" rtlCol="0">
+            <a:spAutoFit/>
+          </a:bodyPr>
+          <a:lstStyle/>
+          <a:p>
+            <a:pPr algn="ctr"/>
+            <a:r>
+              <a:rPr kumimoji="1" lang="ja-JP" altLang="en-US" dirty="0"/>
+              <a:t>膜状態監視</a:t>
+            </a:r>
+          </a:p>
+        </p:txBody>
+      </p:sp>
+      <p:sp>
+        <p:nvSpPr>
+          <p:cNvPr id="40" name="テキスト ボックス 39">
+            <a:extLst>
+              <a:ext uri="{FF2B5EF4-FFF2-40B4-BE49-F238E27FC236}">
+                <a16:creationId xmlns:a16="http://schemas.microsoft.com/office/drawing/2014/main" id="{1F5324E3-D7B9-40B1-B16C-F41D89789E9C}"/>
+              </a:ext>
+            </a:extLst>
+          </p:cNvPr>
+          <p:cNvSpPr txBox="1"/>
+          <p:nvPr/>
+        </p:nvSpPr>
+        <p:spPr>
+          <a:xfrm>
+            <a:off x="5256735" y="5648802"/>
+            <a:ext cx="2925293" cy="646331"/>
+          </a:xfrm>
+          <a:prstGeom prst="rect">
+            <a:avLst/>
+          </a:prstGeom>
+          <a:noFill/>
+        </p:spPr>
+        <p:txBody>
+          <a:bodyPr wrap="square" rtlCol="0">
+            <a:spAutoFit/>
+          </a:bodyPr>
+          <a:lstStyle/>
+          <a:p>
+            <a:pPr algn="ctr"/>
+            <a:r>
+              <a:rPr kumimoji="1" lang="ja-JP" altLang="en-US" b="1" dirty="0"/>
+              <a:t>②モデリングが上手く行けば、最適化に導入</a:t>
+            </a:r>
+            <a:endParaRPr kumimoji="1" lang="ja-JP" altLang="en-US" dirty="0"/>
+          </a:p>
+        </p:txBody>
+      </p:sp>
+      <p:sp>
+        <p:nvSpPr>
+          <p:cNvPr id="46" name="矢印: 下カーブ 45">
+            <a:extLst>
+              <a:ext uri="{FF2B5EF4-FFF2-40B4-BE49-F238E27FC236}">
+                <a16:creationId xmlns:a16="http://schemas.microsoft.com/office/drawing/2014/main" id="{85D85F19-AA83-4262-A78D-7043A00BF82B}"/>
+              </a:ext>
+            </a:extLst>
+          </p:cNvPr>
+          <p:cNvSpPr/>
+          <p:nvPr/>
+        </p:nvSpPr>
+        <p:spPr>
+          <a:xfrm rot="10800000" flipH="1">
+            <a:off x="4306925" y="5182721"/>
+            <a:ext cx="1789075" cy="450310"/>
+          </a:xfrm>
+          <a:prstGeom prst="curvedDownArrow">
+            <a:avLst/>
+          </a:prstGeom>
+          <a:solidFill>
+            <a:schemeClr val="bg1"/>
+          </a:solidFill>
+        </p:spPr>
+        <p:style>
+          <a:lnRef idx="2">
+            <a:schemeClr val="accent1">
+              <a:shade val="50000"/>
+            </a:schemeClr>
+          </a:lnRef>
+          <a:fillRef idx="1">
+            <a:schemeClr val="accent1"/>
+          </a:fillRef>
+          <a:effectRef idx="0">
+            <a:schemeClr val="accent1"/>
+          </a:effectRef>
+          <a:fontRef idx="minor">
+            <a:schemeClr val="lt1"/>
+          </a:fontRef>
+        </p:style>
+        <p:txBody>
+          <a:bodyPr rtlCol="0" anchor="ctr"/>
+          <a:lstStyle/>
+          <a:p>
+            <a:pPr algn="ctr"/>
+            <a:endParaRPr kumimoji="1" lang="ja-JP" altLang="en-US">
+              <a:solidFill>
+                <a:schemeClr val="tx1"/>
+              </a:solidFill>
+            </a:endParaRPr>
+          </a:p>
+        </p:txBody>
+      </p:sp>
+      <p:sp>
+        <p:nvSpPr>
+          <p:cNvPr id="47" name="矢印: 下カーブ 46">
+            <a:extLst>
+              <a:ext uri="{FF2B5EF4-FFF2-40B4-BE49-F238E27FC236}">
+                <a16:creationId xmlns:a16="http://schemas.microsoft.com/office/drawing/2014/main" id="{B0BEF487-5296-4A69-A829-40EDEE568A06}"/>
+              </a:ext>
+            </a:extLst>
+          </p:cNvPr>
+          <p:cNvSpPr/>
+          <p:nvPr/>
+        </p:nvSpPr>
+        <p:spPr>
+          <a:xfrm rot="10800000" flipH="1">
+            <a:off x="7732290" y="5213337"/>
+            <a:ext cx="1789075" cy="450310"/>
+          </a:xfrm>
+          <a:prstGeom prst="curvedDownArrow">
+            <a:avLst/>
+          </a:prstGeom>
+          <a:solidFill>
+            <a:schemeClr val="bg1"/>
+          </a:solidFill>
+        </p:spPr>
+        <p:style>
+          <a:lnRef idx="2">
+            <a:schemeClr val="accent1">
+              <a:shade val="50000"/>
+            </a:schemeClr>
+          </a:lnRef>
+          <a:fillRef idx="1">
+            <a:schemeClr val="accent1"/>
+          </a:fillRef>
+          <a:effectRef idx="0">
+            <a:schemeClr val="accent1"/>
+          </a:effectRef>
+          <a:fontRef idx="minor">
+            <a:schemeClr val="lt1"/>
+          </a:fontRef>
+        </p:style>
+        <p:txBody>
+          <a:bodyPr rtlCol="0" anchor="ctr"/>
+          <a:lstStyle/>
+          <a:p>
+            <a:pPr algn="ctr"/>
+            <a:endParaRPr kumimoji="1" lang="ja-JP" altLang="en-US">
+              <a:solidFill>
+                <a:schemeClr val="tx1"/>
+              </a:solidFill>
+            </a:endParaRPr>
+          </a:p>
+        </p:txBody>
+      </p:sp>
+      <p:sp>
+        <p:nvSpPr>
+          <p:cNvPr id="48" name="テキスト ボックス 47">
+            <a:extLst>
+              <a:ext uri="{FF2B5EF4-FFF2-40B4-BE49-F238E27FC236}">
+                <a16:creationId xmlns:a16="http://schemas.microsoft.com/office/drawing/2014/main" id="{5C59787F-25E6-45E6-8AE8-D725336F0857}"/>
+              </a:ext>
+            </a:extLst>
+          </p:cNvPr>
+          <p:cNvSpPr txBox="1"/>
+          <p:nvPr/>
+        </p:nvSpPr>
+        <p:spPr>
+          <a:xfrm>
+            <a:off x="1934609" y="5494662"/>
+            <a:ext cx="1796591" cy="369332"/>
+          </a:xfrm>
+          <a:prstGeom prst="rect">
+            <a:avLst/>
+          </a:prstGeom>
+          <a:noFill/>
+        </p:spPr>
+        <p:txBody>
+          <a:bodyPr wrap="square" rtlCol="0">
+            <a:spAutoFit/>
+          </a:bodyPr>
+          <a:lstStyle/>
+          <a:p>
+            <a:pPr algn="ctr"/>
+            <a:r>
+              <a:rPr kumimoji="1" lang="ja-JP" altLang="en-US" b="1" dirty="0"/>
+              <a:t>①最優先に検討</a:t>
+            </a:r>
+            <a:endParaRPr kumimoji="1" lang="ja-JP" altLang="en-US" dirty="0"/>
+          </a:p>
+        </p:txBody>
+      </p:sp>
+      <p:sp>
+        <p:nvSpPr>
+          <p:cNvPr id="49" name="テキスト ボックス 48">
+            <a:extLst>
+              <a:ext uri="{FF2B5EF4-FFF2-40B4-BE49-F238E27FC236}">
+                <a16:creationId xmlns:a16="http://schemas.microsoft.com/office/drawing/2014/main" id="{F29A52CF-1AEF-4EB0-A3C8-E55B624231B0}"/>
+              </a:ext>
+            </a:extLst>
+          </p:cNvPr>
+          <p:cNvSpPr txBox="1"/>
+          <p:nvPr/>
+        </p:nvSpPr>
+        <p:spPr>
+          <a:xfrm>
+            <a:off x="9150318" y="5644068"/>
+            <a:ext cx="2902605" cy="646331"/>
+          </a:xfrm>
+          <a:prstGeom prst="rect">
+            <a:avLst/>
+          </a:prstGeom>
+          <a:noFill/>
+        </p:spPr>
+        <p:txBody>
+          <a:bodyPr wrap="square" rtlCol="0">
+            <a:spAutoFit/>
+          </a:bodyPr>
+          <a:lstStyle/>
+          <a:p>
+            <a:pPr algn="ctr"/>
+            <a:r>
+              <a:rPr kumimoji="1" lang="ja-JP" altLang="en-US" b="1" dirty="0"/>
+              <a:t>③モデリングが上手く行けば、最適化に導入</a:t>
+            </a:r>
+            <a:endParaRPr kumimoji="1" lang="ja-JP" altLang="en-US" dirty="0"/>
+          </a:p>
+        </p:txBody>
+      </p:sp>
+    </p:spTree>
+    <p:extLst>
+      <p:ext uri="{BB962C8B-B14F-4D97-AF65-F5344CB8AC3E}">
+        <p14:creationId xmlns:p14="http://schemas.microsoft.com/office/powerpoint/2010/main" val="3921070998"/>
+      </p:ext>
+    </p:extLst>
+  </p:cSld>
+  <p:clrMapOvr>
+    <a:masterClrMapping/>
+  </p:clrMapOvr>
+</p:sld>
+</file>
+
+<file path=ppt/slides/slide13.xml><?xml version="1.0" encoding="utf-8"?>
+<p:sld xmlns:a="http://schemas.openxmlformats.org/drawingml/2006/main" xmlns:r="http://schemas.openxmlformats.org/officeDocument/2006/relationships" xmlns:p="http://schemas.openxmlformats.org/presentationml/2006/main">
+  <p:cSld>
+    <p:spTree>
+      <p:nvGrpSpPr>
+        <p:cNvPr id="1" name=""/>
+        <p:cNvGrpSpPr/>
+        <p:nvPr/>
+      </p:nvGrpSpPr>
+      <p:grpSpPr>
+        <a:xfrm>
+          <a:off x="0" y="0"/>
+          <a:ext cx="0" cy="0"/>
+          <a:chOff x="0" y="0"/>
+          <a:chExt cx="0" cy="0"/>
+        </a:xfrm>
+      </p:grpSpPr>
       <p:cxnSp>
         <p:nvCxnSpPr>
           <p:cNvPr id="36" name="直線コネクタ 35">
@@ -13593,7 +13479,7 @@
             <a:fld id="{584EAAFE-CFE5-40AD-8E95-5BFF290DC5CF}" type="slidenum">
               <a:rPr kumimoji="1" lang="ja-JP" altLang="en-US" smtClean="0"/>
               <a:pPr/>
-              <a:t>12</a:t>
+              <a:t>13</a:t>
             </a:fld>
             <a:endParaRPr kumimoji="1" lang="ja-JP" altLang="en-US"/>
           </a:p>
@@ -15803,7 +15689,7 @@
 </p:sld>
 </file>
 
-<file path=ppt/slides/slide13.xml><?xml version="1.0" encoding="utf-8"?>
+<file path=ppt/slides/slide14.xml><?xml version="1.0" encoding="utf-8"?>
 <p:sld xmlns:a="http://schemas.openxmlformats.org/drawingml/2006/main" xmlns:r="http://schemas.openxmlformats.org/officeDocument/2006/relationships" xmlns:p="http://schemas.openxmlformats.org/presentationml/2006/main">
   <p:cSld>
     <p:spTree>
@@ -15886,7 +15772,7 @@
             <a:fld id="{584EAAFE-CFE5-40AD-8E95-5BFF290DC5CF}" type="slidenum">
               <a:rPr kumimoji="1" lang="ja-JP" altLang="en-US" smtClean="0"/>
               <a:pPr/>
-              <a:t>13</a:t>
+              <a:t>14</a:t>
             </a:fld>
             <a:endParaRPr kumimoji="1" lang="ja-JP" altLang="en-US"/>
           </a:p>
@@ -18044,250 +17930,6 @@
 </p:sld>
 </file>
 
-<file path=ppt/slides/slide14.xml><?xml version="1.0" encoding="utf-8"?>
-<p:sld xmlns:a="http://schemas.openxmlformats.org/drawingml/2006/main" xmlns:r="http://schemas.openxmlformats.org/officeDocument/2006/relationships" xmlns:p="http://schemas.openxmlformats.org/presentationml/2006/main">
-  <p:cSld>
-    <p:spTree>
-      <p:nvGrpSpPr>
-        <p:cNvPr id="1" name=""/>
-        <p:cNvGrpSpPr/>
-        <p:nvPr/>
-      </p:nvGrpSpPr>
-      <p:grpSpPr>
-        <a:xfrm>
-          <a:off x="0" y="0"/>
-          <a:ext cx="0" cy="0"/>
-          <a:chOff x="0" y="0"/>
-          <a:chExt cx="0" cy="0"/>
-        </a:xfrm>
-      </p:grpSpPr>
-      <p:sp>
-        <p:nvSpPr>
-          <p:cNvPr id="5" name="タイトル 4">
-            <a:extLst>
-              <a:ext uri="{FF2B5EF4-FFF2-40B4-BE49-F238E27FC236}">
-                <a16:creationId xmlns:a16="http://schemas.microsoft.com/office/drawing/2014/main" id="{560C5BD5-1532-4087-ACF7-85710DC69FAA}"/>
-              </a:ext>
-            </a:extLst>
-          </p:cNvPr>
-          <p:cNvSpPr>
-            <a:spLocks noGrp="1"/>
-          </p:cNvSpPr>
-          <p:nvPr>
-            <p:ph type="title"/>
-          </p:nvPr>
-        </p:nvSpPr>
-        <p:spPr>
-          <a:xfrm>
-            <a:off x="517055" y="237258"/>
-            <a:ext cx="11400125" cy="518094"/>
-          </a:xfrm>
-        </p:spPr>
-        <p:txBody>
-          <a:bodyPr/>
-          <a:lstStyle/>
-          <a:p>
-            <a:r>
-              <a:rPr lang="ja-JP" altLang="en-US" dirty="0"/>
-              <a:t>まとめ</a:t>
-            </a:r>
-            <a:endParaRPr lang="en-US" dirty="0"/>
-          </a:p>
-        </p:txBody>
-      </p:sp>
-      <p:sp>
-        <p:nvSpPr>
-          <p:cNvPr id="3" name="スライド番号プレースホルダー 2">
-            <a:extLst>
-              <a:ext uri="{FF2B5EF4-FFF2-40B4-BE49-F238E27FC236}">
-                <a16:creationId xmlns:a16="http://schemas.microsoft.com/office/drawing/2014/main" id="{ED23190D-575C-49DE-8293-87C3C1C8D779}"/>
-              </a:ext>
-            </a:extLst>
-          </p:cNvPr>
-          <p:cNvSpPr>
-            <a:spLocks noGrp="1"/>
-          </p:cNvSpPr>
-          <p:nvPr>
-            <p:ph type="sldNum" sz="quarter" idx="10"/>
-          </p:nvPr>
-        </p:nvSpPr>
-        <p:spPr/>
-        <p:txBody>
-          <a:bodyPr/>
-          <a:lstStyle/>
-          <a:p>
-            <a:fld id="{584EAAFE-CFE5-40AD-8E95-5BFF290DC5CF}" type="slidenum">
-              <a:rPr kumimoji="1" lang="ja-JP" altLang="en-US" smtClean="0"/>
-              <a:pPr/>
-              <a:t>14</a:t>
-            </a:fld>
-            <a:endParaRPr kumimoji="1" lang="ja-JP" altLang="en-US"/>
-          </a:p>
-        </p:txBody>
-      </p:sp>
-      <p:sp>
-        <p:nvSpPr>
-          <p:cNvPr id="6" name="テキスト プレースホルダー 5">
-            <a:extLst>
-              <a:ext uri="{FF2B5EF4-FFF2-40B4-BE49-F238E27FC236}">
-                <a16:creationId xmlns:a16="http://schemas.microsoft.com/office/drawing/2014/main" id="{1F609DF4-3152-4D3E-9CA5-170D4BE14906}"/>
-              </a:ext>
-            </a:extLst>
-          </p:cNvPr>
-          <p:cNvSpPr>
-            <a:spLocks noGrp="1"/>
-          </p:cNvSpPr>
-          <p:nvPr>
-            <p:ph type="body" sz="quarter" idx="11"/>
-          </p:nvPr>
-        </p:nvSpPr>
-        <p:spPr>
-          <a:xfrm>
-            <a:off x="517055" y="1071366"/>
-            <a:ext cx="11341887" cy="4681734"/>
-          </a:xfrm>
-        </p:spPr>
-        <p:txBody>
-          <a:bodyPr/>
-          <a:lstStyle/>
-          <a:p>
-            <a:r>
-              <a:rPr lang="ja-JP" altLang="en-US" sz="2800" dirty="0"/>
-              <a:t>操業コストと、関連する操作可能な量・外乱は何か？</a:t>
-            </a:r>
-            <a:endParaRPr lang="en-US" altLang="ja-JP" sz="2800" dirty="0"/>
-          </a:p>
-          <a:p>
-            <a:pPr lvl="1"/>
-            <a:r>
-              <a:rPr lang="ja-JP" altLang="en-US" sz="2400" dirty="0"/>
-              <a:t>操作量：水質調整薬剤など</a:t>
-            </a:r>
-            <a:endParaRPr lang="en-US" altLang="ja-JP" sz="2400" dirty="0"/>
-          </a:p>
-          <a:p>
-            <a:pPr lvl="1"/>
-            <a:r>
-              <a:rPr lang="ja-JP" altLang="en-US" sz="2400" dirty="0"/>
-              <a:t>外乱：流入水質など</a:t>
-            </a:r>
-            <a:endParaRPr lang="en-US" altLang="ja-JP" sz="2400" dirty="0"/>
-          </a:p>
-          <a:p>
-            <a:r>
-              <a:rPr lang="ja-JP" altLang="en-US" sz="2800" dirty="0"/>
-              <a:t>操業上、守るべき制約（監視すべき量）は何か？</a:t>
-            </a:r>
-            <a:endParaRPr lang="en-US" altLang="ja-JP" sz="2800" dirty="0"/>
-          </a:p>
-          <a:p>
-            <a:pPr lvl="1"/>
-            <a:r>
-              <a:rPr lang="ja-JP" altLang="en-US" sz="2400" dirty="0"/>
-              <a:t>監視量：最終水質・供給量など</a:t>
-            </a:r>
-            <a:endParaRPr lang="en-US" altLang="ja-JP" sz="2400" dirty="0"/>
-          </a:p>
-          <a:p>
-            <a:r>
-              <a:rPr lang="ja-JP" altLang="en-US" sz="2800" dirty="0"/>
-              <a:t>操業のタイムスケール（最適化期間・データ間隔）はどのくらいか？</a:t>
-            </a:r>
-            <a:endParaRPr lang="en-US" altLang="ja-JP" sz="2800" dirty="0"/>
-          </a:p>
-          <a:p>
-            <a:r>
-              <a:rPr lang="ja-JP" altLang="en-US" sz="2800" dirty="0"/>
-              <a:t>各変数を関係づける上で、必要な数式モデルは何か？</a:t>
-            </a:r>
-            <a:endParaRPr lang="en-US" altLang="ja-JP" sz="2800" dirty="0"/>
-          </a:p>
-          <a:p>
-            <a:pPr lvl="1"/>
-            <a:r>
-              <a:rPr lang="ja-JP" altLang="en-US" sz="2400" dirty="0"/>
-              <a:t>操作量・コストの関係式</a:t>
-            </a:r>
-            <a:endParaRPr lang="en-US" altLang="ja-JP" sz="2400" dirty="0"/>
-          </a:p>
-          <a:p>
-            <a:pPr lvl="1"/>
-            <a:r>
-              <a:rPr lang="ja-JP" altLang="en-US" sz="2400" dirty="0"/>
-              <a:t>操作量・外乱・品質の関係式（</a:t>
-            </a:r>
-            <a:r>
-              <a:rPr lang="en-US" altLang="ja-JP" sz="2400" dirty="0"/>
-              <a:t>RO</a:t>
-            </a:r>
-            <a:r>
-              <a:rPr lang="ja-JP" altLang="en-US" sz="2400" dirty="0"/>
-              <a:t>膜特性も含む）</a:t>
-            </a:r>
-            <a:endParaRPr lang="en-US" altLang="ja-JP" sz="2400" dirty="0"/>
-          </a:p>
-        </p:txBody>
-      </p:sp>
-      <p:sp>
-        <p:nvSpPr>
-          <p:cNvPr id="7" name="テキスト ボックス 6">
-            <a:extLst>
-              <a:ext uri="{FF2B5EF4-FFF2-40B4-BE49-F238E27FC236}">
-                <a16:creationId xmlns:a16="http://schemas.microsoft.com/office/drawing/2014/main" id="{A7B328BB-CF8C-4D9E-A55E-3B8C6EDCBCF7}"/>
-              </a:ext>
-            </a:extLst>
-          </p:cNvPr>
-          <p:cNvSpPr txBox="1"/>
-          <p:nvPr/>
-        </p:nvSpPr>
-        <p:spPr>
-          <a:xfrm>
-            <a:off x="571984" y="-20412"/>
-            <a:ext cx="4521842" cy="338554"/>
-          </a:xfrm>
-          <a:prstGeom prst="rect">
-            <a:avLst/>
-          </a:prstGeom>
-          <a:noFill/>
-        </p:spPr>
-        <p:txBody>
-          <a:bodyPr wrap="square" rtlCol="0">
-            <a:spAutoFit/>
-          </a:bodyPr>
-          <a:lstStyle/>
-          <a:p>
-            <a:r>
-              <a:rPr lang="en-US" altLang="ja-JP" sz="1600" b="1" dirty="0">
-                <a:solidFill>
-                  <a:schemeClr val="bg1"/>
-                </a:solidFill>
-              </a:rPr>
-              <a:t>3. </a:t>
-            </a:r>
-            <a:r>
-              <a:rPr kumimoji="1" lang="ja-JP" altLang="en-US" sz="1600" b="1" dirty="0">
-                <a:solidFill>
-                  <a:schemeClr val="bg1"/>
-                </a:solidFill>
-              </a:rPr>
-              <a:t>まとめ</a:t>
-            </a:r>
-          </a:p>
-        </p:txBody>
-      </p:sp>
-    </p:spTree>
-    <p:extLst>
-      <p:ext uri="{BB962C8B-B14F-4D97-AF65-F5344CB8AC3E}">
-        <p14:creationId xmlns:p14="http://schemas.microsoft.com/office/powerpoint/2010/main" val="716762531"/>
-      </p:ext>
-    </p:extLst>
-  </p:cSld>
-  <p:clrMapOvr>
-    <a:masterClrMapping/>
-  </p:clrMapOvr>
-</p:sld>
-</file>
-
 <file path=ppt/slides/slide15.xml><?xml version="1.0" encoding="utf-8"?>
 <p:sld xmlns:a="http://schemas.openxmlformats.org/drawingml/2006/main" xmlns:r="http://schemas.openxmlformats.org/officeDocument/2006/relationships" xmlns:p="http://schemas.openxmlformats.org/presentationml/2006/main">
   <p:cSld>
@@ -18307,10 +17949,10 @@
       </p:grpSpPr>
       <p:sp>
         <p:nvSpPr>
-          <p:cNvPr id="2" name="スライド番号プレースホルダー 1">
-            <a:extLst>
-              <a:ext uri="{FF2B5EF4-FFF2-40B4-BE49-F238E27FC236}">
-                <a16:creationId xmlns:a16="http://schemas.microsoft.com/office/drawing/2014/main" id="{F2B2B343-CF0D-4CE9-8049-5FF23009C315}"/>
+          <p:cNvPr id="5" name="タイトル 4">
+            <a:extLst>
+              <a:ext uri="{FF2B5EF4-FFF2-40B4-BE49-F238E27FC236}">
+                <a16:creationId xmlns:a16="http://schemas.microsoft.com/office/drawing/2014/main" id="{560C5BD5-1532-4087-ACF7-85710DC69FAA}"/>
               </a:ext>
             </a:extLst>
           </p:cNvPr>
@@ -18318,29 +17960,33 @@
             <a:spLocks noGrp="1"/>
           </p:cNvSpPr>
           <p:nvPr>
-            <p:ph type="sldNum" sz="quarter" idx="11"/>
+            <p:ph type="title"/>
           </p:nvPr>
         </p:nvSpPr>
-        <p:spPr/>
+        <p:spPr>
+          <a:xfrm>
+            <a:off x="517055" y="237258"/>
+            <a:ext cx="11400125" cy="518094"/>
+          </a:xfrm>
+        </p:spPr>
         <p:txBody>
           <a:bodyPr/>
           <a:lstStyle/>
           <a:p>
-            <a:fld id="{B3001740-FA51-4383-A84C-3DA006D12C29}" type="slidenum">
-              <a:rPr lang="ja-JP" altLang="en-US" smtClean="0"/>
-              <a:pPr/>
-              <a:t>15</a:t>
-            </a:fld>
-            <a:endParaRPr lang="ja-JP" altLang="en-US" dirty="0"/>
-          </a:p>
-        </p:txBody>
-      </p:sp>
-      <p:sp>
-        <p:nvSpPr>
-          <p:cNvPr id="3" name="テキスト プレースホルダー 2">
-            <a:extLst>
-              <a:ext uri="{FF2B5EF4-FFF2-40B4-BE49-F238E27FC236}">
-                <a16:creationId xmlns:a16="http://schemas.microsoft.com/office/drawing/2014/main" id="{EC73A151-6AE6-45B0-B969-B764FDC1ADAE}"/>
+            <a:r>
+              <a:rPr lang="ja-JP" altLang="en-US" dirty="0"/>
+              <a:t>まとめ</a:t>
+            </a:r>
+            <a:endParaRPr lang="en-US" dirty="0"/>
+          </a:p>
+        </p:txBody>
+      </p:sp>
+      <p:sp>
+        <p:nvSpPr>
+          <p:cNvPr id="3" name="スライド番号プレースホルダー 2">
+            <a:extLst>
+              <a:ext uri="{FF2B5EF4-FFF2-40B4-BE49-F238E27FC236}">
+                <a16:creationId xmlns:a16="http://schemas.microsoft.com/office/drawing/2014/main" id="{ED23190D-575C-49DE-8293-87C3C1C8D779}"/>
               </a:ext>
             </a:extLst>
           </p:cNvPr>
@@ -18348,7 +17994,7 @@
             <a:spLocks noGrp="1"/>
           </p:cNvSpPr>
           <p:nvPr>
-            <p:ph type="body" sz="quarter" idx="12"/>
+            <p:ph type="sldNum" sz="quarter" idx="10"/>
           </p:nvPr>
         </p:nvSpPr>
         <p:spPr/>
@@ -18356,14 +18002,111 @@
           <a:bodyPr/>
           <a:lstStyle/>
           <a:p>
+            <a:fld id="{584EAAFE-CFE5-40AD-8E95-5BFF290DC5CF}" type="slidenum">
+              <a:rPr kumimoji="1" lang="ja-JP" altLang="en-US" smtClean="0"/>
+              <a:pPr/>
+              <a:t>15</a:t>
+            </a:fld>
             <a:endParaRPr kumimoji="1" lang="ja-JP" altLang="en-US"/>
+          </a:p>
+        </p:txBody>
+      </p:sp>
+      <p:sp>
+        <p:nvSpPr>
+          <p:cNvPr id="6" name="テキスト プレースホルダー 5">
+            <a:extLst>
+              <a:ext uri="{FF2B5EF4-FFF2-40B4-BE49-F238E27FC236}">
+                <a16:creationId xmlns:a16="http://schemas.microsoft.com/office/drawing/2014/main" id="{1F609DF4-3152-4D3E-9CA5-170D4BE14906}"/>
+              </a:ext>
+            </a:extLst>
+          </p:cNvPr>
+          <p:cNvSpPr>
+            <a:spLocks noGrp="1"/>
+          </p:cNvSpPr>
+          <p:nvPr>
+            <p:ph type="body" sz="quarter" idx="11"/>
+          </p:nvPr>
+        </p:nvSpPr>
+        <p:spPr>
+          <a:xfrm>
+            <a:off x="517055" y="1071366"/>
+            <a:ext cx="11341887" cy="1205109"/>
+          </a:xfrm>
+        </p:spPr>
+        <p:txBody>
+          <a:bodyPr/>
+          <a:lstStyle/>
+          <a:p>
+            <a:r>
+              <a:rPr lang="en-US" altLang="ja-JP" sz="2800" dirty="0"/>
+              <a:t>FS</a:t>
+            </a:r>
+            <a:r>
+              <a:rPr lang="ja-JP" altLang="en-US" sz="2800" dirty="0"/>
+              <a:t>の方針と進め方を整理したが、これで良いか？</a:t>
+            </a:r>
+            <a:endParaRPr lang="en-US" altLang="ja-JP" sz="2800" dirty="0"/>
+          </a:p>
+          <a:p>
+            <a:r>
+              <a:rPr lang="ja-JP" altLang="en-US" sz="2800" dirty="0"/>
+              <a:t>優先度の高い操作量・外乱・水質の認識は、これで正しいか？</a:t>
+            </a:r>
+            <a:endParaRPr lang="en-US" altLang="ja-JP" sz="2800" dirty="0"/>
+          </a:p>
+        </p:txBody>
+      </p:sp>
+      <p:sp>
+        <p:nvSpPr>
+          <p:cNvPr id="7" name="テキスト ボックス 6">
+            <a:extLst>
+              <a:ext uri="{FF2B5EF4-FFF2-40B4-BE49-F238E27FC236}">
+                <a16:creationId xmlns:a16="http://schemas.microsoft.com/office/drawing/2014/main" id="{A7B328BB-CF8C-4D9E-A55E-3B8C6EDCBCF7}"/>
+              </a:ext>
+            </a:extLst>
+          </p:cNvPr>
+          <p:cNvSpPr txBox="1"/>
+          <p:nvPr/>
+        </p:nvSpPr>
+        <p:spPr>
+          <a:xfrm>
+            <a:off x="571984" y="-20412"/>
+            <a:ext cx="4521842" cy="338554"/>
+          </a:xfrm>
+          <a:prstGeom prst="rect">
+            <a:avLst/>
+          </a:prstGeom>
+          <a:noFill/>
+        </p:spPr>
+        <p:txBody>
+          <a:bodyPr wrap="square" rtlCol="0">
+            <a:spAutoFit/>
+          </a:bodyPr>
+          <a:lstStyle/>
+          <a:p>
+            <a:r>
+              <a:rPr lang="en-US" altLang="ja-JP" sz="1600" b="1" dirty="0">
+                <a:solidFill>
+                  <a:schemeClr val="bg1"/>
+                </a:solidFill>
+              </a:rPr>
+              <a:t>3. </a:t>
+            </a:r>
+            <a:r>
+              <a:rPr kumimoji="1" lang="ja-JP" altLang="en-US" sz="1600" b="1" dirty="0">
+                <a:solidFill>
+                  <a:schemeClr val="bg1"/>
+                </a:solidFill>
+              </a:rPr>
+              <a:t>まとめ</a:t>
+            </a:r>
           </a:p>
         </p:txBody>
       </p:sp>
     </p:spTree>
     <p:extLst>
       <p:ext uri="{BB962C8B-B14F-4D97-AF65-F5344CB8AC3E}">
-        <p14:creationId xmlns:p14="http://schemas.microsoft.com/office/powerpoint/2010/main" val="2744913531"/>
+        <p14:creationId xmlns:p14="http://schemas.microsoft.com/office/powerpoint/2010/main" val="227775746"/>
       </p:ext>
     </p:extLst>
   </p:cSld>
@@ -18408,6 +18151,334 @@
         </p:nvSpPr>
         <p:spPr>
           <a:xfrm>
+            <a:off x="517055" y="237258"/>
+            <a:ext cx="11400125" cy="518094"/>
+          </a:xfrm>
+        </p:spPr>
+        <p:txBody>
+          <a:bodyPr/>
+          <a:lstStyle/>
+          <a:p>
+            <a:r>
+              <a:rPr lang="ja-JP" altLang="en-US" dirty="0"/>
+              <a:t>松井さんコメント</a:t>
+            </a:r>
+            <a:endParaRPr lang="en-US" dirty="0"/>
+          </a:p>
+        </p:txBody>
+      </p:sp>
+      <p:sp>
+        <p:nvSpPr>
+          <p:cNvPr id="3" name="スライド番号プレースホルダー 2">
+            <a:extLst>
+              <a:ext uri="{FF2B5EF4-FFF2-40B4-BE49-F238E27FC236}">
+                <a16:creationId xmlns:a16="http://schemas.microsoft.com/office/drawing/2014/main" id="{ED23190D-575C-49DE-8293-87C3C1C8D779}"/>
+              </a:ext>
+            </a:extLst>
+          </p:cNvPr>
+          <p:cNvSpPr>
+            <a:spLocks noGrp="1"/>
+          </p:cNvSpPr>
+          <p:nvPr>
+            <p:ph type="sldNum" sz="quarter" idx="10"/>
+          </p:nvPr>
+        </p:nvSpPr>
+        <p:spPr/>
+        <p:txBody>
+          <a:bodyPr/>
+          <a:lstStyle/>
+          <a:p>
+            <a:fld id="{584EAAFE-CFE5-40AD-8E95-5BFF290DC5CF}" type="slidenum">
+              <a:rPr kumimoji="1" lang="ja-JP" altLang="en-US" smtClean="0"/>
+              <a:pPr/>
+              <a:t>16</a:t>
+            </a:fld>
+            <a:endParaRPr kumimoji="1" lang="ja-JP" altLang="en-US"/>
+          </a:p>
+        </p:txBody>
+      </p:sp>
+      <p:sp>
+        <p:nvSpPr>
+          <p:cNvPr id="6" name="テキスト プレースホルダー 5">
+            <a:extLst>
+              <a:ext uri="{FF2B5EF4-FFF2-40B4-BE49-F238E27FC236}">
+                <a16:creationId xmlns:a16="http://schemas.microsoft.com/office/drawing/2014/main" id="{1F609DF4-3152-4D3E-9CA5-170D4BE14906}"/>
+              </a:ext>
+            </a:extLst>
+          </p:cNvPr>
+          <p:cNvSpPr>
+            <a:spLocks noGrp="1"/>
+          </p:cNvSpPr>
+          <p:nvPr>
+            <p:ph type="body" sz="quarter" idx="11"/>
+          </p:nvPr>
+        </p:nvSpPr>
+        <p:spPr>
+          <a:xfrm>
+            <a:off x="517055" y="1071366"/>
+            <a:ext cx="11341887" cy="1205109"/>
+          </a:xfrm>
+        </p:spPr>
+        <p:txBody>
+          <a:bodyPr/>
+          <a:lstStyle/>
+          <a:p>
+            <a:r>
+              <a:rPr lang="ja-JP" altLang="en-US" sz="2800" dirty="0"/>
+              <a:t>目的</a:t>
+            </a:r>
+            <a:r>
+              <a:rPr lang="en-US" altLang="ja-JP" sz="2800" dirty="0"/>
+              <a:t>(1)</a:t>
+            </a:r>
+            <a:r>
+              <a:rPr lang="ja-JP" altLang="en-US" sz="2800" dirty="0"/>
+              <a:t>と</a:t>
+            </a:r>
+            <a:r>
+              <a:rPr lang="en-US" altLang="ja-JP" sz="2800" dirty="0"/>
+              <a:t>(2)</a:t>
+            </a:r>
+            <a:r>
+              <a:rPr lang="ja-JP" altLang="en-US" sz="2800" dirty="0"/>
+              <a:t>は関連が深いため、交互に着手するだろう</a:t>
+            </a:r>
+            <a:endParaRPr lang="en-US" altLang="ja-JP" sz="2800" dirty="0"/>
+          </a:p>
+          <a:p>
+            <a:r>
+              <a:rPr lang="ja-JP" altLang="en-US" sz="2800" dirty="0"/>
+              <a:t>目的</a:t>
+            </a:r>
+            <a:r>
+              <a:rPr lang="en-US" altLang="ja-JP" sz="2800" dirty="0"/>
+              <a:t>(2)</a:t>
+            </a:r>
+            <a:r>
+              <a:rPr lang="ja-JP" altLang="en-US" sz="2800" dirty="0"/>
+              <a:t>は、洗浄タイミングの変更の余地はわからないが、閉塞防止剤のコスト削減は考えられる</a:t>
+            </a:r>
+            <a:endParaRPr lang="en-US" altLang="ja-JP" sz="2800" dirty="0"/>
+          </a:p>
+          <a:p>
+            <a:pPr lvl="1"/>
+            <a:r>
+              <a:rPr lang="ja-JP" altLang="en-US" sz="2400" dirty="0"/>
+              <a:t>ただ、現時点では、防止剤の量を減らしたときのデータはないかもしれない</a:t>
+            </a:r>
+            <a:endParaRPr lang="en-US" altLang="ja-JP" sz="2800" dirty="0"/>
+          </a:p>
+          <a:p>
+            <a:r>
+              <a:rPr lang="ja-JP" altLang="en-US" sz="2800" dirty="0"/>
+              <a:t>膜閉塞に伴う差圧の変化は、水温や時期、閉塞の種類によって異なる</a:t>
+            </a:r>
+            <a:endParaRPr lang="en-US" altLang="ja-JP" sz="2800" dirty="0"/>
+          </a:p>
+          <a:p>
+            <a:r>
+              <a:rPr lang="ja-JP" altLang="en-US" sz="2800" dirty="0"/>
+              <a:t>透過水量は膜表面の濃度分極に従って定まるため、膜前後のデータから膜特性を同定できるだろう</a:t>
+            </a:r>
+            <a:endParaRPr lang="en-US" altLang="ja-JP" sz="2800" dirty="0"/>
+          </a:p>
+          <a:p>
+            <a:r>
+              <a:rPr lang="ja-JP" altLang="en-US" sz="2800" dirty="0"/>
+              <a:t>井本さんの</a:t>
+            </a:r>
+            <a:r>
+              <a:rPr lang="en-US" altLang="ja-JP" sz="2800" dirty="0"/>
+              <a:t>NAWI</a:t>
+            </a:r>
+            <a:r>
+              <a:rPr lang="ja-JP" altLang="en-US" sz="2800" dirty="0"/>
+              <a:t>の参加者リストへの追加が必要かどうかは確認しておく</a:t>
+            </a:r>
+            <a:endParaRPr lang="en-US" altLang="ja-JP" sz="2800" dirty="0"/>
+          </a:p>
+        </p:txBody>
+      </p:sp>
+      <p:sp>
+        <p:nvSpPr>
+          <p:cNvPr id="7" name="テキスト ボックス 6">
+            <a:extLst>
+              <a:ext uri="{FF2B5EF4-FFF2-40B4-BE49-F238E27FC236}">
+                <a16:creationId xmlns:a16="http://schemas.microsoft.com/office/drawing/2014/main" id="{A7B328BB-CF8C-4D9E-A55E-3B8C6EDCBCF7}"/>
+              </a:ext>
+            </a:extLst>
+          </p:cNvPr>
+          <p:cNvSpPr txBox="1"/>
+          <p:nvPr/>
+        </p:nvSpPr>
+        <p:spPr>
+          <a:xfrm>
+            <a:off x="571984" y="-20412"/>
+            <a:ext cx="4521842" cy="338554"/>
+          </a:xfrm>
+          <a:prstGeom prst="rect">
+            <a:avLst/>
+          </a:prstGeom>
+          <a:noFill/>
+        </p:spPr>
+        <p:txBody>
+          <a:bodyPr wrap="square" rtlCol="0">
+            <a:spAutoFit/>
+          </a:bodyPr>
+          <a:lstStyle/>
+          <a:p>
+            <a:r>
+              <a:rPr lang="en-US" altLang="ja-JP" sz="1600" b="1" dirty="0">
+                <a:solidFill>
+                  <a:schemeClr val="bg1"/>
+                </a:solidFill>
+              </a:rPr>
+              <a:t>3. </a:t>
+            </a:r>
+            <a:r>
+              <a:rPr kumimoji="1" lang="ja-JP" altLang="en-US" sz="1600" b="1" dirty="0">
+                <a:solidFill>
+                  <a:schemeClr val="bg1"/>
+                </a:solidFill>
+              </a:rPr>
+              <a:t>まとめ</a:t>
+            </a:r>
+          </a:p>
+        </p:txBody>
+      </p:sp>
+    </p:spTree>
+    <p:extLst>
+      <p:ext uri="{BB962C8B-B14F-4D97-AF65-F5344CB8AC3E}">
+        <p14:creationId xmlns:p14="http://schemas.microsoft.com/office/powerpoint/2010/main" val="716762531"/>
+      </p:ext>
+    </p:extLst>
+  </p:cSld>
+  <p:clrMapOvr>
+    <a:masterClrMapping/>
+  </p:clrMapOvr>
+</p:sld>
+</file>
+
+<file path=ppt/slides/slide17.xml><?xml version="1.0" encoding="utf-8"?>
+<p:sld xmlns:a="http://schemas.openxmlformats.org/drawingml/2006/main" xmlns:r="http://schemas.openxmlformats.org/officeDocument/2006/relationships" xmlns:p="http://schemas.openxmlformats.org/presentationml/2006/main">
+  <p:cSld>
+    <p:spTree>
+      <p:nvGrpSpPr>
+        <p:cNvPr id="1" name=""/>
+        <p:cNvGrpSpPr/>
+        <p:nvPr/>
+      </p:nvGrpSpPr>
+      <p:grpSpPr>
+        <a:xfrm>
+          <a:off x="0" y="0"/>
+          <a:ext cx="0" cy="0"/>
+          <a:chOff x="0" y="0"/>
+          <a:chExt cx="0" cy="0"/>
+        </a:xfrm>
+      </p:grpSpPr>
+      <p:sp>
+        <p:nvSpPr>
+          <p:cNvPr id="2" name="スライド番号プレースホルダー 1">
+            <a:extLst>
+              <a:ext uri="{FF2B5EF4-FFF2-40B4-BE49-F238E27FC236}">
+                <a16:creationId xmlns:a16="http://schemas.microsoft.com/office/drawing/2014/main" id="{F2B2B343-CF0D-4CE9-8049-5FF23009C315}"/>
+              </a:ext>
+            </a:extLst>
+          </p:cNvPr>
+          <p:cNvSpPr>
+            <a:spLocks noGrp="1"/>
+          </p:cNvSpPr>
+          <p:nvPr>
+            <p:ph type="sldNum" sz="quarter" idx="11"/>
+          </p:nvPr>
+        </p:nvSpPr>
+        <p:spPr/>
+        <p:txBody>
+          <a:bodyPr/>
+          <a:lstStyle/>
+          <a:p>
+            <a:fld id="{B3001740-FA51-4383-A84C-3DA006D12C29}" type="slidenum">
+              <a:rPr lang="ja-JP" altLang="en-US" smtClean="0"/>
+              <a:pPr/>
+              <a:t>17</a:t>
+            </a:fld>
+            <a:endParaRPr lang="ja-JP" altLang="en-US" dirty="0"/>
+          </a:p>
+        </p:txBody>
+      </p:sp>
+      <p:sp>
+        <p:nvSpPr>
+          <p:cNvPr id="3" name="テキスト プレースホルダー 2">
+            <a:extLst>
+              <a:ext uri="{FF2B5EF4-FFF2-40B4-BE49-F238E27FC236}">
+                <a16:creationId xmlns:a16="http://schemas.microsoft.com/office/drawing/2014/main" id="{EC73A151-6AE6-45B0-B969-B764FDC1ADAE}"/>
+              </a:ext>
+            </a:extLst>
+          </p:cNvPr>
+          <p:cNvSpPr>
+            <a:spLocks noGrp="1"/>
+          </p:cNvSpPr>
+          <p:nvPr>
+            <p:ph type="body" sz="quarter" idx="12"/>
+          </p:nvPr>
+        </p:nvSpPr>
+        <p:spPr/>
+        <p:txBody>
+          <a:bodyPr/>
+          <a:lstStyle/>
+          <a:p>
+            <a:endParaRPr kumimoji="1" lang="ja-JP" altLang="en-US"/>
+          </a:p>
+        </p:txBody>
+      </p:sp>
+    </p:spTree>
+    <p:extLst>
+      <p:ext uri="{BB962C8B-B14F-4D97-AF65-F5344CB8AC3E}">
+        <p14:creationId xmlns:p14="http://schemas.microsoft.com/office/powerpoint/2010/main" val="2744913531"/>
+      </p:ext>
+    </p:extLst>
+  </p:cSld>
+  <p:clrMapOvr>
+    <a:masterClrMapping/>
+  </p:clrMapOvr>
+</p:sld>
+</file>
+
+<file path=ppt/slides/slide18.xml><?xml version="1.0" encoding="utf-8"?>
+<p:sld xmlns:a="http://schemas.openxmlformats.org/drawingml/2006/main" xmlns:r="http://schemas.openxmlformats.org/officeDocument/2006/relationships" xmlns:p="http://schemas.openxmlformats.org/presentationml/2006/main">
+  <p:cSld>
+    <p:spTree>
+      <p:nvGrpSpPr>
+        <p:cNvPr id="1" name=""/>
+        <p:cNvGrpSpPr/>
+        <p:nvPr/>
+      </p:nvGrpSpPr>
+      <p:grpSpPr>
+        <a:xfrm>
+          <a:off x="0" y="0"/>
+          <a:ext cx="0" cy="0"/>
+          <a:chOff x="0" y="0"/>
+          <a:chExt cx="0" cy="0"/>
+        </a:xfrm>
+      </p:grpSpPr>
+      <p:sp>
+        <p:nvSpPr>
+          <p:cNvPr id="5" name="タイトル 4">
+            <a:extLst>
+              <a:ext uri="{FF2B5EF4-FFF2-40B4-BE49-F238E27FC236}">
+                <a16:creationId xmlns:a16="http://schemas.microsoft.com/office/drawing/2014/main" id="{560C5BD5-1532-4087-ACF7-85710DC69FAA}"/>
+              </a:ext>
+            </a:extLst>
+          </p:cNvPr>
+          <p:cNvSpPr>
+            <a:spLocks noGrp="1"/>
+          </p:cNvSpPr>
+          <p:nvPr>
+            <p:ph type="title"/>
+          </p:nvPr>
+        </p:nvSpPr>
+        <p:spPr>
+          <a:xfrm>
             <a:off x="517055" y="124922"/>
             <a:ext cx="11400125" cy="518094"/>
           </a:xfrm>
@@ -18470,7 +18541,7 @@
                   <a:spcPts val="600"/>
                 </a:spcAft>
               </a:pPr>
-              <a:t>16</a:t>
+              <a:t>18</a:t>
             </a:fld>
             <a:endParaRPr kumimoji="1" lang="ja-JP" altLang="en-US"/>
           </a:p>
@@ -20614,7 +20685,7 @@
 </p:sld>
 </file>
 
-<file path=ppt/slides/slide17.xml><?xml version="1.0" encoding="utf-8"?>
+<file path=ppt/slides/slide19.xml><?xml version="1.0" encoding="utf-8"?>
 <p:sld xmlns:a="http://schemas.openxmlformats.org/drawingml/2006/main" xmlns:r="http://schemas.openxmlformats.org/officeDocument/2006/relationships" xmlns:p="http://schemas.openxmlformats.org/presentationml/2006/main">
   <p:cSld>
     <p:spTree>
@@ -20707,7 +20778,7 @@
                   <a:spcPts val="600"/>
                 </a:spcAft>
               </a:pPr>
-              <a:t>17</a:t>
+              <a:t>19</a:t>
             </a:fld>
             <a:endParaRPr kumimoji="1" lang="ja-JP" altLang="en-US"/>
           </a:p>
@@ -21543,375 +21614,6 @@
     <p:extLst>
       <p:ext uri="{BB962C8B-B14F-4D97-AF65-F5344CB8AC3E}">
         <p14:creationId xmlns:p14="http://schemas.microsoft.com/office/powerpoint/2010/main" val="2347288377"/>
-      </p:ext>
-    </p:extLst>
-  </p:cSld>
-  <p:clrMapOvr>
-    <a:masterClrMapping/>
-  </p:clrMapOvr>
-</p:sld>
-</file>
-
-<file path=ppt/slides/slide18.xml><?xml version="1.0" encoding="utf-8"?>
-<p:sld xmlns:a="http://schemas.openxmlformats.org/drawingml/2006/main" xmlns:r="http://schemas.openxmlformats.org/officeDocument/2006/relationships" xmlns:p="http://schemas.openxmlformats.org/presentationml/2006/main">
-  <p:cSld>
-    <p:spTree>
-      <p:nvGrpSpPr>
-        <p:cNvPr id="1" name=""/>
-        <p:cNvGrpSpPr/>
-        <p:nvPr/>
-      </p:nvGrpSpPr>
-      <p:grpSpPr>
-        <a:xfrm>
-          <a:off x="0" y="0"/>
-          <a:ext cx="0" cy="0"/>
-          <a:chOff x="0" y="0"/>
-          <a:chExt cx="0" cy="0"/>
-        </a:xfrm>
-      </p:grpSpPr>
-      <p:sp>
-        <p:nvSpPr>
-          <p:cNvPr id="5" name="タイトル 4">
-            <a:extLst>
-              <a:ext uri="{FF2B5EF4-FFF2-40B4-BE49-F238E27FC236}">
-                <a16:creationId xmlns:a16="http://schemas.microsoft.com/office/drawing/2014/main" id="{560C5BD5-1532-4087-ACF7-85710DC69FAA}"/>
-              </a:ext>
-            </a:extLst>
-          </p:cNvPr>
-          <p:cNvSpPr>
-            <a:spLocks noGrp="1"/>
-          </p:cNvSpPr>
-          <p:nvPr>
-            <p:ph type="title"/>
-          </p:nvPr>
-        </p:nvSpPr>
-        <p:spPr>
-          <a:xfrm>
-            <a:off x="517055" y="124922"/>
-            <a:ext cx="11400125" cy="518094"/>
-          </a:xfrm>
-        </p:spPr>
-        <p:txBody>
-          <a:bodyPr anchor="ctr">
-            <a:normAutofit/>
-          </a:bodyPr>
-          <a:lstStyle/>
-          <a:p>
-            <a:r>
-              <a:rPr lang="ja-JP" altLang="en-US" dirty="0"/>
-              <a:t>塩分濃度と</a:t>
-            </a:r>
-            <a:r>
-              <a:rPr lang="en-US" altLang="ja-JP" dirty="0"/>
-              <a:t>RO</a:t>
-            </a:r>
-            <a:r>
-              <a:rPr lang="ja-JP" altLang="en-US" dirty="0"/>
-              <a:t>膜性能・発がん性物質</a:t>
-            </a:r>
-            <a:endParaRPr lang="en-US" dirty="0"/>
-          </a:p>
-        </p:txBody>
-      </p:sp>
-      <p:sp>
-        <p:nvSpPr>
-          <p:cNvPr id="3" name="スライド番号プレースホルダー 2">
-            <a:extLst>
-              <a:ext uri="{FF2B5EF4-FFF2-40B4-BE49-F238E27FC236}">
-                <a16:creationId xmlns:a16="http://schemas.microsoft.com/office/drawing/2014/main" id="{ED23190D-575C-49DE-8293-87C3C1C8D779}"/>
-              </a:ext>
-            </a:extLst>
-          </p:cNvPr>
-          <p:cNvSpPr>
-            <a:spLocks noGrp="1"/>
-          </p:cNvSpPr>
-          <p:nvPr>
-            <p:ph type="sldNum" sz="quarter" idx="10"/>
-          </p:nvPr>
-        </p:nvSpPr>
-        <p:spPr>
-          <a:xfrm>
-            <a:off x="11608823" y="6356350"/>
-            <a:ext cx="398958" cy="365125"/>
-          </a:xfrm>
-        </p:spPr>
-        <p:txBody>
-          <a:bodyPr wrap="none" anchor="ctr">
-            <a:normAutofit/>
-          </a:bodyPr>
-          <a:lstStyle/>
-          <a:p>
-            <a:pPr>
-              <a:spcAft>
-                <a:spcPts val="600"/>
-              </a:spcAft>
-            </a:pPr>
-            <a:fld id="{584EAAFE-CFE5-40AD-8E95-5BFF290DC5CF}" type="slidenum">
-              <a:rPr kumimoji="1" lang="ja-JP" altLang="en-US" smtClean="0"/>
-              <a:pPr>
-                <a:spcAft>
-                  <a:spcPts val="600"/>
-                </a:spcAft>
-              </a:pPr>
-              <a:t>18</a:t>
-            </a:fld>
-            <a:endParaRPr kumimoji="1" lang="ja-JP" altLang="en-US"/>
-          </a:p>
-        </p:txBody>
-      </p:sp>
-      <p:sp>
-        <p:nvSpPr>
-          <p:cNvPr id="47" name="テキスト プレースホルダー 5">
-            <a:extLst>
-              <a:ext uri="{FF2B5EF4-FFF2-40B4-BE49-F238E27FC236}">
-                <a16:creationId xmlns:a16="http://schemas.microsoft.com/office/drawing/2014/main" id="{C9352AFF-65FD-4211-AF51-04D235441799}"/>
-              </a:ext>
-            </a:extLst>
-          </p:cNvPr>
-          <p:cNvSpPr>
-            <a:spLocks noGrp="1"/>
-          </p:cNvSpPr>
-          <p:nvPr>
-            <p:ph type="body" sz="quarter" idx="11"/>
-          </p:nvPr>
-        </p:nvSpPr>
-        <p:spPr>
-          <a:xfrm>
-            <a:off x="164629" y="1055247"/>
-            <a:ext cx="12027371" cy="518094"/>
-          </a:xfrm>
-        </p:spPr>
-        <p:txBody>
-          <a:bodyPr>
-            <a:normAutofit/>
-          </a:bodyPr>
-          <a:lstStyle/>
-          <a:p>
-            <a:pPr marL="342900" indent="-342900">
-              <a:buFont typeface="Wingdings" panose="05000000000000000000" pitchFamily="2" charset="2"/>
-              <a:buChar char="n"/>
-            </a:pPr>
-            <a:r>
-              <a:rPr lang="ja-JP" altLang="en-US" sz="2800" dirty="0"/>
-              <a:t>塩分濃度が高いと、</a:t>
-            </a:r>
-            <a:r>
-              <a:rPr lang="en-US" altLang="ja-JP" sz="2800" dirty="0"/>
-              <a:t> RO</a:t>
-            </a:r>
-            <a:r>
-              <a:rPr lang="ja-JP" altLang="en-US" sz="2800" dirty="0"/>
-              <a:t>膜の劣化が速い上に、発がん性物質が残りやすい。</a:t>
-            </a:r>
-            <a:endParaRPr lang="en-US" altLang="ja-JP" sz="2800" dirty="0"/>
-          </a:p>
-        </p:txBody>
-      </p:sp>
-      <p:sp>
-        <p:nvSpPr>
-          <p:cNvPr id="24" name="テキスト ボックス 23">
-            <a:extLst>
-              <a:ext uri="{FF2B5EF4-FFF2-40B4-BE49-F238E27FC236}">
-                <a16:creationId xmlns:a16="http://schemas.microsoft.com/office/drawing/2014/main" id="{7AF10254-14F5-4374-8F32-F5FB6A9B9708}"/>
-              </a:ext>
-            </a:extLst>
-          </p:cNvPr>
-          <p:cNvSpPr txBox="1"/>
-          <p:nvPr/>
-        </p:nvSpPr>
-        <p:spPr>
-          <a:xfrm>
-            <a:off x="1609069" y="5282527"/>
-            <a:ext cx="8973861" cy="369332"/>
-          </a:xfrm>
-          <a:prstGeom prst="rect">
-            <a:avLst/>
-          </a:prstGeom>
-          <a:noFill/>
-        </p:spPr>
-        <p:txBody>
-          <a:bodyPr wrap="square" rtlCol="0">
-            <a:spAutoFit/>
-          </a:bodyPr>
-          <a:lstStyle/>
-          <a:p>
-            <a:pPr algn="ctr"/>
-            <a:r>
-              <a:rPr kumimoji="1" lang="ja-JP" altLang="en-US" b="1" dirty="0"/>
-              <a:t>発がん性物質を抑制し、</a:t>
-            </a:r>
-            <a:r>
-              <a:rPr kumimoji="1" lang="en-US" altLang="ja-JP" b="1" dirty="0"/>
-              <a:t>RO</a:t>
-            </a:r>
-            <a:r>
-              <a:rPr kumimoji="1" lang="ja-JP" altLang="en-US" b="1" dirty="0"/>
-              <a:t>膜を延命するには、塩分濃度を低下させる薬品添加が必要</a:t>
-            </a:r>
-            <a:endParaRPr kumimoji="1" lang="en-US" altLang="ja-JP" b="1" dirty="0"/>
-          </a:p>
-        </p:txBody>
-      </p:sp>
-      <p:sp>
-        <p:nvSpPr>
-          <p:cNvPr id="25" name="テキスト ボックス 24">
-            <a:extLst>
-              <a:ext uri="{FF2B5EF4-FFF2-40B4-BE49-F238E27FC236}">
-                <a16:creationId xmlns:a16="http://schemas.microsoft.com/office/drawing/2014/main" id="{3A1988B1-4A7C-41F8-822E-DBA6C3B24AC5}"/>
-              </a:ext>
-            </a:extLst>
-          </p:cNvPr>
-          <p:cNvSpPr txBox="1"/>
-          <p:nvPr/>
-        </p:nvSpPr>
-        <p:spPr>
-          <a:xfrm>
-            <a:off x="659928" y="3338249"/>
-            <a:ext cx="5093171" cy="646331"/>
-          </a:xfrm>
-          <a:prstGeom prst="rect">
-            <a:avLst/>
-          </a:prstGeom>
-          <a:noFill/>
-        </p:spPr>
-        <p:txBody>
-          <a:bodyPr wrap="square" rtlCol="0">
-            <a:spAutoFit/>
-          </a:bodyPr>
-          <a:lstStyle/>
-          <a:p>
-            <a:r>
-              <a:rPr kumimoji="1" lang="en-US" altLang="ja-JP" b="1" dirty="0" err="1"/>
-              <a:t>NaClO</a:t>
-            </a:r>
-            <a:r>
-              <a:rPr kumimoji="1" lang="ja-JP" altLang="en-US" b="1" dirty="0"/>
-              <a:t>量が多すぎる</a:t>
-            </a:r>
-            <a:endParaRPr kumimoji="1" lang="en-US" altLang="ja-JP" b="1" dirty="0"/>
-          </a:p>
-          <a:p>
-            <a:r>
-              <a:rPr kumimoji="1" lang="ja-JP" altLang="en-US" b="1" dirty="0"/>
-              <a:t>→トリハロメタンや</a:t>
-            </a:r>
-            <a:r>
-              <a:rPr kumimoji="1" lang="en-US" altLang="ja-JP" b="1" dirty="0"/>
-              <a:t>NDMA</a:t>
-            </a:r>
-            <a:r>
-              <a:rPr kumimoji="1" lang="ja-JP" altLang="en-US" b="1" dirty="0"/>
-              <a:t>が生成（発がん性物質）</a:t>
-            </a:r>
-          </a:p>
-        </p:txBody>
-      </p:sp>
-      <p:sp>
-        <p:nvSpPr>
-          <p:cNvPr id="26" name="テキスト ボックス 25">
-            <a:extLst>
-              <a:ext uri="{FF2B5EF4-FFF2-40B4-BE49-F238E27FC236}">
-                <a16:creationId xmlns:a16="http://schemas.microsoft.com/office/drawing/2014/main" id="{1EECBB6A-9CAF-4B4D-B268-ECBA7A2EB846}"/>
-              </a:ext>
-            </a:extLst>
-          </p:cNvPr>
-          <p:cNvSpPr txBox="1"/>
-          <p:nvPr/>
-        </p:nvSpPr>
-        <p:spPr>
-          <a:xfrm>
-            <a:off x="6515652" y="3338249"/>
-            <a:ext cx="5093171" cy="646331"/>
-          </a:xfrm>
-          <a:prstGeom prst="rect">
-            <a:avLst/>
-          </a:prstGeom>
-          <a:noFill/>
-        </p:spPr>
-        <p:txBody>
-          <a:bodyPr wrap="square" rtlCol="0">
-            <a:spAutoFit/>
-          </a:bodyPr>
-          <a:lstStyle/>
-          <a:p>
-            <a:r>
-              <a:rPr kumimoji="1" lang="ja-JP" altLang="en-US" b="1" dirty="0"/>
-              <a:t>遊離残留塩素が多すぎる</a:t>
-            </a:r>
-            <a:endParaRPr kumimoji="1" lang="en-US" altLang="ja-JP" b="1" dirty="0"/>
-          </a:p>
-          <a:p>
-            <a:r>
-              <a:rPr kumimoji="1" lang="ja-JP" altLang="en-US" b="1" dirty="0"/>
-              <a:t>→</a:t>
-            </a:r>
-            <a:r>
-              <a:rPr kumimoji="1" lang="en-US" altLang="ja-JP" b="1" dirty="0"/>
-              <a:t>RO</a:t>
-            </a:r>
-            <a:r>
-              <a:rPr kumimoji="1" lang="ja-JP" altLang="en-US" b="1" dirty="0"/>
-              <a:t>膜劣化を速める（膜交換コストがかかる）</a:t>
-            </a:r>
-          </a:p>
-        </p:txBody>
-      </p:sp>
-      <p:sp>
-        <p:nvSpPr>
-          <p:cNvPr id="27" name="テキスト ボックス 26">
-            <a:extLst>
-              <a:ext uri="{FF2B5EF4-FFF2-40B4-BE49-F238E27FC236}">
-                <a16:creationId xmlns:a16="http://schemas.microsoft.com/office/drawing/2014/main" id="{4AEB5058-A39C-441C-8795-03F555D9E1B9}"/>
-              </a:ext>
-            </a:extLst>
-          </p:cNvPr>
-          <p:cNvSpPr txBox="1"/>
-          <p:nvPr/>
-        </p:nvSpPr>
-        <p:spPr>
-          <a:xfrm>
-            <a:off x="1468200" y="2022259"/>
-            <a:ext cx="9255597" cy="400110"/>
-          </a:xfrm>
-          <a:prstGeom prst="rect">
-            <a:avLst/>
-          </a:prstGeom>
-          <a:noFill/>
-        </p:spPr>
-        <p:txBody>
-          <a:bodyPr wrap="square" rtlCol="0">
-            <a:spAutoFit/>
-          </a:bodyPr>
-          <a:lstStyle/>
-          <a:p>
-            <a:r>
-              <a:rPr lang="ja-JP" altLang="en-US" sz="2000" dirty="0"/>
-              <a:t>次亜塩素酸ナトリウム</a:t>
-            </a:r>
-            <a:r>
-              <a:rPr lang="ja-JP" altLang="en-US" dirty="0"/>
-              <a:t>（次亜塩素酸ソーダ、</a:t>
-            </a:r>
-            <a:r>
-              <a:rPr lang="en-US" altLang="ja-JP" dirty="0" err="1"/>
-              <a:t>NaClO</a:t>
-            </a:r>
-            <a:r>
-              <a:rPr lang="ja-JP" altLang="en-US" dirty="0"/>
-              <a:t>）</a:t>
-            </a:r>
-            <a:r>
-              <a:rPr lang="ja-JP" altLang="en-US" sz="2000" dirty="0"/>
-              <a:t>を注入することで、殺菌力を持たせる</a:t>
-            </a:r>
-            <a:endParaRPr kumimoji="1" lang="en-US" altLang="ja-JP" b="1" dirty="0"/>
-          </a:p>
-        </p:txBody>
-      </p:sp>
-    </p:spTree>
-    <p:extLst>
-      <p:ext uri="{BB962C8B-B14F-4D97-AF65-F5344CB8AC3E}">
-        <p14:creationId xmlns:p14="http://schemas.microsoft.com/office/powerpoint/2010/main" val="3840356058"/>
       </p:ext>
     </p:extLst>
   </p:cSld>
@@ -22114,6 +21816,375 @@
 </p:sld>
 </file>
 
+<file path=ppt/slides/slide20.xml><?xml version="1.0" encoding="utf-8"?>
+<p:sld xmlns:a="http://schemas.openxmlformats.org/drawingml/2006/main" xmlns:r="http://schemas.openxmlformats.org/officeDocument/2006/relationships" xmlns:p="http://schemas.openxmlformats.org/presentationml/2006/main">
+  <p:cSld>
+    <p:spTree>
+      <p:nvGrpSpPr>
+        <p:cNvPr id="1" name=""/>
+        <p:cNvGrpSpPr/>
+        <p:nvPr/>
+      </p:nvGrpSpPr>
+      <p:grpSpPr>
+        <a:xfrm>
+          <a:off x="0" y="0"/>
+          <a:ext cx="0" cy="0"/>
+          <a:chOff x="0" y="0"/>
+          <a:chExt cx="0" cy="0"/>
+        </a:xfrm>
+      </p:grpSpPr>
+      <p:sp>
+        <p:nvSpPr>
+          <p:cNvPr id="5" name="タイトル 4">
+            <a:extLst>
+              <a:ext uri="{FF2B5EF4-FFF2-40B4-BE49-F238E27FC236}">
+                <a16:creationId xmlns:a16="http://schemas.microsoft.com/office/drawing/2014/main" id="{560C5BD5-1532-4087-ACF7-85710DC69FAA}"/>
+              </a:ext>
+            </a:extLst>
+          </p:cNvPr>
+          <p:cNvSpPr>
+            <a:spLocks noGrp="1"/>
+          </p:cNvSpPr>
+          <p:nvPr>
+            <p:ph type="title"/>
+          </p:nvPr>
+        </p:nvSpPr>
+        <p:spPr>
+          <a:xfrm>
+            <a:off x="517055" y="124922"/>
+            <a:ext cx="11400125" cy="518094"/>
+          </a:xfrm>
+        </p:spPr>
+        <p:txBody>
+          <a:bodyPr anchor="ctr">
+            <a:normAutofit/>
+          </a:bodyPr>
+          <a:lstStyle/>
+          <a:p>
+            <a:r>
+              <a:rPr lang="ja-JP" altLang="en-US" dirty="0"/>
+              <a:t>塩分濃度と</a:t>
+            </a:r>
+            <a:r>
+              <a:rPr lang="en-US" altLang="ja-JP" dirty="0"/>
+              <a:t>RO</a:t>
+            </a:r>
+            <a:r>
+              <a:rPr lang="ja-JP" altLang="en-US" dirty="0"/>
+              <a:t>膜性能・発がん性物質</a:t>
+            </a:r>
+            <a:endParaRPr lang="en-US" dirty="0"/>
+          </a:p>
+        </p:txBody>
+      </p:sp>
+      <p:sp>
+        <p:nvSpPr>
+          <p:cNvPr id="3" name="スライド番号プレースホルダー 2">
+            <a:extLst>
+              <a:ext uri="{FF2B5EF4-FFF2-40B4-BE49-F238E27FC236}">
+                <a16:creationId xmlns:a16="http://schemas.microsoft.com/office/drawing/2014/main" id="{ED23190D-575C-49DE-8293-87C3C1C8D779}"/>
+              </a:ext>
+            </a:extLst>
+          </p:cNvPr>
+          <p:cNvSpPr>
+            <a:spLocks noGrp="1"/>
+          </p:cNvSpPr>
+          <p:nvPr>
+            <p:ph type="sldNum" sz="quarter" idx="10"/>
+          </p:nvPr>
+        </p:nvSpPr>
+        <p:spPr>
+          <a:xfrm>
+            <a:off x="11608823" y="6356350"/>
+            <a:ext cx="398958" cy="365125"/>
+          </a:xfrm>
+        </p:spPr>
+        <p:txBody>
+          <a:bodyPr wrap="none" anchor="ctr">
+            <a:normAutofit/>
+          </a:bodyPr>
+          <a:lstStyle/>
+          <a:p>
+            <a:pPr>
+              <a:spcAft>
+                <a:spcPts val="600"/>
+              </a:spcAft>
+            </a:pPr>
+            <a:fld id="{584EAAFE-CFE5-40AD-8E95-5BFF290DC5CF}" type="slidenum">
+              <a:rPr kumimoji="1" lang="ja-JP" altLang="en-US" smtClean="0"/>
+              <a:pPr>
+                <a:spcAft>
+                  <a:spcPts val="600"/>
+                </a:spcAft>
+              </a:pPr>
+              <a:t>20</a:t>
+            </a:fld>
+            <a:endParaRPr kumimoji="1" lang="ja-JP" altLang="en-US"/>
+          </a:p>
+        </p:txBody>
+      </p:sp>
+      <p:sp>
+        <p:nvSpPr>
+          <p:cNvPr id="47" name="テキスト プレースホルダー 5">
+            <a:extLst>
+              <a:ext uri="{FF2B5EF4-FFF2-40B4-BE49-F238E27FC236}">
+                <a16:creationId xmlns:a16="http://schemas.microsoft.com/office/drawing/2014/main" id="{C9352AFF-65FD-4211-AF51-04D235441799}"/>
+              </a:ext>
+            </a:extLst>
+          </p:cNvPr>
+          <p:cNvSpPr>
+            <a:spLocks noGrp="1"/>
+          </p:cNvSpPr>
+          <p:nvPr>
+            <p:ph type="body" sz="quarter" idx="11"/>
+          </p:nvPr>
+        </p:nvSpPr>
+        <p:spPr>
+          <a:xfrm>
+            <a:off x="164629" y="1055247"/>
+            <a:ext cx="12027371" cy="518094"/>
+          </a:xfrm>
+        </p:spPr>
+        <p:txBody>
+          <a:bodyPr>
+            <a:normAutofit/>
+          </a:bodyPr>
+          <a:lstStyle/>
+          <a:p>
+            <a:pPr marL="342900" indent="-342900">
+              <a:buFont typeface="Wingdings" panose="05000000000000000000" pitchFamily="2" charset="2"/>
+              <a:buChar char="n"/>
+            </a:pPr>
+            <a:r>
+              <a:rPr lang="ja-JP" altLang="en-US" sz="2800" dirty="0"/>
+              <a:t>塩分濃度が高いと、</a:t>
+            </a:r>
+            <a:r>
+              <a:rPr lang="en-US" altLang="ja-JP" sz="2800" dirty="0"/>
+              <a:t> RO</a:t>
+            </a:r>
+            <a:r>
+              <a:rPr lang="ja-JP" altLang="en-US" sz="2800" dirty="0"/>
+              <a:t>膜の劣化が速い上に、発がん性物質が残りやすい。</a:t>
+            </a:r>
+            <a:endParaRPr lang="en-US" altLang="ja-JP" sz="2800" dirty="0"/>
+          </a:p>
+        </p:txBody>
+      </p:sp>
+      <p:sp>
+        <p:nvSpPr>
+          <p:cNvPr id="24" name="テキスト ボックス 23">
+            <a:extLst>
+              <a:ext uri="{FF2B5EF4-FFF2-40B4-BE49-F238E27FC236}">
+                <a16:creationId xmlns:a16="http://schemas.microsoft.com/office/drawing/2014/main" id="{7AF10254-14F5-4374-8F32-F5FB6A9B9708}"/>
+              </a:ext>
+            </a:extLst>
+          </p:cNvPr>
+          <p:cNvSpPr txBox="1"/>
+          <p:nvPr/>
+        </p:nvSpPr>
+        <p:spPr>
+          <a:xfrm>
+            <a:off x="1609069" y="5282527"/>
+            <a:ext cx="8973861" cy="369332"/>
+          </a:xfrm>
+          <a:prstGeom prst="rect">
+            <a:avLst/>
+          </a:prstGeom>
+          <a:noFill/>
+        </p:spPr>
+        <p:txBody>
+          <a:bodyPr wrap="square" rtlCol="0">
+            <a:spAutoFit/>
+          </a:bodyPr>
+          <a:lstStyle/>
+          <a:p>
+            <a:pPr algn="ctr"/>
+            <a:r>
+              <a:rPr kumimoji="1" lang="ja-JP" altLang="en-US" b="1" dirty="0"/>
+              <a:t>発がん性物質を抑制し、</a:t>
+            </a:r>
+            <a:r>
+              <a:rPr kumimoji="1" lang="en-US" altLang="ja-JP" b="1" dirty="0"/>
+              <a:t>RO</a:t>
+            </a:r>
+            <a:r>
+              <a:rPr kumimoji="1" lang="ja-JP" altLang="en-US" b="1" dirty="0"/>
+              <a:t>膜を延命するには、塩分濃度を低下させる薬品添加が必要</a:t>
+            </a:r>
+            <a:endParaRPr kumimoji="1" lang="en-US" altLang="ja-JP" b="1" dirty="0"/>
+          </a:p>
+        </p:txBody>
+      </p:sp>
+      <p:sp>
+        <p:nvSpPr>
+          <p:cNvPr id="25" name="テキスト ボックス 24">
+            <a:extLst>
+              <a:ext uri="{FF2B5EF4-FFF2-40B4-BE49-F238E27FC236}">
+                <a16:creationId xmlns:a16="http://schemas.microsoft.com/office/drawing/2014/main" id="{3A1988B1-4A7C-41F8-822E-DBA6C3B24AC5}"/>
+              </a:ext>
+            </a:extLst>
+          </p:cNvPr>
+          <p:cNvSpPr txBox="1"/>
+          <p:nvPr/>
+        </p:nvSpPr>
+        <p:spPr>
+          <a:xfrm>
+            <a:off x="659928" y="3338249"/>
+            <a:ext cx="5093171" cy="646331"/>
+          </a:xfrm>
+          <a:prstGeom prst="rect">
+            <a:avLst/>
+          </a:prstGeom>
+          <a:noFill/>
+        </p:spPr>
+        <p:txBody>
+          <a:bodyPr wrap="square" rtlCol="0">
+            <a:spAutoFit/>
+          </a:bodyPr>
+          <a:lstStyle/>
+          <a:p>
+            <a:r>
+              <a:rPr kumimoji="1" lang="en-US" altLang="ja-JP" b="1" dirty="0" err="1"/>
+              <a:t>NaClO</a:t>
+            </a:r>
+            <a:r>
+              <a:rPr kumimoji="1" lang="ja-JP" altLang="en-US" b="1" dirty="0"/>
+              <a:t>量が多すぎる</a:t>
+            </a:r>
+            <a:endParaRPr kumimoji="1" lang="en-US" altLang="ja-JP" b="1" dirty="0"/>
+          </a:p>
+          <a:p>
+            <a:r>
+              <a:rPr kumimoji="1" lang="ja-JP" altLang="en-US" b="1" dirty="0"/>
+              <a:t>→トリハロメタンや</a:t>
+            </a:r>
+            <a:r>
+              <a:rPr kumimoji="1" lang="en-US" altLang="ja-JP" b="1" dirty="0"/>
+              <a:t>NDMA</a:t>
+            </a:r>
+            <a:r>
+              <a:rPr kumimoji="1" lang="ja-JP" altLang="en-US" b="1" dirty="0"/>
+              <a:t>が生成（発がん性物質）</a:t>
+            </a:r>
+          </a:p>
+        </p:txBody>
+      </p:sp>
+      <p:sp>
+        <p:nvSpPr>
+          <p:cNvPr id="26" name="テキスト ボックス 25">
+            <a:extLst>
+              <a:ext uri="{FF2B5EF4-FFF2-40B4-BE49-F238E27FC236}">
+                <a16:creationId xmlns:a16="http://schemas.microsoft.com/office/drawing/2014/main" id="{1EECBB6A-9CAF-4B4D-B268-ECBA7A2EB846}"/>
+              </a:ext>
+            </a:extLst>
+          </p:cNvPr>
+          <p:cNvSpPr txBox="1"/>
+          <p:nvPr/>
+        </p:nvSpPr>
+        <p:spPr>
+          <a:xfrm>
+            <a:off x="6515652" y="3338249"/>
+            <a:ext cx="5093171" cy="646331"/>
+          </a:xfrm>
+          <a:prstGeom prst="rect">
+            <a:avLst/>
+          </a:prstGeom>
+          <a:noFill/>
+        </p:spPr>
+        <p:txBody>
+          <a:bodyPr wrap="square" rtlCol="0">
+            <a:spAutoFit/>
+          </a:bodyPr>
+          <a:lstStyle/>
+          <a:p>
+            <a:r>
+              <a:rPr kumimoji="1" lang="ja-JP" altLang="en-US" b="1" dirty="0"/>
+              <a:t>遊離残留塩素が多すぎる</a:t>
+            </a:r>
+            <a:endParaRPr kumimoji="1" lang="en-US" altLang="ja-JP" b="1" dirty="0"/>
+          </a:p>
+          <a:p>
+            <a:r>
+              <a:rPr kumimoji="1" lang="ja-JP" altLang="en-US" b="1" dirty="0"/>
+              <a:t>→</a:t>
+            </a:r>
+            <a:r>
+              <a:rPr kumimoji="1" lang="en-US" altLang="ja-JP" b="1" dirty="0"/>
+              <a:t>RO</a:t>
+            </a:r>
+            <a:r>
+              <a:rPr kumimoji="1" lang="ja-JP" altLang="en-US" b="1" dirty="0"/>
+              <a:t>膜劣化を速める（膜交換コストがかかる）</a:t>
+            </a:r>
+          </a:p>
+        </p:txBody>
+      </p:sp>
+      <p:sp>
+        <p:nvSpPr>
+          <p:cNvPr id="27" name="テキスト ボックス 26">
+            <a:extLst>
+              <a:ext uri="{FF2B5EF4-FFF2-40B4-BE49-F238E27FC236}">
+                <a16:creationId xmlns:a16="http://schemas.microsoft.com/office/drawing/2014/main" id="{4AEB5058-A39C-441C-8795-03F555D9E1B9}"/>
+              </a:ext>
+            </a:extLst>
+          </p:cNvPr>
+          <p:cNvSpPr txBox="1"/>
+          <p:nvPr/>
+        </p:nvSpPr>
+        <p:spPr>
+          <a:xfrm>
+            <a:off x="1468200" y="2022259"/>
+            <a:ext cx="9255597" cy="400110"/>
+          </a:xfrm>
+          <a:prstGeom prst="rect">
+            <a:avLst/>
+          </a:prstGeom>
+          <a:noFill/>
+        </p:spPr>
+        <p:txBody>
+          <a:bodyPr wrap="square" rtlCol="0">
+            <a:spAutoFit/>
+          </a:bodyPr>
+          <a:lstStyle/>
+          <a:p>
+            <a:r>
+              <a:rPr lang="ja-JP" altLang="en-US" sz="2000" dirty="0"/>
+              <a:t>次亜塩素酸ナトリウム</a:t>
+            </a:r>
+            <a:r>
+              <a:rPr lang="ja-JP" altLang="en-US" dirty="0"/>
+              <a:t>（次亜塩素酸ソーダ、</a:t>
+            </a:r>
+            <a:r>
+              <a:rPr lang="en-US" altLang="ja-JP" dirty="0" err="1"/>
+              <a:t>NaClO</a:t>
+            </a:r>
+            <a:r>
+              <a:rPr lang="ja-JP" altLang="en-US" dirty="0"/>
+              <a:t>）</a:t>
+            </a:r>
+            <a:r>
+              <a:rPr lang="ja-JP" altLang="en-US" sz="2000" dirty="0"/>
+              <a:t>を注入することで、殺菌力を持たせる</a:t>
+            </a:r>
+            <a:endParaRPr kumimoji="1" lang="en-US" altLang="ja-JP" b="1" dirty="0"/>
+          </a:p>
+        </p:txBody>
+      </p:sp>
+    </p:spTree>
+    <p:extLst>
+      <p:ext uri="{BB962C8B-B14F-4D97-AF65-F5344CB8AC3E}">
+        <p14:creationId xmlns:p14="http://schemas.microsoft.com/office/powerpoint/2010/main" val="3840356058"/>
+      </p:ext>
+    </p:extLst>
+  </p:cSld>
+  <p:clrMapOvr>
+    <a:masterClrMapping/>
+  </p:clrMapOvr>
+</p:sld>
+</file>
+
 <file path=ppt/slides/slide3.xml><?xml version="1.0" encoding="utf-8"?>
 <p:sld xmlns:a="http://schemas.openxmlformats.org/drawingml/2006/main" xmlns:r="http://schemas.openxmlformats.org/officeDocument/2006/relationships" xmlns:p="http://schemas.openxmlformats.org/presentationml/2006/main">
   <p:cSld>
@@ -22301,7 +22372,7 @@
         </p:nvSpPr>
         <p:spPr>
           <a:xfrm>
-            <a:off x="2413994" y="4847271"/>
+            <a:off x="1899644" y="4847271"/>
             <a:ext cx="968755" cy="666750"/>
           </a:xfrm>
           <a:prstGeom prst="hexagon">
@@ -22357,7 +22428,7 @@
         </p:nvSpPr>
         <p:spPr>
           <a:xfrm>
-            <a:off x="663567" y="4695008"/>
+            <a:off x="327884" y="4699490"/>
             <a:ext cx="1421232" cy="369332"/>
           </a:xfrm>
           <a:prstGeom prst="rect">
@@ -22393,7 +22464,7 @@
         </p:nvSpPr>
         <p:spPr>
           <a:xfrm>
-            <a:off x="1198095" y="5079783"/>
+            <a:off x="864720" y="5079783"/>
             <a:ext cx="828675" cy="236157"/>
           </a:xfrm>
           <a:prstGeom prst="rightArrow">
@@ -22446,7 +22517,7 @@
         </p:nvSpPr>
         <p:spPr>
           <a:xfrm>
-            <a:off x="3748682" y="5098766"/>
+            <a:off x="3053357" y="5098766"/>
             <a:ext cx="828675" cy="236157"/>
           </a:xfrm>
           <a:prstGeom prst="rightArrow">
@@ -22499,7 +22570,7 @@
         </p:nvSpPr>
         <p:spPr>
           <a:xfrm>
-            <a:off x="3280954" y="4703972"/>
+            <a:off x="2623729" y="4699490"/>
             <a:ext cx="1421232" cy="369332"/>
           </a:xfrm>
           <a:prstGeom prst="rect">
@@ -22535,7 +22606,7 @@
         </p:nvSpPr>
         <p:spPr>
           <a:xfrm rot="16200000">
-            <a:off x="2449801" y="5730296"/>
+            <a:off x="1935451" y="5730296"/>
             <a:ext cx="481621" cy="246023"/>
           </a:xfrm>
           <a:prstGeom prst="rightArrow">
@@ -22588,7 +22659,7 @@
         </p:nvSpPr>
         <p:spPr>
           <a:xfrm>
-            <a:off x="3159560" y="5684830"/>
+            <a:off x="2645210" y="5684830"/>
             <a:ext cx="939213" cy="369332"/>
           </a:xfrm>
           <a:prstGeom prst="rect">
@@ -22624,7 +22695,7 @@
         </p:nvSpPr>
         <p:spPr>
           <a:xfrm>
-            <a:off x="313730" y="3741131"/>
+            <a:off x="189905" y="3741131"/>
             <a:ext cx="5118285" cy="369332"/>
           </a:xfrm>
           <a:prstGeom prst="rect">
@@ -22644,7 +22715,7 @@
             </a:pPr>
             <a:r>
               <a:rPr kumimoji="1" lang="ja-JP" altLang="en-US" dirty="0"/>
-              <a:t>下記の関係を表現する特性式を作成</a:t>
+              <a:t>設備の入出力関係を特性式として表現</a:t>
             </a:r>
           </a:p>
         </p:txBody>
@@ -22663,7 +22734,7 @@
         </p:nvCxnSpPr>
         <p:spPr>
           <a:xfrm flipV="1">
-            <a:off x="6781143" y="5149521"/>
+            <a:off x="6657318" y="5149521"/>
             <a:ext cx="0" cy="895116"/>
           </a:xfrm>
           <a:prstGeom prst="straightConnector1">
@@ -22708,7 +22779,7 @@
         </p:nvCxnSpPr>
         <p:spPr>
           <a:xfrm>
-            <a:off x="6783335" y="6031212"/>
+            <a:off x="6659510" y="6031212"/>
             <a:ext cx="1905000" cy="0"/>
           </a:xfrm>
           <a:prstGeom prst="straightConnector1">
@@ -22751,7 +22822,7 @@
         </p:nvSpPr>
         <p:spPr>
           <a:xfrm>
-            <a:off x="7122795" y="5172486"/>
+            <a:off x="6998970" y="5172486"/>
             <a:ext cx="806666" cy="338554"/>
           </a:xfrm>
           <a:prstGeom prst="rect">
@@ -22787,7 +22858,7 @@
         </p:nvSpPr>
         <p:spPr>
           <a:xfrm>
-            <a:off x="6948568" y="5606167"/>
+            <a:off x="6824743" y="5606167"/>
             <a:ext cx="1451912" cy="89007"/>
           </a:xfrm>
           <a:custGeom>
@@ -22902,7 +22973,7 @@
         </p:nvCxnSpPr>
         <p:spPr>
           <a:xfrm>
-            <a:off x="6782229" y="5603494"/>
+            <a:off x="6658404" y="5603494"/>
             <a:ext cx="1842806" cy="0"/>
           </a:xfrm>
           <a:prstGeom prst="line">
@@ -22934,8 +23005,8 @@
           </a:fontRef>
         </p:style>
       </p:cxnSp>
-      <mc:AlternateContent xmlns:mc="http://schemas.openxmlformats.org/markup-compatibility/2006">
-        <mc:Choice xmlns:a14="http://schemas.microsoft.com/office/drawing/2010/main" Requires="a14">
+      <mc:AlternateContent xmlns:mc="http://schemas.openxmlformats.org/markup-compatibility/2006" xmlns:a14="http://schemas.microsoft.com/office/drawing/2010/main">
+        <mc:Choice Requires="a14">
           <p:sp>
             <p:nvSpPr>
               <p:cNvPr id="23" name="テキスト ボックス 22">
@@ -22950,7 +23021,7 @@
             </p:nvSpPr>
             <p:spPr>
               <a:xfrm>
-                <a:off x="8243413" y="6028917"/>
+                <a:off x="8119588" y="6028917"/>
                 <a:ext cx="591312" cy="261610"/>
               </a:xfrm>
               <a:prstGeom prst="rect">
@@ -22984,7 +23055,7 @@
             </p:txBody>
           </p:sp>
         </mc:Choice>
-        <mc:Fallback>
+        <mc:Fallback xmlns="">
           <p:sp>
             <p:nvSpPr>
               <p:cNvPr id="23" name="テキスト ボックス 22">
@@ -23001,7 +23072,7 @@
             </p:nvSpPr>
             <p:spPr>
               <a:xfrm>
-                <a:off x="8243413" y="6028917"/>
+                <a:off x="8119588" y="6028917"/>
                 <a:ext cx="591312" cy="261610"/>
               </a:xfrm>
               <a:prstGeom prst="rect">
@@ -23043,7 +23114,7 @@
         </p:nvCxnSpPr>
         <p:spPr>
           <a:xfrm>
-            <a:off x="6794913" y="5784470"/>
+            <a:off x="6671088" y="5784470"/>
             <a:ext cx="1842806" cy="0"/>
           </a:xfrm>
           <a:prstGeom prst="line">
@@ -23089,7 +23160,7 @@
         </p:nvSpPr>
         <p:spPr>
           <a:xfrm rot="16200000" flipV="1">
-            <a:off x="5588295" y="3980611"/>
+            <a:off x="5464470" y="3980611"/>
             <a:ext cx="775465" cy="382997"/>
           </a:xfrm>
           <a:prstGeom prst="triangle">
@@ -23147,7 +23218,7 @@
         </p:nvCxnSpPr>
         <p:spPr>
           <a:xfrm flipV="1">
-            <a:off x="6793807" y="4071861"/>
+            <a:off x="6669982" y="4071861"/>
             <a:ext cx="0" cy="895116"/>
           </a:xfrm>
           <a:prstGeom prst="straightConnector1">
@@ -23192,7 +23263,7 @@
         </p:nvCxnSpPr>
         <p:spPr>
           <a:xfrm>
-            <a:off x="6794913" y="4963396"/>
+            <a:off x="6671088" y="4963396"/>
             <a:ext cx="1905000" cy="0"/>
           </a:xfrm>
           <a:prstGeom prst="straightConnector1">
@@ -23235,7 +23306,7 @@
         </p:nvSpPr>
         <p:spPr>
           <a:xfrm>
-            <a:off x="7104943" y="4021883"/>
+            <a:off x="6981118" y="4021883"/>
             <a:ext cx="806666" cy="338554"/>
           </a:xfrm>
           <a:prstGeom prst="rect">
@@ -23257,8 +23328,8 @@
           </a:p>
         </p:txBody>
       </p:sp>
-      <mc:AlternateContent xmlns:mc="http://schemas.openxmlformats.org/markup-compatibility/2006">
-        <mc:Choice xmlns:a14="http://schemas.microsoft.com/office/drawing/2010/main" Requires="a14">
+      <mc:AlternateContent xmlns:mc="http://schemas.openxmlformats.org/markup-compatibility/2006" xmlns:a14="http://schemas.microsoft.com/office/drawing/2010/main">
+        <mc:Choice Requires="a14">
           <p:sp>
             <p:nvSpPr>
               <p:cNvPr id="31" name="テキスト ボックス 30">
@@ -23273,7 +23344,7 @@
             </p:nvSpPr>
             <p:spPr>
               <a:xfrm>
-                <a:off x="8243413" y="4967287"/>
+                <a:off x="8119588" y="4967287"/>
                 <a:ext cx="591312" cy="261610"/>
               </a:xfrm>
               <a:prstGeom prst="rect">
@@ -23307,7 +23378,7 @@
             </p:txBody>
           </p:sp>
         </mc:Choice>
-        <mc:Fallback>
+        <mc:Fallback xmlns="">
           <p:sp>
             <p:nvSpPr>
               <p:cNvPr id="31" name="テキスト ボックス 30">
@@ -23324,7 +23395,7 @@
             </p:nvSpPr>
             <p:spPr>
               <a:xfrm>
-                <a:off x="8243413" y="4967287"/>
+                <a:off x="8119588" y="4967287"/>
                 <a:ext cx="591312" cy="261610"/>
               </a:xfrm>
               <a:prstGeom prst="rect">
@@ -23366,7 +23437,7 @@
         </p:nvSpPr>
         <p:spPr>
           <a:xfrm>
-            <a:off x="9507185" y="5510508"/>
+            <a:off x="9383360" y="5510508"/>
             <a:ext cx="2185064" cy="369332"/>
           </a:xfrm>
           <a:prstGeom prst="rect">
@@ -23402,7 +23473,7 @@
         </p:nvSpPr>
         <p:spPr>
           <a:xfrm>
-            <a:off x="6948568" y="4315458"/>
+            <a:off x="6824743" y="4315458"/>
             <a:ext cx="1451912" cy="494877"/>
           </a:xfrm>
           <a:custGeom>
@@ -23517,7 +23588,7 @@
         </p:nvSpPr>
         <p:spPr>
           <a:xfrm rot="5400000">
-            <a:off x="8780607" y="4490269"/>
+            <a:off x="8656782" y="4490269"/>
             <a:ext cx="298996" cy="382430"/>
           </a:xfrm>
           <a:prstGeom prst="rightArrow">
@@ -23570,7 +23641,7 @@
         </p:nvCxnSpPr>
         <p:spPr>
           <a:xfrm flipV="1">
-            <a:off x="6781143" y="2956418"/>
+            <a:off x="6657318" y="2956418"/>
             <a:ext cx="0" cy="895116"/>
           </a:xfrm>
           <a:prstGeom prst="straightConnector1">
@@ -23615,7 +23686,7 @@
         </p:nvCxnSpPr>
         <p:spPr>
           <a:xfrm>
-            <a:off x="6782249" y="3847953"/>
+            <a:off x="6658424" y="3847953"/>
             <a:ext cx="1905000" cy="0"/>
           </a:xfrm>
           <a:prstGeom prst="straightConnector1">
@@ -23658,7 +23729,7 @@
         </p:nvSpPr>
         <p:spPr>
           <a:xfrm>
-            <a:off x="7138374" y="2913111"/>
+            <a:off x="7014549" y="2913111"/>
             <a:ext cx="806666" cy="338554"/>
           </a:xfrm>
           <a:prstGeom prst="rect">
@@ -23680,8 +23751,8 @@
           </a:p>
         </p:txBody>
       </p:sp>
-      <mc:AlternateContent xmlns:mc="http://schemas.openxmlformats.org/markup-compatibility/2006">
-        <mc:Choice xmlns:a14="http://schemas.microsoft.com/office/drawing/2010/main" Requires="a14">
+      <mc:AlternateContent xmlns:mc="http://schemas.openxmlformats.org/markup-compatibility/2006" xmlns:a14="http://schemas.microsoft.com/office/drawing/2010/main">
+        <mc:Choice Requires="a14">
           <p:sp>
             <p:nvSpPr>
               <p:cNvPr id="39" name="テキスト ボックス 38">
@@ -23696,7 +23767,7 @@
             </p:nvSpPr>
             <p:spPr>
               <a:xfrm>
-                <a:off x="8248463" y="3853823"/>
+                <a:off x="8124638" y="3853823"/>
                 <a:ext cx="591312" cy="261610"/>
               </a:xfrm>
               <a:prstGeom prst="rect">
@@ -23730,7 +23801,7 @@
             </p:txBody>
           </p:sp>
         </mc:Choice>
-        <mc:Fallback>
+        <mc:Fallback xmlns="">
           <p:sp>
             <p:nvSpPr>
               <p:cNvPr id="39" name="テキスト ボックス 38">
@@ -23747,7 +23818,7 @@
             </p:nvSpPr>
             <p:spPr>
               <a:xfrm>
-                <a:off x="8248463" y="3853823"/>
+                <a:off x="8124638" y="3853823"/>
                 <a:ext cx="591312" cy="261610"/>
               </a:xfrm>
               <a:prstGeom prst="rect">
@@ -23789,7 +23860,7 @@
         </p:nvSpPr>
         <p:spPr>
           <a:xfrm flipV="1">
-            <a:off x="6932233" y="3381549"/>
+            <a:off x="6808408" y="3381549"/>
             <a:ext cx="1451912" cy="383396"/>
           </a:xfrm>
           <a:custGeom>
@@ -23904,7 +23975,7 @@
         </p:nvSpPr>
         <p:spPr>
           <a:xfrm>
-            <a:off x="9459730" y="4358383"/>
+            <a:off x="9335905" y="4358383"/>
             <a:ext cx="2185064" cy="369332"/>
           </a:xfrm>
           <a:prstGeom prst="rect">
@@ -23940,7 +24011,7 @@
         </p:nvSpPr>
         <p:spPr>
           <a:xfrm>
-            <a:off x="9122946" y="3261375"/>
+            <a:off x="8999121" y="3261375"/>
             <a:ext cx="2758547" cy="369332"/>
           </a:xfrm>
           <a:prstGeom prst="rect">
@@ -23976,7 +24047,7 @@
         </p:nvSpPr>
         <p:spPr>
           <a:xfrm>
-            <a:off x="7468605" y="1753845"/>
+            <a:off x="7344780" y="1753845"/>
             <a:ext cx="3494500" cy="400110"/>
           </a:xfrm>
           <a:prstGeom prst="rect">
@@ -24012,7 +24083,7 @@
         </p:nvSpPr>
         <p:spPr>
           <a:xfrm>
-            <a:off x="1060461" y="1748017"/>
+            <a:off x="936636" y="1748017"/>
             <a:ext cx="3925447" cy="400110"/>
           </a:xfrm>
           <a:prstGeom prst="rect">
@@ -24050,7 +24121,7 @@
         </p:nvCxnSpPr>
         <p:spPr>
           <a:xfrm flipH="1">
-            <a:off x="415430" y="2148127"/>
+            <a:off x="291605" y="2148127"/>
             <a:ext cx="5138283" cy="0"/>
           </a:xfrm>
           <a:prstGeom prst="line">
@@ -24098,7 +24169,7 @@
         </p:nvCxnSpPr>
         <p:spPr>
           <a:xfrm flipH="1">
-            <a:off x="6351569" y="2148127"/>
+            <a:off x="6227744" y="2148127"/>
             <a:ext cx="5652111" cy="0"/>
           </a:xfrm>
           <a:prstGeom prst="line">
@@ -24144,7 +24215,7 @@
         </p:nvSpPr>
         <p:spPr>
           <a:xfrm>
-            <a:off x="6333610" y="2360416"/>
+            <a:off x="6209785" y="2360416"/>
             <a:ext cx="5764490" cy="369332"/>
           </a:xfrm>
           <a:prstGeom prst="rect">
@@ -24183,7 +24254,7 @@
         </p:nvSpPr>
         <p:spPr>
           <a:xfrm>
-            <a:off x="320180" y="2360416"/>
+            <a:off x="196355" y="2360416"/>
             <a:ext cx="5328144" cy="369332"/>
           </a:xfrm>
           <a:prstGeom prst="rect">
@@ -24222,7 +24293,7 @@
         </p:nvSpPr>
         <p:spPr>
           <a:xfrm rot="5400000">
-            <a:off x="2821289" y="5741866"/>
+            <a:off x="2306939" y="5741866"/>
             <a:ext cx="481621" cy="246023"/>
           </a:xfrm>
           <a:prstGeom prst="rightArrow">
@@ -24275,7 +24346,7 @@
         </p:nvCxnSpPr>
         <p:spPr>
           <a:xfrm>
-            <a:off x="6793807" y="4823066"/>
+            <a:off x="6669982" y="4823066"/>
             <a:ext cx="1842806" cy="0"/>
           </a:xfrm>
           <a:prstGeom prst="line">
@@ -24307,8 +24378,8 @@
           </a:fontRef>
         </p:style>
       </p:cxnSp>
-      <mc:AlternateContent xmlns:mc="http://schemas.openxmlformats.org/markup-compatibility/2006">
-        <mc:Choice xmlns:a14="http://schemas.microsoft.com/office/drawing/2010/main" Requires="a14">
+      <mc:AlternateContent xmlns:mc="http://schemas.openxmlformats.org/markup-compatibility/2006" xmlns:a14="http://schemas.microsoft.com/office/drawing/2010/main">
+        <mc:Choice Requires="a14">
           <p:sp>
             <p:nvSpPr>
               <p:cNvPr id="54" name="テキスト ボックス 53">
@@ -24323,7 +24394,7 @@
             </p:nvSpPr>
             <p:spPr>
               <a:xfrm>
-                <a:off x="970430" y="2827571"/>
+                <a:off x="846605" y="2827571"/>
                 <a:ext cx="1393067" cy="338554"/>
               </a:xfrm>
               <a:prstGeom prst="rect">
@@ -24383,7 +24454,7 @@
             </p:txBody>
           </p:sp>
         </mc:Choice>
-        <mc:Fallback>
+        <mc:Fallback xmlns="">
           <p:sp>
             <p:nvSpPr>
               <p:cNvPr id="54" name="テキスト ボックス 53">
@@ -24400,7 +24471,7 @@
             </p:nvSpPr>
             <p:spPr>
               <a:xfrm>
-                <a:off x="970430" y="2827571"/>
+                <a:off x="846605" y="2827571"/>
                 <a:ext cx="1393067" cy="338554"/>
               </a:xfrm>
               <a:prstGeom prst="rect">
@@ -24428,8 +24499,8 @@
           </p:sp>
         </mc:Fallback>
       </mc:AlternateContent>
-      <mc:AlternateContent xmlns:mc="http://schemas.openxmlformats.org/markup-compatibility/2006">
-        <mc:Choice xmlns:a14="http://schemas.microsoft.com/office/drawing/2010/main" Requires="a14">
+      <mc:AlternateContent xmlns:mc="http://schemas.openxmlformats.org/markup-compatibility/2006" xmlns:a14="http://schemas.microsoft.com/office/drawing/2010/main">
+        <mc:Choice Requires="a14">
           <p:sp>
             <p:nvSpPr>
               <p:cNvPr id="55" name="テキスト ボックス 54">
@@ -24444,7 +24515,7 @@
             </p:nvSpPr>
             <p:spPr>
               <a:xfrm>
-                <a:off x="1641248" y="4695008"/>
+                <a:off x="1307873" y="4714879"/>
                 <a:ext cx="667154" cy="338554"/>
               </a:xfrm>
               <a:prstGeom prst="rect">
@@ -24497,7 +24568,7 @@
             </p:txBody>
           </p:sp>
         </mc:Choice>
-        <mc:Fallback>
+        <mc:Fallback xmlns="">
           <p:sp>
             <p:nvSpPr>
               <p:cNvPr id="55" name="テキスト ボックス 54">
@@ -24514,7 +24585,7 @@
             </p:nvSpPr>
             <p:spPr>
               <a:xfrm>
-                <a:off x="1641248" y="4695008"/>
+                <a:off x="1307873" y="4714879"/>
                 <a:ext cx="667154" cy="338554"/>
               </a:xfrm>
               <a:prstGeom prst="rect">
@@ -24542,8 +24613,8 @@
           </p:sp>
         </mc:Fallback>
       </mc:AlternateContent>
-      <mc:AlternateContent xmlns:mc="http://schemas.openxmlformats.org/markup-compatibility/2006">
-        <mc:Choice xmlns:a14="http://schemas.microsoft.com/office/drawing/2010/main" Requires="a14">
+      <mc:AlternateContent xmlns:mc="http://schemas.openxmlformats.org/markup-compatibility/2006" xmlns:a14="http://schemas.microsoft.com/office/drawing/2010/main">
+        <mc:Choice Requires="a14">
           <p:sp>
             <p:nvSpPr>
               <p:cNvPr id="56" name="テキスト ボックス 55">
@@ -24558,7 +24629,7 @@
             </p:nvSpPr>
             <p:spPr>
               <a:xfrm>
-                <a:off x="4146090" y="4695008"/>
+                <a:off x="3450765" y="4714879"/>
                 <a:ext cx="667154" cy="338554"/>
               </a:xfrm>
               <a:prstGeom prst="rect">
@@ -24611,7 +24682,7 @@
             </p:txBody>
           </p:sp>
         </mc:Choice>
-        <mc:Fallback>
+        <mc:Fallback xmlns="">
           <p:sp>
             <p:nvSpPr>
               <p:cNvPr id="56" name="テキスト ボックス 55">
@@ -24628,7 +24699,7 @@
             </p:nvSpPr>
             <p:spPr>
               <a:xfrm>
-                <a:off x="4146090" y="4695008"/>
+                <a:off x="3450765" y="4714879"/>
                 <a:ext cx="667154" cy="338554"/>
               </a:xfrm>
               <a:prstGeom prst="rect">
@@ -24656,8 +24727,8 @@
           </p:sp>
         </mc:Fallback>
       </mc:AlternateContent>
-      <mc:AlternateContent xmlns:mc="http://schemas.openxmlformats.org/markup-compatibility/2006">
-        <mc:Choice xmlns:a14="http://schemas.microsoft.com/office/drawing/2010/main" Requires="a14">
+      <mc:AlternateContent xmlns:mc="http://schemas.openxmlformats.org/markup-compatibility/2006" xmlns:a14="http://schemas.microsoft.com/office/drawing/2010/main">
+        <mc:Choice Requires="a14">
           <p:sp>
             <p:nvSpPr>
               <p:cNvPr id="57" name="テキスト ボックス 56">
@@ -24672,7 +24743,7 @@
             </p:nvSpPr>
             <p:spPr>
               <a:xfrm>
-                <a:off x="3859685" y="5672993"/>
+                <a:off x="3345335" y="5672993"/>
                 <a:ext cx="667154" cy="338554"/>
               </a:xfrm>
               <a:prstGeom prst="rect">
@@ -24725,7 +24796,7 @@
             </p:txBody>
           </p:sp>
         </mc:Choice>
-        <mc:Fallback>
+        <mc:Fallback xmlns="">
           <p:sp>
             <p:nvSpPr>
               <p:cNvPr id="57" name="テキスト ボックス 56">
@@ -24742,7 +24813,7 @@
             </p:nvSpPr>
             <p:spPr>
               <a:xfrm>
-                <a:off x="3859685" y="5672993"/>
+                <a:off x="3345335" y="5672993"/>
                 <a:ext cx="667154" cy="338554"/>
               </a:xfrm>
               <a:prstGeom prst="rect">
@@ -24770,8 +24841,8 @@
           </p:sp>
         </mc:Fallback>
       </mc:AlternateContent>
-      <mc:AlternateContent xmlns:mc="http://schemas.openxmlformats.org/markup-compatibility/2006">
-        <mc:Choice xmlns:a14="http://schemas.microsoft.com/office/drawing/2010/main" Requires="a14">
+      <mc:AlternateContent xmlns:mc="http://schemas.openxmlformats.org/markup-compatibility/2006" xmlns:a14="http://schemas.microsoft.com/office/drawing/2010/main">
+        <mc:Choice Requires="a14">
           <p:sp>
             <p:nvSpPr>
               <p:cNvPr id="58" name="テキスト ボックス 57">
@@ -24786,7 +24857,7 @@
             </p:nvSpPr>
             <p:spPr>
               <a:xfrm>
-                <a:off x="7663294" y="5160364"/>
+                <a:off x="7539469" y="5160364"/>
                 <a:ext cx="667154" cy="338554"/>
               </a:xfrm>
               <a:prstGeom prst="rect">
@@ -24839,7 +24910,7 @@
             </p:txBody>
           </p:sp>
         </mc:Choice>
-        <mc:Fallback>
+        <mc:Fallback xmlns="">
           <p:sp>
             <p:nvSpPr>
               <p:cNvPr id="58" name="テキスト ボックス 57">
@@ -24856,7 +24927,7 @@
             </p:nvSpPr>
             <p:spPr>
               <a:xfrm>
-                <a:off x="7663294" y="5160364"/>
+                <a:off x="7539469" y="5160364"/>
                 <a:ext cx="667154" cy="338554"/>
               </a:xfrm>
               <a:prstGeom prst="rect">
@@ -24884,8 +24955,8 @@
           </p:sp>
         </mc:Fallback>
       </mc:AlternateContent>
-      <mc:AlternateContent xmlns:mc="http://schemas.openxmlformats.org/markup-compatibility/2006">
-        <mc:Choice xmlns:a14="http://schemas.microsoft.com/office/drawing/2010/main" Requires="a14">
+      <mc:AlternateContent xmlns:mc="http://schemas.openxmlformats.org/markup-compatibility/2006" xmlns:a14="http://schemas.microsoft.com/office/drawing/2010/main">
+        <mc:Choice Requires="a14">
           <p:sp>
             <p:nvSpPr>
               <p:cNvPr id="59" name="テキスト ボックス 58">
@@ -24900,7 +24971,7 @@
             </p:nvSpPr>
             <p:spPr>
               <a:xfrm>
-                <a:off x="7702929" y="2890595"/>
+                <a:off x="7579104" y="2890595"/>
                 <a:ext cx="667154" cy="338554"/>
               </a:xfrm>
               <a:prstGeom prst="rect">
@@ -24953,7 +25024,7 @@
             </p:txBody>
           </p:sp>
         </mc:Choice>
-        <mc:Fallback>
+        <mc:Fallback xmlns="">
           <p:sp>
             <p:nvSpPr>
               <p:cNvPr id="59" name="テキスト ボックス 58">
@@ -24970,7 +25041,7 @@
             </p:nvSpPr>
             <p:spPr>
               <a:xfrm>
-                <a:off x="7702929" y="2890595"/>
+                <a:off x="7579104" y="2890595"/>
                 <a:ext cx="667154" cy="338554"/>
               </a:xfrm>
               <a:prstGeom prst="rect">
@@ -24998,8 +25069,8 @@
           </p:sp>
         </mc:Fallback>
       </mc:AlternateContent>
-      <mc:AlternateContent xmlns:mc="http://schemas.openxmlformats.org/markup-compatibility/2006">
-        <mc:Choice xmlns:a14="http://schemas.microsoft.com/office/drawing/2010/main" Requires="a14">
+      <mc:AlternateContent xmlns:mc="http://schemas.openxmlformats.org/markup-compatibility/2006" xmlns:a14="http://schemas.microsoft.com/office/drawing/2010/main">
+        <mc:Choice Requires="a14">
           <p:sp>
             <p:nvSpPr>
               <p:cNvPr id="60" name="テキスト ボックス 59">
@@ -25014,7 +25085,7 @@
             </p:nvSpPr>
             <p:spPr>
               <a:xfrm>
-                <a:off x="7765905" y="4015934"/>
+                <a:off x="7642080" y="4015934"/>
                 <a:ext cx="667154" cy="338554"/>
               </a:xfrm>
               <a:prstGeom prst="rect">
@@ -25067,7 +25138,7 @@
             </p:txBody>
           </p:sp>
         </mc:Choice>
-        <mc:Fallback>
+        <mc:Fallback xmlns="">
           <p:sp>
             <p:nvSpPr>
               <p:cNvPr id="60" name="テキスト ボックス 59">
@@ -25084,7 +25155,7 @@
             </p:nvSpPr>
             <p:spPr>
               <a:xfrm>
-                <a:off x="7765905" y="4015934"/>
+                <a:off x="7642080" y="4015934"/>
                 <a:ext cx="667154" cy="338554"/>
               </a:xfrm>
               <a:prstGeom prst="rect">
@@ -25112,8 +25183,8 @@
           </p:sp>
         </mc:Fallback>
       </mc:AlternateContent>
-      <mc:AlternateContent xmlns:mc="http://schemas.openxmlformats.org/markup-compatibility/2006">
-        <mc:Choice xmlns:a14="http://schemas.microsoft.com/office/drawing/2010/main" Requires="a14">
+      <mc:AlternateContent xmlns:mc="http://schemas.openxmlformats.org/markup-compatibility/2006" xmlns:a14="http://schemas.microsoft.com/office/drawing/2010/main">
+        <mc:Choice Requires="a14">
           <p:sp>
             <p:nvSpPr>
               <p:cNvPr id="61" name="テキスト ボックス 60">
@@ -25128,7 +25199,7 @@
             </p:nvSpPr>
             <p:spPr>
               <a:xfrm>
-                <a:off x="724409" y="3196022"/>
+                <a:off x="600584" y="3196022"/>
                 <a:ext cx="1843191" cy="338554"/>
               </a:xfrm>
               <a:prstGeom prst="rect">
@@ -25193,7 +25264,7 @@
             </p:txBody>
           </p:sp>
         </mc:Choice>
-        <mc:Fallback>
+        <mc:Fallback xmlns="">
           <p:sp>
             <p:nvSpPr>
               <p:cNvPr id="61" name="テキスト ボックス 60">
@@ -25210,7 +25281,7 @@
             </p:nvSpPr>
             <p:spPr>
               <a:xfrm>
-                <a:off x="724409" y="3196022"/>
+                <a:off x="600584" y="3196022"/>
                 <a:ext cx="1843191" cy="338554"/>
               </a:xfrm>
               <a:prstGeom prst="rect">
@@ -25252,8 +25323,8 @@
         </p:nvSpPr>
         <p:spPr>
           <a:xfrm>
-            <a:off x="2667394" y="2827571"/>
-            <a:ext cx="2244037" cy="338554"/>
+            <a:off x="2544171" y="2827571"/>
+            <a:ext cx="2425830" cy="338554"/>
           </a:xfrm>
           <a:prstGeom prst="rect">
             <a:avLst/>
@@ -25266,10 +25337,9 @@
           </a:bodyPr>
           <a:lstStyle/>
           <a:p>
-            <a:pPr algn="ctr"/>
             <a:r>
               <a:rPr kumimoji="1" lang="ja-JP" altLang="en-US" sz="1600" dirty="0"/>
-              <a:t>品質が水準を遵守する</a:t>
+              <a:t>：品質が水準を遵守したい</a:t>
             </a:r>
           </a:p>
         </p:txBody>
@@ -25288,8 +25358,8 @@
         </p:nvSpPr>
         <p:spPr>
           <a:xfrm>
-            <a:off x="2659818" y="3196022"/>
-            <a:ext cx="2244037" cy="338554"/>
+            <a:off x="2544171" y="3196022"/>
+            <a:ext cx="2501810" cy="338554"/>
           </a:xfrm>
           <a:prstGeom prst="rect">
             <a:avLst/>
@@ -25302,16 +25372,15 @@
           </a:bodyPr>
           <a:lstStyle/>
           <a:p>
-            <a:pPr algn="ctr"/>
             <a:r>
               <a:rPr kumimoji="1" lang="ja-JP" altLang="en-US" sz="1600" dirty="0"/>
-              <a:t>操業コストを最小化する</a:t>
-            </a:r>
-          </a:p>
-        </p:txBody>
-      </p:sp>
-      <mc:AlternateContent xmlns:mc="http://schemas.openxmlformats.org/markup-compatibility/2006">
-        <mc:Choice xmlns:a14="http://schemas.microsoft.com/office/drawing/2010/main" Requires="a14">
+              <a:t>：操業コストを減らしたい</a:t>
+            </a:r>
+          </a:p>
+        </p:txBody>
+      </p:sp>
+      <mc:AlternateContent xmlns:mc="http://schemas.openxmlformats.org/markup-compatibility/2006" xmlns:a14="http://schemas.microsoft.com/office/drawing/2010/main">
+        <mc:Choice Requires="a14">
           <p:sp>
             <p:nvSpPr>
               <p:cNvPr id="64" name="テキスト ボックス 63">
@@ -25326,7 +25395,7 @@
             </p:nvSpPr>
             <p:spPr>
               <a:xfrm>
-                <a:off x="762263" y="4172110"/>
+                <a:off x="638438" y="4192457"/>
                 <a:ext cx="1675628" cy="338554"/>
               </a:xfrm>
               <a:prstGeom prst="rect">
@@ -25403,7 +25472,7 @@
             </p:txBody>
           </p:sp>
         </mc:Choice>
-        <mc:Fallback>
+        <mc:Fallback xmlns="">
           <p:sp>
             <p:nvSpPr>
               <p:cNvPr id="64" name="テキスト ボックス 63">
@@ -25420,7 +25489,7 @@
             </p:nvSpPr>
             <p:spPr>
               <a:xfrm>
-                <a:off x="762263" y="4172110"/>
+                <a:off x="638438" y="4192457"/>
                 <a:ext cx="1675628" cy="338554"/>
               </a:xfrm>
               <a:prstGeom prst="rect">
@@ -25429,7 +25498,7 @@
               <a:blipFill>
                 <a:blip r:embed="rId12"/>
                 <a:stretch>
-                  <a:fillRect b="-10714"/>
+                  <a:fillRect b="-12727"/>
                 </a:stretch>
               </a:blipFill>
             </p:spPr>
@@ -25462,8 +25531,8 @@
         </p:nvSpPr>
         <p:spPr>
           <a:xfrm>
-            <a:off x="2737666" y="4187018"/>
-            <a:ext cx="2244037" cy="338554"/>
+            <a:off x="2513905" y="4192457"/>
+            <a:ext cx="2456095" cy="338554"/>
           </a:xfrm>
           <a:prstGeom prst="rect">
             <a:avLst/>
@@ -25476,14 +25545,112 @@
           </a:bodyPr>
           <a:lstStyle/>
           <a:p>
-            <a:pPr algn="ctr"/>
             <a:r>
               <a:rPr kumimoji="1" lang="ja-JP" altLang="en-US" sz="1600" dirty="0"/>
-              <a:t>設備特性に従う</a:t>
-            </a:r>
-          </a:p>
-        </p:txBody>
-      </p:sp>
+              <a:t>：各変数は特性に従うべき</a:t>
+            </a:r>
+          </a:p>
+        </p:txBody>
+      </p:sp>
+      <p:sp>
+        <p:nvSpPr>
+          <p:cNvPr id="66" name="吹き出し: 角を丸めた四角形 65">
+            <a:extLst>
+              <a:ext uri="{FF2B5EF4-FFF2-40B4-BE49-F238E27FC236}">
+                <a16:creationId xmlns:a16="http://schemas.microsoft.com/office/drawing/2014/main" id="{DC5AFAAD-76E6-4432-839D-037AC4FBD9BA}"/>
+              </a:ext>
+            </a:extLst>
+          </p:cNvPr>
+          <p:cNvSpPr/>
+          <p:nvPr/>
+        </p:nvSpPr>
+        <p:spPr>
+          <a:xfrm>
+            <a:off x="4245458" y="4644280"/>
+            <a:ext cx="1429757" cy="590783"/>
+          </a:xfrm>
+          <a:prstGeom prst="wedgeRoundRectCallout">
+            <a:avLst>
+              <a:gd name="adj1" fmla="val -39020"/>
+              <a:gd name="adj2" fmla="val -66008"/>
+              <a:gd name="adj3" fmla="val 16667"/>
+            </a:avLst>
+          </a:prstGeom>
+          <a:solidFill>
+            <a:schemeClr val="bg1"/>
+          </a:solidFill>
+        </p:spPr>
+        <p:style>
+          <a:lnRef idx="2">
+            <a:schemeClr val="accent1">
+              <a:shade val="50000"/>
+            </a:schemeClr>
+          </a:lnRef>
+          <a:fillRef idx="1">
+            <a:schemeClr val="accent1"/>
+          </a:fillRef>
+          <a:effectRef idx="0">
+            <a:schemeClr val="accent1"/>
+          </a:effectRef>
+          <a:fontRef idx="minor">
+            <a:schemeClr val="lt1"/>
+          </a:fontRef>
+        </p:style>
+        <p:txBody>
+          <a:bodyPr rtlCol="0" anchor="ctr"/>
+          <a:lstStyle/>
+          <a:p>
+            <a:r>
+              <a:rPr kumimoji="1" lang="ja-JP" altLang="en-US" sz="1600" dirty="0">
+                <a:solidFill>
+                  <a:schemeClr val="tx1"/>
+                </a:solidFill>
+              </a:rPr>
+              <a:t>データ駆動の使いどころ</a:t>
+            </a:r>
+          </a:p>
+        </p:txBody>
+      </p:sp>
+      <p:cxnSp>
+        <p:nvCxnSpPr>
+          <p:cNvPr id="15" name="直線矢印コネクタ 14">
+            <a:extLst>
+              <a:ext uri="{FF2B5EF4-FFF2-40B4-BE49-F238E27FC236}">
+                <a16:creationId xmlns:a16="http://schemas.microsoft.com/office/drawing/2014/main" id="{9931BB36-7E2D-44E7-B2AD-7F57013A70A9}"/>
+              </a:ext>
+            </a:extLst>
+          </p:cNvPr>
+          <p:cNvCxnSpPr/>
+          <p:nvPr/>
+        </p:nvCxnSpPr>
+        <p:spPr>
+          <a:xfrm>
+            <a:off x="8801100" y="5559218"/>
+            <a:ext cx="0" cy="251224"/>
+          </a:xfrm>
+          <a:prstGeom prst="straightConnector1">
+            <a:avLst/>
+          </a:prstGeom>
+          <a:ln>
+            <a:headEnd type="triangle"/>
+            <a:tailEnd type="triangle"/>
+          </a:ln>
+        </p:spPr>
+        <p:style>
+          <a:lnRef idx="1">
+            <a:schemeClr val="accent1"/>
+          </a:lnRef>
+          <a:fillRef idx="0">
+            <a:schemeClr val="accent1"/>
+          </a:fillRef>
+          <a:effectRef idx="0">
+            <a:schemeClr val="accent1"/>
+          </a:effectRef>
+          <a:fontRef idx="minor">
+            <a:schemeClr val="tx1"/>
+          </a:fontRef>
+        </p:style>
+      </p:cxnSp>
     </p:spTree>
     <p:extLst>
       <p:ext uri="{BB962C8B-B14F-4D97-AF65-F5344CB8AC3E}">
@@ -27111,7 +27278,7 @@
         </p:nvSpPr>
         <p:spPr>
           <a:xfrm>
-            <a:off x="517055" y="1071366"/>
+            <a:off x="517055" y="1088133"/>
             <a:ext cx="11341887" cy="4681734"/>
           </a:xfrm>
         </p:spPr>
@@ -27295,8 +27462,8 @@
         </p:nvSpPr>
         <p:spPr>
           <a:xfrm>
-            <a:off x="285750" y="1897895"/>
-            <a:ext cx="10550995" cy="3905250"/>
+            <a:off x="2009776" y="1897895"/>
+            <a:ext cx="9998005" cy="3905250"/>
           </a:xfrm>
           <a:prstGeom prst="roundRect">
             <a:avLst/>
@@ -27358,8 +27525,8 @@
         </p:nvSpPr>
         <p:spPr>
           <a:xfrm>
-            <a:off x="473594" y="2033422"/>
-            <a:ext cx="9944100" cy="2483083"/>
+            <a:off x="2126788" y="2033422"/>
+            <a:ext cx="9681514" cy="2483083"/>
           </a:xfrm>
           <a:prstGeom prst="roundRect">
             <a:avLst/>
@@ -27421,7 +27588,7 @@
         </p:nvSpPr>
         <p:spPr>
           <a:xfrm>
-            <a:off x="781050" y="2180032"/>
+            <a:off x="2311863" y="2173678"/>
             <a:ext cx="7753349" cy="1154592"/>
           </a:xfrm>
           <a:prstGeom prst="roundRect">
@@ -27591,7 +27758,7 @@
         </p:nvSpPr>
         <p:spPr>
           <a:xfrm>
-            <a:off x="850430" y="4610361"/>
+            <a:off x="2374430" y="4610361"/>
             <a:ext cx="6293320" cy="400110"/>
           </a:xfrm>
           <a:prstGeom prst="rect">
@@ -27670,7 +27837,7 @@
         </p:nvSpPr>
         <p:spPr>
           <a:xfrm>
-            <a:off x="850429" y="2313367"/>
+            <a:off x="2374429" y="2316142"/>
             <a:ext cx="7121995" cy="400110"/>
           </a:xfrm>
           <a:prstGeom prst="rect">
@@ -27733,7 +27900,7 @@
         </p:nvSpPr>
         <p:spPr>
           <a:xfrm>
-            <a:off x="850429" y="3507560"/>
+            <a:off x="2374429" y="3510335"/>
             <a:ext cx="6817196" cy="400110"/>
           </a:xfrm>
           <a:prstGeom prst="rect">
@@ -27824,7 +27991,7 @@
         </p:nvSpPr>
         <p:spPr>
           <a:xfrm rot="16200000">
-            <a:off x="1095994" y="2784121"/>
+            <a:off x="2619994" y="2784121"/>
             <a:ext cx="234205" cy="405690"/>
           </a:xfrm>
           <a:prstGeom prst="downArrow">
@@ -27884,7 +28051,7 @@
         </p:nvSpPr>
         <p:spPr>
           <a:xfrm>
-            <a:off x="1587386" y="2799504"/>
+            <a:off x="3111386" y="2799504"/>
             <a:ext cx="6521641" cy="400110"/>
           </a:xfrm>
           <a:prstGeom prst="rect">
@@ -27919,7 +28086,7 @@
         </p:nvSpPr>
         <p:spPr>
           <a:xfrm rot="16200000">
-            <a:off x="1095991" y="3928077"/>
+            <a:off x="2619991" y="3928077"/>
             <a:ext cx="234205" cy="405690"/>
           </a:xfrm>
           <a:prstGeom prst="downArrow">
@@ -27979,7 +28146,7 @@
         </p:nvSpPr>
         <p:spPr>
           <a:xfrm>
-            <a:off x="1587385" y="3943460"/>
+            <a:off x="3111385" y="3943460"/>
             <a:ext cx="8816620" cy="400110"/>
           </a:xfrm>
           <a:prstGeom prst="rect">
@@ -28014,7 +28181,7 @@
         </p:nvSpPr>
         <p:spPr>
           <a:xfrm rot="16200000">
-            <a:off x="1095989" y="5004606"/>
+            <a:off x="2619989" y="5004606"/>
             <a:ext cx="234205" cy="405690"/>
           </a:xfrm>
           <a:prstGeom prst="downArrow">
@@ -28074,7 +28241,7 @@
         </p:nvSpPr>
         <p:spPr>
           <a:xfrm>
-            <a:off x="1587382" y="5019989"/>
+            <a:off x="3111382" y="5019989"/>
             <a:ext cx="8337667" cy="707886"/>
           </a:xfrm>
           <a:prstGeom prst="rect">
@@ -28116,8 +28283,8 @@
           <p:nvPr/>
         </p:nvSpPr>
         <p:spPr>
-          <a:xfrm>
-            <a:off x="10084270" y="3363199"/>
+          <a:xfrm rot="10800000">
+            <a:off x="1596849" y="3360550"/>
             <a:ext cx="319735" cy="2423422"/>
           </a:xfrm>
           <a:prstGeom prst="rightBrace">
@@ -28168,8 +28335,8 @@
         </p:nvSpPr>
         <p:spPr>
           <a:xfrm>
-            <a:off x="10555761" y="4374855"/>
-            <a:ext cx="1628774" cy="400110"/>
+            <a:off x="85130" y="2415785"/>
+            <a:ext cx="1449799" cy="646331"/>
           </a:xfrm>
           <a:prstGeom prst="rect">
             <a:avLst/>
@@ -28182,11 +28349,12 @@
           </a:bodyPr>
           <a:lstStyle/>
           <a:p>
-            <a:r>
-              <a:rPr kumimoji="1" lang="ja-JP" altLang="en-US" sz="2000" b="1" dirty="0"/>
-              <a:t>膜状態監視</a:t>
-            </a:r>
-            <a:endParaRPr kumimoji="1" lang="ja-JP" altLang="en-US" sz="2000" dirty="0"/>
+            <a:pPr algn="ctr"/>
+            <a:r>
+              <a:rPr kumimoji="1" lang="ja-JP" altLang="en-US" b="1" dirty="0"/>
+              <a:t>膜状態固定の最適化</a:t>
+            </a:r>
+            <a:endParaRPr kumimoji="1" lang="ja-JP" altLang="en-US" dirty="0"/>
           </a:p>
         </p:txBody>
       </p:sp>
@@ -28242,6 +28410,102 @@
               </a:rPr>
               <a:t>の方針</a:t>
             </a:r>
+          </a:p>
+        </p:txBody>
+      </p:sp>
+      <p:sp>
+        <p:nvSpPr>
+          <p:cNvPr id="24" name="右中かっこ 23">
+            <a:extLst>
+              <a:ext uri="{FF2B5EF4-FFF2-40B4-BE49-F238E27FC236}">
+                <a16:creationId xmlns:a16="http://schemas.microsoft.com/office/drawing/2014/main" id="{7B9E8167-6D70-49BE-9818-5844466A66BD}"/>
+              </a:ext>
+            </a:extLst>
+          </p:cNvPr>
+          <p:cNvSpPr/>
+          <p:nvPr/>
+        </p:nvSpPr>
+        <p:spPr>
+          <a:xfrm rot="10800000">
+            <a:off x="1594790" y="2173678"/>
+            <a:ext cx="319735" cy="1130545"/>
+          </a:xfrm>
+          <a:prstGeom prst="rightBrace">
+            <a:avLst/>
+          </a:prstGeom>
+          <a:ln>
+            <a:solidFill>
+              <a:schemeClr val="tx1"/>
+            </a:solidFill>
+            <a:headEnd type="none" w="med" len="med"/>
+            <a:tailEnd type="none" w="med" len="med"/>
+          </a:ln>
+        </p:spPr>
+        <p:style>
+          <a:lnRef idx="1">
+            <a:schemeClr val="accent1"/>
+          </a:lnRef>
+          <a:fillRef idx="0">
+            <a:schemeClr val="accent1"/>
+          </a:fillRef>
+          <a:effectRef idx="0">
+            <a:schemeClr val="accent1"/>
+          </a:effectRef>
+          <a:fontRef idx="minor">
+            <a:schemeClr val="tx1"/>
+          </a:fontRef>
+        </p:style>
+        <p:txBody>
+          <a:bodyPr rtlCol="0" anchor="ctr"/>
+          <a:lstStyle/>
+          <a:p>
+            <a:pPr algn="ctr"/>
+            <a:endParaRPr kumimoji="1" lang="ja-JP" altLang="en-US"/>
+          </a:p>
+        </p:txBody>
+      </p:sp>
+      <p:sp>
+        <p:nvSpPr>
+          <p:cNvPr id="25" name="テキスト ボックス 24">
+            <a:extLst>
+              <a:ext uri="{FF2B5EF4-FFF2-40B4-BE49-F238E27FC236}">
+                <a16:creationId xmlns:a16="http://schemas.microsoft.com/office/drawing/2014/main" id="{07D4771B-AA8C-4F5C-B93B-BF7BE3A59FC5}"/>
+              </a:ext>
+            </a:extLst>
+          </p:cNvPr>
+          <p:cNvSpPr txBox="1"/>
+          <p:nvPr/>
+        </p:nvSpPr>
+        <p:spPr>
+          <a:xfrm>
+            <a:off x="85130" y="4133544"/>
+            <a:ext cx="1449799" cy="923330"/>
+          </a:xfrm>
+          <a:prstGeom prst="rect">
+            <a:avLst/>
+          </a:prstGeom>
+          <a:noFill/>
+        </p:spPr>
+        <p:txBody>
+          <a:bodyPr wrap="square" rtlCol="0">
+            <a:spAutoFit/>
+          </a:bodyPr>
+          <a:lstStyle/>
+          <a:p>
+            <a:pPr algn="ctr"/>
+            <a:r>
+              <a:rPr kumimoji="1" lang="ja-JP" altLang="en-US" b="1" dirty="0"/>
+              <a:t>膜状態監視を活かした</a:t>
+            </a:r>
+            <a:endParaRPr kumimoji="1" lang="en-US" altLang="ja-JP" b="1" dirty="0"/>
+          </a:p>
+          <a:p>
+            <a:pPr algn="ctr"/>
+            <a:r>
+              <a:rPr kumimoji="1" lang="ja-JP" altLang="en-US" b="1" dirty="0"/>
+              <a:t>最適化</a:t>
+            </a:r>
+            <a:endParaRPr kumimoji="1" lang="ja-JP" altLang="en-US" dirty="0"/>
           </a:p>
         </p:txBody>
       </p:sp>
@@ -35656,7 +35920,7 @@
                   <a:schemeClr val="tx1"/>
                 </a:solidFill>
               </a:rPr>
-              <a:t>供給不足を予防できる？）</a:t>
+              <a:t>供給量不足を予防できる？）</a:t>
             </a:r>
             <a:endParaRPr kumimoji="1" lang="en-US" altLang="ja-JP" sz="1600" dirty="0">
               <a:solidFill>
